--- a/Sleep_Health_and_Lifestyle_Analysis.pptx
+++ b/Sleep_Health_and_Lifestyle_Analysis.pptx
@@ -11375,7 +11375,7 @@
           <a:p>
             <a:r>
               <a:rPr sz="1400" b="1"/>
-              <a:t>Skewness Analysis</a:t>
+              <a:t>Distribution Shape (Mean vs. Median)</a:t>
             </a:r>
           </a:p>
           <a:p>
@@ -11388,38 +11388,31 @@
           <a:p>
             <a:r>
               <a:rPr sz="1400"/>
-              <a:t>The mean (59.17) is slightly less than the median (60.00), which</a:t>
+              <a:t>The mean (59.17) is very close to the median (60.00), indicating</a:t>
             </a:r>
           </a:p>
           <a:p>
             <a:r>
               <a:rPr sz="1400"/>
-              <a:t>suggests the distribution is left-skewed (negatively skewed).</a:t>
-            </a:r>
-          </a:p>
-          <a:p>
-            <a:pPr>
-              <a:spcAft>
-                <a:spcPts val="400"/>
-              </a:spcAft>
-            </a:pPr>
-          </a:p>
-          <a:p>
-            <a:r>
-              <a:rPr sz="1400"/>
-              <a:t>This indicates there is a slight tail toward lower physical activity</a:t>
+              <a:t>the distribution is approximately symmetric. The mean is slightly</a:t>
             </a:r>
           </a:p>
           <a:p>
             <a:r>
               <a:rPr sz="1400"/>
-              <a:t>values. However, the difference is small, so the distribution is</a:t>
+              <a:t>less than the median, which can suggest a minor left tail, but the</a:t>
             </a:r>
           </a:p>
           <a:p>
             <a:r>
               <a:rPr sz="1400"/>
-              <a:t>nearly symmetric overall.</a:t>
+              <a:t>difference is negligible—the distribution of physical activity</a:t>
+            </a:r>
+          </a:p>
+          <a:p>
+            <a:r>
+              <a:rPr sz="1400"/>
+              <a:t>levels is effectively symmetric.</a:t>
             </a:r>
           </a:p>
         </p:txBody>
@@ -11764,11 +11757,11 @@
             </a:pPr>
             <a:r>
               <a:rPr sz="1300" b="1"/>
-              <a:t>Distribution Shape: </a:t>
+              <a:t>Measures of Center: </a:t>
             </a:r>
             <a:r>
               <a:rPr sz="1300" b="0"/>
-              <a:t>Right-skewed (positive skew)</a:t>
+              <a:t>Mean = 70.17, Median = 70.00, Mode = 68 bpm</a:t>
             </a:r>
             <a:endParaRPr sz="3000">
               <a:solidFill>
@@ -11785,14 +11778,24 @@
           </a:p>
           <a:p>
             <a:r>
-              <a:rPr sz="1300"/>
-              <a:t>Most heart rates cluster between 65–75 bpm, with a tail</a:t>
+              <a:rPr sz="1300" b="1"/>
+              <a:t>Distribution Shape (Mean vs. Median): </a:t>
+            </a:r>
+            <a:r>
+              <a:rPr sz="1300" b="0"/>
+              <a:t>Right-skewed (positive skew)</a:t>
             </a:r>
           </a:p>
           <a:p>
             <a:r>
               <a:rPr sz="1300"/>
-              <a:t>extending toward higher values (up to 86 bpm).</a:t>
+              <a:t>The mean (70.17) is greater than the median (70.00), confirming a</a:t>
+            </a:r>
+          </a:p>
+          <a:p>
+            <a:r>
+              <a:rPr sz="1300"/>
+              <a:t>right-skewed distribution with a tail toward higher heart rates.</a:t>
             </a:r>
           </a:p>
           <a:p>
@@ -11817,13 +11820,6 @@
               <a:rPr sz="1300"/>
               <a:t>Heart rates above 78 bpm are outliers: 80, 81, 82, 83, 84, 85, 86 bpm.</a:t>
             </a:r>
-          </a:p>
-          <a:p>
-            <a:pPr>
-              <a:spcAft>
-                <a:spcPts val="400"/>
-              </a:spcAft>
-            </a:pPr>
           </a:p>
           <a:p>
             <a:r>

--- a/Sleep_Health_and_Lifestyle_Analysis.pptx
+++ b/Sleep_Health_and_Lifestyle_Analysis.pptx
@@ -1423,18 +1423,13 @@
             <a:noAutofit/>
           </a:bodyPr>
           <a:lstStyle>
-            <a:lvl1pPr lvl="0" rtl="0">
-              <a:spcBef>
-                <a:spcPts val="0"/>
-              </a:spcBef>
-              <a:spcAft>
-                <a:spcPts val="0"/>
-              </a:spcAft>
-              <a:buClr>
-                <a:schemeClr val="lt1"/>
-              </a:buClr>
-              <a:buSzPts val="9000"/>
-              <a:buFont typeface="Open Sans Light"/>
+            <a:lvl1pPr lvl="0" rtl="0" indent="0" marL="0">
+              <a:spcBef>
+                <a:spcPts val="0"/>
+              </a:spcBef>
+              <a:spcAft>
+                <a:spcPts val="0"/>
+              </a:spcAft>
               <a:buNone/>
               <a:defRPr sz="9000">
                 <a:solidFill>
@@ -1445,19 +1440,15 @@
                 <a:cs typeface="Open Sans Light"/>
                 <a:sym typeface="Open Sans Light"/>
               </a:defRPr>
+              <a:buNone/>
             </a:lvl1pPr>
-            <a:lvl2pPr lvl="1" rtl="0">
-              <a:spcBef>
-                <a:spcPts val="0"/>
-              </a:spcBef>
-              <a:spcAft>
-                <a:spcPts val="0"/>
-              </a:spcAft>
-              <a:buClr>
-                <a:schemeClr val="lt1"/>
-              </a:buClr>
-              <a:buSzPts val="10000"/>
-              <a:buFont typeface="Open Sans Light"/>
+            <a:lvl2pPr lvl="1" rtl="0" indent="0" marL="0">
+              <a:spcBef>
+                <a:spcPts val="0"/>
+              </a:spcBef>
+              <a:spcAft>
+                <a:spcPts val="0"/>
+              </a:spcAft>
               <a:buNone/>
               <a:defRPr sz="10000">
                 <a:solidFill>
@@ -1468,19 +1459,15 @@
                 <a:cs typeface="Open Sans Light"/>
                 <a:sym typeface="Open Sans Light"/>
               </a:defRPr>
+              <a:buNone/>
             </a:lvl2pPr>
-            <a:lvl3pPr lvl="2" rtl="0">
-              <a:spcBef>
-                <a:spcPts val="0"/>
-              </a:spcBef>
-              <a:spcAft>
-                <a:spcPts val="0"/>
-              </a:spcAft>
-              <a:buClr>
-                <a:schemeClr val="lt1"/>
-              </a:buClr>
-              <a:buSzPts val="10000"/>
-              <a:buFont typeface="Open Sans Light"/>
+            <a:lvl3pPr lvl="2" rtl="0" indent="0" marL="0">
+              <a:spcBef>
+                <a:spcPts val="0"/>
+              </a:spcBef>
+              <a:spcAft>
+                <a:spcPts val="0"/>
+              </a:spcAft>
               <a:buNone/>
               <a:defRPr sz="10000">
                 <a:solidFill>
@@ -1491,19 +1478,15 @@
                 <a:cs typeface="Open Sans Light"/>
                 <a:sym typeface="Open Sans Light"/>
               </a:defRPr>
+              <a:buNone/>
             </a:lvl3pPr>
-            <a:lvl4pPr lvl="3" rtl="0">
-              <a:spcBef>
-                <a:spcPts val="0"/>
-              </a:spcBef>
-              <a:spcAft>
-                <a:spcPts val="0"/>
-              </a:spcAft>
-              <a:buClr>
-                <a:schemeClr val="lt1"/>
-              </a:buClr>
-              <a:buSzPts val="10000"/>
-              <a:buFont typeface="Open Sans Light"/>
+            <a:lvl4pPr lvl="3" rtl="0" indent="0" marL="0">
+              <a:spcBef>
+                <a:spcPts val="0"/>
+              </a:spcBef>
+              <a:spcAft>
+                <a:spcPts val="0"/>
+              </a:spcAft>
               <a:buNone/>
               <a:defRPr sz="10000">
                 <a:solidFill>
@@ -1514,19 +1497,15 @@
                 <a:cs typeface="Open Sans Light"/>
                 <a:sym typeface="Open Sans Light"/>
               </a:defRPr>
+              <a:buNone/>
             </a:lvl4pPr>
-            <a:lvl5pPr lvl="4" rtl="0">
-              <a:spcBef>
-                <a:spcPts val="0"/>
-              </a:spcBef>
-              <a:spcAft>
-                <a:spcPts val="0"/>
-              </a:spcAft>
-              <a:buClr>
-                <a:schemeClr val="lt1"/>
-              </a:buClr>
-              <a:buSzPts val="10000"/>
-              <a:buFont typeface="Open Sans Light"/>
+            <a:lvl5pPr lvl="4" rtl="0" indent="0" marL="0">
+              <a:spcBef>
+                <a:spcPts val="0"/>
+              </a:spcBef>
+              <a:spcAft>
+                <a:spcPts val="0"/>
+              </a:spcAft>
               <a:buNone/>
               <a:defRPr sz="10000">
                 <a:solidFill>
@@ -1537,19 +1516,15 @@
                 <a:cs typeface="Open Sans Light"/>
                 <a:sym typeface="Open Sans Light"/>
               </a:defRPr>
+              <a:buNone/>
             </a:lvl5pPr>
-            <a:lvl6pPr lvl="5" rtl="0">
-              <a:spcBef>
-                <a:spcPts val="0"/>
-              </a:spcBef>
-              <a:spcAft>
-                <a:spcPts val="0"/>
-              </a:spcAft>
-              <a:buClr>
-                <a:schemeClr val="lt1"/>
-              </a:buClr>
-              <a:buSzPts val="10000"/>
-              <a:buFont typeface="Open Sans Light"/>
+            <a:lvl6pPr lvl="5" rtl="0" indent="0" marL="0">
+              <a:spcBef>
+                <a:spcPts val="0"/>
+              </a:spcBef>
+              <a:spcAft>
+                <a:spcPts val="0"/>
+              </a:spcAft>
               <a:buNone/>
               <a:defRPr sz="10000">
                 <a:solidFill>
@@ -1560,19 +1535,15 @@
                 <a:cs typeface="Open Sans Light"/>
                 <a:sym typeface="Open Sans Light"/>
               </a:defRPr>
+              <a:buNone/>
             </a:lvl6pPr>
-            <a:lvl7pPr lvl="6" rtl="0">
-              <a:spcBef>
-                <a:spcPts val="0"/>
-              </a:spcBef>
-              <a:spcAft>
-                <a:spcPts val="0"/>
-              </a:spcAft>
-              <a:buClr>
-                <a:schemeClr val="lt1"/>
-              </a:buClr>
-              <a:buSzPts val="10000"/>
-              <a:buFont typeface="Open Sans Light"/>
+            <a:lvl7pPr lvl="6" rtl="0" indent="0" marL="0">
+              <a:spcBef>
+                <a:spcPts val="0"/>
+              </a:spcBef>
+              <a:spcAft>
+                <a:spcPts val="0"/>
+              </a:spcAft>
               <a:buNone/>
               <a:defRPr sz="10000">
                 <a:solidFill>
@@ -1583,19 +1554,15 @@
                 <a:cs typeface="Open Sans Light"/>
                 <a:sym typeface="Open Sans Light"/>
               </a:defRPr>
+              <a:buNone/>
             </a:lvl7pPr>
-            <a:lvl8pPr lvl="7" rtl="0">
-              <a:spcBef>
-                <a:spcPts val="0"/>
-              </a:spcBef>
-              <a:spcAft>
-                <a:spcPts val="0"/>
-              </a:spcAft>
-              <a:buClr>
-                <a:schemeClr val="lt1"/>
-              </a:buClr>
-              <a:buSzPts val="10000"/>
-              <a:buFont typeface="Open Sans Light"/>
+            <a:lvl8pPr lvl="7" rtl="0" indent="0" marL="0">
+              <a:spcBef>
+                <a:spcPts val="0"/>
+              </a:spcBef>
+              <a:spcAft>
+                <a:spcPts val="0"/>
+              </a:spcAft>
               <a:buNone/>
               <a:defRPr sz="10000">
                 <a:solidFill>
@@ -1606,19 +1573,15 @@
                 <a:cs typeface="Open Sans Light"/>
                 <a:sym typeface="Open Sans Light"/>
               </a:defRPr>
+              <a:buNone/>
             </a:lvl8pPr>
-            <a:lvl9pPr lvl="8" rtl="0">
-              <a:spcBef>
-                <a:spcPts val="0"/>
-              </a:spcBef>
-              <a:spcAft>
-                <a:spcPts val="0"/>
-              </a:spcAft>
-              <a:buClr>
-                <a:schemeClr val="lt1"/>
-              </a:buClr>
-              <a:buSzPts val="10000"/>
-              <a:buFont typeface="Open Sans Light"/>
+            <a:lvl9pPr lvl="8" rtl="0" indent="0" marL="0">
+              <a:spcBef>
+                <a:spcPts val="0"/>
+              </a:spcBef>
+              <a:spcAft>
+                <a:spcPts val="0"/>
+              </a:spcAft>
               <a:buNone/>
               <a:defRPr sz="10000">
                 <a:solidFill>
@@ -1629,6 +1592,7 @@
                 <a:cs typeface="Open Sans Light"/>
                 <a:sym typeface="Open Sans Light"/>
               </a:defRPr>
+              <a:buNone/>
             </a:lvl9pPr>
           </a:lstStyle>
           <a:p/>
@@ -1705,111 +1669,108 @@
             <a:noAutofit/>
           </a:bodyPr>
           <a:lstStyle>
-            <a:lvl1pPr lvl="0" rtl="0">
-              <a:spcBef>
-                <a:spcPts val="0"/>
-              </a:spcBef>
-              <a:spcAft>
-                <a:spcPts val="0"/>
-              </a:spcAft>
-              <a:buClr>
-                <a:schemeClr val="lt1"/>
-              </a:buClr>
-              <a:buSzPts val="3600"/>
+            <a:lvl1pPr lvl="0" rtl="0" indent="0" marL="0">
+              <a:spcBef>
+                <a:spcPts val="0"/>
+              </a:spcBef>
+              <a:spcAft>
+                <a:spcPts val="0"/>
+              </a:spcAft>
               <a:buNone/>
               <a:defRPr>
                 <a:solidFill>
                   <a:schemeClr val="lt1"/>
                 </a:solidFill>
               </a:defRPr>
+              <a:buNone/>
             </a:lvl1pPr>
-            <a:lvl2pPr lvl="1" rtl="0">
-              <a:spcBef>
-                <a:spcPts val="0"/>
-              </a:spcBef>
-              <a:spcAft>
-                <a:spcPts val="0"/>
-              </a:spcAft>
-              <a:buSzPts val="3000"/>
+            <a:lvl2pPr lvl="1" rtl="0" indent="0" marL="0">
+              <a:spcBef>
+                <a:spcPts val="0"/>
+              </a:spcBef>
+              <a:spcAft>
+                <a:spcPts val="0"/>
+              </a:spcAft>
               <a:buNone/>
               <a:defRPr/>
+              <a:buNone/>
             </a:lvl2pPr>
-            <a:lvl3pPr lvl="2" rtl="0">
-              <a:spcBef>
-                <a:spcPts val="0"/>
-              </a:spcBef>
-              <a:spcAft>
-                <a:spcPts val="0"/>
-              </a:spcAft>
-              <a:buSzPts val="2400"/>
+            <a:lvl3pPr lvl="2" rtl="0" indent="0" marL="0">
+              <a:spcBef>
+                <a:spcPts val="0"/>
+              </a:spcBef>
+              <a:spcAft>
+                <a:spcPts val="0"/>
+              </a:spcAft>
               <a:buNone/>
               <a:defRPr/>
+              <a:buNone/>
             </a:lvl3pPr>
-            <a:lvl4pPr lvl="3" rtl="0">
-              <a:spcBef>
-                <a:spcPts val="0"/>
-              </a:spcBef>
-              <a:spcAft>
-                <a:spcPts val="0"/>
-              </a:spcAft>
-              <a:buSzPts val="2400"/>
+            <a:lvl4pPr lvl="3" rtl="0" indent="0" marL="0">
+              <a:spcBef>
+                <a:spcPts val="0"/>
+              </a:spcBef>
+              <a:spcAft>
+                <a:spcPts val="0"/>
+              </a:spcAft>
               <a:buNone/>
               <a:defRPr/>
+              <a:buNone/>
             </a:lvl4pPr>
-            <a:lvl5pPr lvl="4" rtl="0">
-              <a:spcBef>
-                <a:spcPts val="0"/>
-              </a:spcBef>
-              <a:spcAft>
-                <a:spcPts val="0"/>
-              </a:spcAft>
-              <a:buSzPts val="2400"/>
+            <a:lvl5pPr lvl="4" rtl="0" indent="0" marL="0">
+              <a:spcBef>
+                <a:spcPts val="0"/>
+              </a:spcBef>
+              <a:spcAft>
+                <a:spcPts val="0"/>
+              </a:spcAft>
               <a:buNone/>
               <a:defRPr/>
+              <a:buNone/>
             </a:lvl5pPr>
-            <a:lvl6pPr lvl="5" rtl="0">
-              <a:spcBef>
-                <a:spcPts val="0"/>
-              </a:spcBef>
-              <a:spcAft>
-                <a:spcPts val="0"/>
-              </a:spcAft>
-              <a:buSzPts val="2400"/>
+            <a:lvl6pPr lvl="5" rtl="0" indent="0" marL="0">
+              <a:spcBef>
+                <a:spcPts val="0"/>
+              </a:spcBef>
+              <a:spcAft>
+                <a:spcPts val="0"/>
+              </a:spcAft>
               <a:buNone/>
               <a:defRPr/>
+              <a:buNone/>
             </a:lvl6pPr>
-            <a:lvl7pPr lvl="6" rtl="0">
-              <a:spcBef>
-                <a:spcPts val="0"/>
-              </a:spcBef>
-              <a:spcAft>
-                <a:spcPts val="0"/>
-              </a:spcAft>
-              <a:buSzPts val="2400"/>
+            <a:lvl7pPr lvl="6" rtl="0" indent="0" marL="0">
+              <a:spcBef>
+                <a:spcPts val="0"/>
+              </a:spcBef>
+              <a:spcAft>
+                <a:spcPts val="0"/>
+              </a:spcAft>
               <a:buNone/>
               <a:defRPr/>
+              <a:buNone/>
             </a:lvl7pPr>
-            <a:lvl8pPr lvl="7" rtl="0">
-              <a:spcBef>
-                <a:spcPts val="0"/>
-              </a:spcBef>
-              <a:spcAft>
-                <a:spcPts val="0"/>
-              </a:spcAft>
-              <a:buSzPts val="2400"/>
+            <a:lvl8pPr lvl="7" rtl="0" indent="0" marL="0">
+              <a:spcBef>
+                <a:spcPts val="0"/>
+              </a:spcBef>
+              <a:spcAft>
+                <a:spcPts val="0"/>
+              </a:spcAft>
               <a:buNone/>
               <a:defRPr/>
+              <a:buNone/>
             </a:lvl8pPr>
-            <a:lvl9pPr lvl="8" rtl="0">
-              <a:spcBef>
-                <a:spcPts val="0"/>
-              </a:spcBef>
-              <a:spcAft>
-                <a:spcPts val="0"/>
-              </a:spcAft>
-              <a:buSzPts val="2400"/>
+            <a:lvl9pPr lvl="8" rtl="0" indent="0" marL="0">
+              <a:spcBef>
+                <a:spcPts val="0"/>
+              </a:spcBef>
+              <a:spcAft>
+                <a:spcPts val="0"/>
+              </a:spcAft>
               <a:buNone/>
               <a:defRPr/>
+              <a:buNone/>
             </a:lvl9pPr>
           </a:lstStyle>
           <a:p/>
@@ -2262,19 +2223,13 @@
             <a:noAutofit/>
           </a:bodyPr>
           <a:lstStyle>
-            <a:lvl1pPr indent="-419100" lvl="0" marL="457200" rtl="0">
-              <a:spcBef>
-                <a:spcPts val="0"/>
-              </a:spcBef>
-              <a:spcAft>
-                <a:spcPts val="0"/>
-              </a:spcAft>
-              <a:buClr>
-                <a:schemeClr val="accent1"/>
-              </a:buClr>
-              <a:buSzPts val="3000"/>
-              <a:buFont typeface="Roboto Mono Light"/>
-              <a:buChar char="●"/>
+            <a:lvl1pPr indent="0" lvl="0" marL="0" rtl="0">
+              <a:spcBef>
+                <a:spcPts val="0"/>
+              </a:spcBef>
+              <a:spcAft>
+                <a:spcPts val="0"/>
+              </a:spcAft>
               <a:defRPr sz="3000">
                 <a:solidFill>
                   <a:schemeClr val="dk1"/>
@@ -2284,20 +2239,15 @@
                 <a:cs typeface="Roboto Mono Light"/>
                 <a:sym typeface="Roboto Mono Light"/>
               </a:defRPr>
+              <a:buNone/>
             </a:lvl1pPr>
-            <a:lvl2pPr indent="-419100" lvl="1" marL="914400" rtl="0">
-              <a:spcBef>
-                <a:spcPts val="2000"/>
-              </a:spcBef>
-              <a:spcAft>
-                <a:spcPts val="0"/>
-              </a:spcAft>
-              <a:buClr>
-                <a:schemeClr val="accent1"/>
-              </a:buClr>
-              <a:buSzPts val="3000"/>
-              <a:buFont typeface="Roboto Mono Light"/>
-              <a:buChar char="○"/>
+            <a:lvl2pPr indent="0" lvl="1" marL="0" rtl="0">
+              <a:spcBef>
+                <a:spcPts val="2000"/>
+              </a:spcBef>
+              <a:spcAft>
+                <a:spcPts val="0"/>
+              </a:spcAft>
               <a:defRPr>
                 <a:solidFill>
                   <a:schemeClr val="dk1"/>
@@ -2307,20 +2257,15 @@
                 <a:cs typeface="Roboto Mono Light"/>
                 <a:sym typeface="Roboto Mono Light"/>
               </a:defRPr>
+              <a:buNone/>
             </a:lvl2pPr>
-            <a:lvl3pPr indent="-381000" lvl="2" marL="1371600" rtl="0">
-              <a:spcBef>
-                <a:spcPts val="2000"/>
-              </a:spcBef>
-              <a:spcAft>
-                <a:spcPts val="0"/>
-              </a:spcAft>
-              <a:buClr>
-                <a:schemeClr val="accent1"/>
-              </a:buClr>
-              <a:buSzPts val="2400"/>
-              <a:buFont typeface="Roboto Mono Light"/>
-              <a:buChar char="■"/>
+            <a:lvl3pPr indent="0" lvl="2" marL="0" rtl="0">
+              <a:spcBef>
+                <a:spcPts val="2000"/>
+              </a:spcBef>
+              <a:spcAft>
+                <a:spcPts val="0"/>
+              </a:spcAft>
               <a:defRPr>
                 <a:solidFill>
                   <a:schemeClr val="dk1"/>
@@ -2330,20 +2275,15 @@
                 <a:cs typeface="Roboto Mono Light"/>
                 <a:sym typeface="Roboto Mono Light"/>
               </a:defRPr>
+              <a:buNone/>
             </a:lvl3pPr>
-            <a:lvl4pPr indent="-381000" lvl="3" marL="1828800" rtl="0">
-              <a:spcBef>
-                <a:spcPts val="2000"/>
-              </a:spcBef>
-              <a:spcAft>
-                <a:spcPts val="0"/>
-              </a:spcAft>
-              <a:buClr>
-                <a:schemeClr val="accent1"/>
-              </a:buClr>
-              <a:buSzPts val="2400"/>
-              <a:buFont typeface="Roboto Mono Light"/>
-              <a:buChar char="●"/>
+            <a:lvl4pPr indent="0" lvl="3" marL="0" rtl="0">
+              <a:spcBef>
+                <a:spcPts val="2000"/>
+              </a:spcBef>
+              <a:spcAft>
+                <a:spcPts val="0"/>
+              </a:spcAft>
               <a:defRPr>
                 <a:solidFill>
                   <a:schemeClr val="dk1"/>
@@ -2353,20 +2293,15 @@
                 <a:cs typeface="Roboto Mono Light"/>
                 <a:sym typeface="Roboto Mono Light"/>
               </a:defRPr>
+              <a:buNone/>
             </a:lvl4pPr>
-            <a:lvl5pPr indent="-381000" lvl="4" marL="2286000" rtl="0">
-              <a:spcBef>
-                <a:spcPts val="2000"/>
-              </a:spcBef>
-              <a:spcAft>
-                <a:spcPts val="0"/>
-              </a:spcAft>
-              <a:buClr>
-                <a:schemeClr val="accent1"/>
-              </a:buClr>
-              <a:buSzPts val="2400"/>
-              <a:buFont typeface="Roboto Mono Light"/>
-              <a:buChar char="○"/>
+            <a:lvl5pPr indent="0" lvl="4" marL="0" rtl="0">
+              <a:spcBef>
+                <a:spcPts val="2000"/>
+              </a:spcBef>
+              <a:spcAft>
+                <a:spcPts val="0"/>
+              </a:spcAft>
               <a:defRPr>
                 <a:solidFill>
                   <a:schemeClr val="dk1"/>
@@ -2376,20 +2311,15 @@
                 <a:cs typeface="Roboto Mono Light"/>
                 <a:sym typeface="Roboto Mono Light"/>
               </a:defRPr>
+              <a:buNone/>
             </a:lvl5pPr>
-            <a:lvl6pPr indent="-381000" lvl="5" marL="2743200" rtl="0">
-              <a:spcBef>
-                <a:spcPts val="2000"/>
-              </a:spcBef>
-              <a:spcAft>
-                <a:spcPts val="0"/>
-              </a:spcAft>
-              <a:buClr>
-                <a:schemeClr val="accent1"/>
-              </a:buClr>
-              <a:buSzPts val="2400"/>
-              <a:buFont typeface="Roboto Mono Light"/>
-              <a:buChar char="■"/>
+            <a:lvl6pPr indent="0" lvl="5" marL="0" rtl="0">
+              <a:spcBef>
+                <a:spcPts val="2000"/>
+              </a:spcBef>
+              <a:spcAft>
+                <a:spcPts val="0"/>
+              </a:spcAft>
               <a:defRPr>
                 <a:solidFill>
                   <a:schemeClr val="dk1"/>
@@ -2399,20 +2329,15 @@
                 <a:cs typeface="Roboto Mono Light"/>
                 <a:sym typeface="Roboto Mono Light"/>
               </a:defRPr>
+              <a:buNone/>
             </a:lvl6pPr>
-            <a:lvl7pPr indent="-381000" lvl="6" marL="3200400" rtl="0">
-              <a:spcBef>
-                <a:spcPts val="2000"/>
-              </a:spcBef>
-              <a:spcAft>
-                <a:spcPts val="0"/>
-              </a:spcAft>
-              <a:buClr>
-                <a:schemeClr val="accent1"/>
-              </a:buClr>
-              <a:buSzPts val="2400"/>
-              <a:buFont typeface="Roboto Mono Light"/>
-              <a:buChar char="●"/>
+            <a:lvl7pPr indent="0" lvl="6" marL="0" rtl="0">
+              <a:spcBef>
+                <a:spcPts val="2000"/>
+              </a:spcBef>
+              <a:spcAft>
+                <a:spcPts val="0"/>
+              </a:spcAft>
               <a:defRPr>
                 <a:solidFill>
                   <a:schemeClr val="dk1"/>
@@ -2422,20 +2347,15 @@
                 <a:cs typeface="Roboto Mono Light"/>
                 <a:sym typeface="Roboto Mono Light"/>
               </a:defRPr>
+              <a:buNone/>
             </a:lvl7pPr>
-            <a:lvl8pPr indent="-381000" lvl="7" marL="3657600" rtl="0">
-              <a:spcBef>
-                <a:spcPts val="2000"/>
-              </a:spcBef>
-              <a:spcAft>
-                <a:spcPts val="0"/>
-              </a:spcAft>
-              <a:buClr>
-                <a:schemeClr val="accent1"/>
-              </a:buClr>
-              <a:buSzPts val="2400"/>
-              <a:buFont typeface="Roboto Mono Light"/>
-              <a:buChar char="○"/>
+            <a:lvl8pPr indent="0" lvl="7" marL="0" rtl="0">
+              <a:spcBef>
+                <a:spcPts val="2000"/>
+              </a:spcBef>
+              <a:spcAft>
+                <a:spcPts val="0"/>
+              </a:spcAft>
               <a:defRPr>
                 <a:solidFill>
                   <a:schemeClr val="dk1"/>
@@ -2445,20 +2365,15 @@
                 <a:cs typeface="Roboto Mono Light"/>
                 <a:sym typeface="Roboto Mono Light"/>
               </a:defRPr>
+              <a:buNone/>
             </a:lvl8pPr>
-            <a:lvl9pPr indent="-381000" lvl="8" marL="4114800" rtl="0">
-              <a:spcBef>
-                <a:spcPts val="2000"/>
-              </a:spcBef>
-              <a:spcAft>
-                <a:spcPts val="2000"/>
-              </a:spcAft>
-              <a:buClr>
-                <a:schemeClr val="accent1"/>
-              </a:buClr>
-              <a:buSzPts val="2400"/>
-              <a:buFont typeface="Roboto Mono Light"/>
-              <a:buChar char="■"/>
+            <a:lvl9pPr indent="0" lvl="8" marL="0" rtl="0">
+              <a:spcBef>
+                <a:spcPts val="2000"/>
+              </a:spcBef>
+              <a:spcAft>
+                <a:spcPts val="2000"/>
+              </a:spcAft>
               <a:defRPr>
                 <a:solidFill>
                   <a:schemeClr val="dk1"/>
@@ -2468,6 +2383,7 @@
                 <a:cs typeface="Roboto Mono Light"/>
                 <a:sym typeface="Roboto Mono Light"/>
               </a:defRPr>
+              <a:buNone/>
             </a:lvl9pPr>
           </a:lstStyle>
           <a:p/>
@@ -2495,19 +2411,13 @@
             <a:noAutofit/>
           </a:bodyPr>
           <a:lstStyle>
-            <a:lvl1pPr indent="-419100" lvl="0" marL="457200" rtl="0">
-              <a:spcBef>
-                <a:spcPts val="0"/>
-              </a:spcBef>
-              <a:spcAft>
-                <a:spcPts val="0"/>
-              </a:spcAft>
-              <a:buClr>
-                <a:schemeClr val="accent1"/>
-              </a:buClr>
-              <a:buSzPts val="3000"/>
-              <a:buFont typeface="Roboto Mono Light"/>
-              <a:buChar char="●"/>
+            <a:lvl1pPr indent="0" lvl="0" marL="0" rtl="0">
+              <a:spcBef>
+                <a:spcPts val="0"/>
+              </a:spcBef>
+              <a:spcAft>
+                <a:spcPts val="0"/>
+              </a:spcAft>
               <a:defRPr sz="3000">
                 <a:solidFill>
                   <a:schemeClr val="dk1"/>
@@ -2517,20 +2427,15 @@
                 <a:cs typeface="Roboto Mono Light"/>
                 <a:sym typeface="Roboto Mono Light"/>
               </a:defRPr>
+              <a:buNone/>
             </a:lvl1pPr>
-            <a:lvl2pPr indent="-419100" lvl="1" marL="914400" rtl="0">
-              <a:spcBef>
-                <a:spcPts val="2000"/>
-              </a:spcBef>
-              <a:spcAft>
-                <a:spcPts val="0"/>
-              </a:spcAft>
-              <a:buClr>
-                <a:schemeClr val="accent1"/>
-              </a:buClr>
-              <a:buSzPts val="3000"/>
-              <a:buFont typeface="Roboto Mono Light"/>
-              <a:buChar char="○"/>
+            <a:lvl2pPr indent="0" lvl="1" marL="0" rtl="0">
+              <a:spcBef>
+                <a:spcPts val="2000"/>
+              </a:spcBef>
+              <a:spcAft>
+                <a:spcPts val="0"/>
+              </a:spcAft>
               <a:defRPr>
                 <a:solidFill>
                   <a:schemeClr val="dk1"/>
@@ -2540,20 +2445,15 @@
                 <a:cs typeface="Roboto Mono Light"/>
                 <a:sym typeface="Roboto Mono Light"/>
               </a:defRPr>
+              <a:buNone/>
             </a:lvl2pPr>
-            <a:lvl3pPr indent="-381000" lvl="2" marL="1371600" rtl="0">
-              <a:spcBef>
-                <a:spcPts val="2000"/>
-              </a:spcBef>
-              <a:spcAft>
-                <a:spcPts val="0"/>
-              </a:spcAft>
-              <a:buClr>
-                <a:schemeClr val="accent1"/>
-              </a:buClr>
-              <a:buSzPts val="2400"/>
-              <a:buFont typeface="Roboto Mono Light"/>
-              <a:buChar char="■"/>
+            <a:lvl3pPr indent="0" lvl="2" marL="0" rtl="0">
+              <a:spcBef>
+                <a:spcPts val="2000"/>
+              </a:spcBef>
+              <a:spcAft>
+                <a:spcPts val="0"/>
+              </a:spcAft>
               <a:defRPr>
                 <a:solidFill>
                   <a:schemeClr val="dk1"/>
@@ -2563,20 +2463,15 @@
                 <a:cs typeface="Roboto Mono Light"/>
                 <a:sym typeface="Roboto Mono Light"/>
               </a:defRPr>
+              <a:buNone/>
             </a:lvl3pPr>
-            <a:lvl4pPr indent="-381000" lvl="3" marL="1828800" rtl="0">
-              <a:spcBef>
-                <a:spcPts val="2000"/>
-              </a:spcBef>
-              <a:spcAft>
-                <a:spcPts val="0"/>
-              </a:spcAft>
-              <a:buClr>
-                <a:schemeClr val="accent1"/>
-              </a:buClr>
-              <a:buSzPts val="2400"/>
-              <a:buFont typeface="Roboto Mono Light"/>
-              <a:buChar char="●"/>
+            <a:lvl4pPr indent="0" lvl="3" marL="0" rtl="0">
+              <a:spcBef>
+                <a:spcPts val="2000"/>
+              </a:spcBef>
+              <a:spcAft>
+                <a:spcPts val="0"/>
+              </a:spcAft>
               <a:defRPr>
                 <a:solidFill>
                   <a:schemeClr val="dk1"/>
@@ -2586,20 +2481,15 @@
                 <a:cs typeface="Roboto Mono Light"/>
                 <a:sym typeface="Roboto Mono Light"/>
               </a:defRPr>
+              <a:buNone/>
             </a:lvl4pPr>
-            <a:lvl5pPr indent="-381000" lvl="4" marL="2286000" rtl="0">
-              <a:spcBef>
-                <a:spcPts val="2000"/>
-              </a:spcBef>
-              <a:spcAft>
-                <a:spcPts val="0"/>
-              </a:spcAft>
-              <a:buClr>
-                <a:schemeClr val="accent1"/>
-              </a:buClr>
-              <a:buSzPts val="2400"/>
-              <a:buFont typeface="Roboto Mono Light"/>
-              <a:buChar char="○"/>
+            <a:lvl5pPr indent="0" lvl="4" marL="0" rtl="0">
+              <a:spcBef>
+                <a:spcPts val="2000"/>
+              </a:spcBef>
+              <a:spcAft>
+                <a:spcPts val="0"/>
+              </a:spcAft>
               <a:defRPr>
                 <a:solidFill>
                   <a:schemeClr val="dk1"/>
@@ -2609,20 +2499,15 @@
                 <a:cs typeface="Roboto Mono Light"/>
                 <a:sym typeface="Roboto Mono Light"/>
               </a:defRPr>
+              <a:buNone/>
             </a:lvl5pPr>
-            <a:lvl6pPr indent="-381000" lvl="5" marL="2743200" rtl="0">
-              <a:spcBef>
-                <a:spcPts val="2000"/>
-              </a:spcBef>
-              <a:spcAft>
-                <a:spcPts val="0"/>
-              </a:spcAft>
-              <a:buClr>
-                <a:schemeClr val="accent1"/>
-              </a:buClr>
-              <a:buSzPts val="2400"/>
-              <a:buFont typeface="Roboto Mono Light"/>
-              <a:buChar char="■"/>
+            <a:lvl6pPr indent="0" lvl="5" marL="0" rtl="0">
+              <a:spcBef>
+                <a:spcPts val="2000"/>
+              </a:spcBef>
+              <a:spcAft>
+                <a:spcPts val="0"/>
+              </a:spcAft>
               <a:defRPr>
                 <a:solidFill>
                   <a:schemeClr val="dk1"/>
@@ -2632,20 +2517,15 @@
                 <a:cs typeface="Roboto Mono Light"/>
                 <a:sym typeface="Roboto Mono Light"/>
               </a:defRPr>
+              <a:buNone/>
             </a:lvl6pPr>
-            <a:lvl7pPr indent="-381000" lvl="6" marL="3200400" rtl="0">
-              <a:spcBef>
-                <a:spcPts val="2000"/>
-              </a:spcBef>
-              <a:spcAft>
-                <a:spcPts val="0"/>
-              </a:spcAft>
-              <a:buClr>
-                <a:schemeClr val="accent1"/>
-              </a:buClr>
-              <a:buSzPts val="2400"/>
-              <a:buFont typeface="Roboto Mono Light"/>
-              <a:buChar char="●"/>
+            <a:lvl7pPr indent="0" lvl="6" marL="0" rtl="0">
+              <a:spcBef>
+                <a:spcPts val="2000"/>
+              </a:spcBef>
+              <a:spcAft>
+                <a:spcPts val="0"/>
+              </a:spcAft>
               <a:defRPr>
                 <a:solidFill>
                   <a:schemeClr val="dk1"/>
@@ -2655,20 +2535,15 @@
                 <a:cs typeface="Roboto Mono Light"/>
                 <a:sym typeface="Roboto Mono Light"/>
               </a:defRPr>
+              <a:buNone/>
             </a:lvl7pPr>
-            <a:lvl8pPr indent="-381000" lvl="7" marL="3657600" rtl="0">
-              <a:spcBef>
-                <a:spcPts val="2000"/>
-              </a:spcBef>
-              <a:spcAft>
-                <a:spcPts val="0"/>
-              </a:spcAft>
-              <a:buClr>
-                <a:schemeClr val="accent1"/>
-              </a:buClr>
-              <a:buSzPts val="2400"/>
-              <a:buFont typeface="Roboto Mono Light"/>
-              <a:buChar char="○"/>
+            <a:lvl8pPr indent="0" lvl="7" marL="0" rtl="0">
+              <a:spcBef>
+                <a:spcPts val="2000"/>
+              </a:spcBef>
+              <a:spcAft>
+                <a:spcPts val="0"/>
+              </a:spcAft>
               <a:defRPr>
                 <a:solidFill>
                   <a:schemeClr val="dk1"/>
@@ -2678,20 +2553,15 @@
                 <a:cs typeface="Roboto Mono Light"/>
                 <a:sym typeface="Roboto Mono Light"/>
               </a:defRPr>
+              <a:buNone/>
             </a:lvl8pPr>
-            <a:lvl9pPr indent="-381000" lvl="8" marL="4114800" rtl="0">
-              <a:spcBef>
-                <a:spcPts val="2000"/>
-              </a:spcBef>
-              <a:spcAft>
-                <a:spcPts val="2000"/>
-              </a:spcAft>
-              <a:buClr>
-                <a:schemeClr val="accent1"/>
-              </a:buClr>
-              <a:buSzPts val="2400"/>
-              <a:buFont typeface="Roboto Mono Light"/>
-              <a:buChar char="■"/>
+            <a:lvl9pPr indent="0" lvl="8" marL="0" rtl="0">
+              <a:spcBef>
+                <a:spcPts val="2000"/>
+              </a:spcBef>
+              <a:spcAft>
+                <a:spcPts val="2000"/>
+              </a:spcAft>
               <a:defRPr>
                 <a:solidFill>
                   <a:schemeClr val="dk1"/>
@@ -2701,6 +2571,7 @@
                 <a:cs typeface="Roboto Mono Light"/>
                 <a:sym typeface="Roboto Mono Light"/>
               </a:defRPr>
+              <a:buNone/>
             </a:lvl9pPr>
           </a:lstStyle>
           <a:p/>
@@ -2883,158 +2754,140 @@
             <a:noAutofit/>
           </a:bodyPr>
           <a:lstStyle>
-            <a:lvl1pPr indent="-533400" lvl="0" marL="457200" rtl="0" algn="ctr">
-              <a:spcBef>
-                <a:spcPts val="0"/>
-              </a:spcBef>
-              <a:spcAft>
-                <a:spcPts val="0"/>
-              </a:spcAft>
-              <a:buSzPts val="4800"/>
-              <a:buFont typeface="Open Sans Light"/>
-              <a:buChar char="●"/>
+            <a:lvl1pPr indent="0" lvl="0" marL="0" rtl="0" algn="ctr">
+              <a:spcBef>
+                <a:spcPts val="0"/>
+              </a:spcBef>
+              <a:spcAft>
+                <a:spcPts val="0"/>
+              </a:spcAft>
               <a:defRPr sz="4800">
                 <a:latin typeface="Open Sans Light"/>
                 <a:ea typeface="Open Sans Light"/>
                 <a:cs typeface="Open Sans Light"/>
                 <a:sym typeface="Open Sans Light"/>
               </a:defRPr>
+              <a:buNone/>
             </a:lvl1pPr>
-            <a:lvl2pPr indent="-533400" lvl="1" marL="914400" rtl="0" algn="ctr">
-              <a:spcBef>
-                <a:spcPts val="0"/>
-              </a:spcBef>
-              <a:spcAft>
-                <a:spcPts val="0"/>
-              </a:spcAft>
-              <a:buSzPts val="4800"/>
-              <a:buFont typeface="Open Sans Light"/>
-              <a:buChar char="○"/>
+            <a:lvl2pPr indent="0" lvl="1" marL="0" rtl="0" algn="ctr">
+              <a:spcBef>
+                <a:spcPts val="0"/>
+              </a:spcBef>
+              <a:spcAft>
+                <a:spcPts val="0"/>
+              </a:spcAft>
               <a:defRPr sz="4800">
                 <a:latin typeface="Open Sans Light"/>
                 <a:ea typeface="Open Sans Light"/>
                 <a:cs typeface="Open Sans Light"/>
                 <a:sym typeface="Open Sans Light"/>
               </a:defRPr>
+              <a:buNone/>
             </a:lvl2pPr>
-            <a:lvl3pPr indent="-533400" lvl="2" marL="1371600" rtl="0" algn="ctr">
-              <a:spcBef>
-                <a:spcPts val="0"/>
-              </a:spcBef>
-              <a:spcAft>
-                <a:spcPts val="0"/>
-              </a:spcAft>
-              <a:buSzPts val="4800"/>
-              <a:buFont typeface="Open Sans Light"/>
-              <a:buChar char="■"/>
+            <a:lvl3pPr indent="0" lvl="2" marL="0" rtl="0" algn="ctr">
+              <a:spcBef>
+                <a:spcPts val="0"/>
+              </a:spcBef>
+              <a:spcAft>
+                <a:spcPts val="0"/>
+              </a:spcAft>
               <a:defRPr sz="4800">
                 <a:latin typeface="Open Sans Light"/>
                 <a:ea typeface="Open Sans Light"/>
                 <a:cs typeface="Open Sans Light"/>
                 <a:sym typeface="Open Sans Light"/>
               </a:defRPr>
+              <a:buNone/>
             </a:lvl3pPr>
-            <a:lvl4pPr indent="-533400" lvl="3" marL="1828800" rtl="0" algn="ctr">
-              <a:spcBef>
-                <a:spcPts val="0"/>
-              </a:spcBef>
-              <a:spcAft>
-                <a:spcPts val="0"/>
-              </a:spcAft>
-              <a:buSzPts val="4800"/>
-              <a:buFont typeface="Open Sans Light"/>
-              <a:buChar char="●"/>
+            <a:lvl4pPr indent="0" lvl="3" marL="0" rtl="0" algn="ctr">
+              <a:spcBef>
+                <a:spcPts val="0"/>
+              </a:spcBef>
+              <a:spcAft>
+                <a:spcPts val="0"/>
+              </a:spcAft>
               <a:defRPr sz="4800">
                 <a:latin typeface="Open Sans Light"/>
                 <a:ea typeface="Open Sans Light"/>
                 <a:cs typeface="Open Sans Light"/>
                 <a:sym typeface="Open Sans Light"/>
               </a:defRPr>
+              <a:buNone/>
             </a:lvl4pPr>
-            <a:lvl5pPr indent="-533400" lvl="4" marL="2286000" rtl="0" algn="ctr">
-              <a:spcBef>
-                <a:spcPts val="0"/>
-              </a:spcBef>
-              <a:spcAft>
-                <a:spcPts val="0"/>
-              </a:spcAft>
-              <a:buSzPts val="4800"/>
-              <a:buFont typeface="Open Sans Light"/>
-              <a:buChar char="○"/>
+            <a:lvl5pPr indent="0" lvl="4" marL="0" rtl="0" algn="ctr">
+              <a:spcBef>
+                <a:spcPts val="0"/>
+              </a:spcBef>
+              <a:spcAft>
+                <a:spcPts val="0"/>
+              </a:spcAft>
               <a:defRPr sz="4800">
                 <a:latin typeface="Open Sans Light"/>
                 <a:ea typeface="Open Sans Light"/>
                 <a:cs typeface="Open Sans Light"/>
                 <a:sym typeface="Open Sans Light"/>
               </a:defRPr>
+              <a:buNone/>
             </a:lvl5pPr>
-            <a:lvl6pPr indent="-533400" lvl="5" marL="2743200" rtl="0" algn="ctr">
-              <a:spcBef>
-                <a:spcPts val="0"/>
-              </a:spcBef>
-              <a:spcAft>
-                <a:spcPts val="0"/>
-              </a:spcAft>
-              <a:buSzPts val="4800"/>
-              <a:buFont typeface="Open Sans Light"/>
-              <a:buChar char="■"/>
+            <a:lvl6pPr indent="0" lvl="5" marL="0" rtl="0" algn="ctr">
+              <a:spcBef>
+                <a:spcPts val="0"/>
+              </a:spcBef>
+              <a:spcAft>
+                <a:spcPts val="0"/>
+              </a:spcAft>
               <a:defRPr sz="4800">
                 <a:latin typeface="Open Sans Light"/>
                 <a:ea typeface="Open Sans Light"/>
                 <a:cs typeface="Open Sans Light"/>
                 <a:sym typeface="Open Sans Light"/>
               </a:defRPr>
+              <a:buNone/>
             </a:lvl6pPr>
-            <a:lvl7pPr indent="-533400" lvl="6" marL="3200400" rtl="0" algn="ctr">
-              <a:spcBef>
-                <a:spcPts val="0"/>
-              </a:spcBef>
-              <a:spcAft>
-                <a:spcPts val="0"/>
-              </a:spcAft>
-              <a:buSzPts val="4800"/>
-              <a:buFont typeface="Open Sans Light"/>
-              <a:buChar char="●"/>
+            <a:lvl7pPr indent="0" lvl="6" marL="0" rtl="0" algn="ctr">
+              <a:spcBef>
+                <a:spcPts val="0"/>
+              </a:spcBef>
+              <a:spcAft>
+                <a:spcPts val="0"/>
+              </a:spcAft>
               <a:defRPr sz="4800">
                 <a:latin typeface="Open Sans Light"/>
                 <a:ea typeface="Open Sans Light"/>
                 <a:cs typeface="Open Sans Light"/>
                 <a:sym typeface="Open Sans Light"/>
               </a:defRPr>
+              <a:buNone/>
             </a:lvl7pPr>
-            <a:lvl8pPr indent="-533400" lvl="7" marL="3657600" rtl="0" algn="ctr">
-              <a:spcBef>
-                <a:spcPts val="0"/>
-              </a:spcBef>
-              <a:spcAft>
-                <a:spcPts val="0"/>
-              </a:spcAft>
-              <a:buSzPts val="4800"/>
-              <a:buFont typeface="Open Sans Light"/>
-              <a:buChar char="○"/>
+            <a:lvl8pPr indent="0" lvl="7" marL="0" rtl="0" algn="ctr">
+              <a:spcBef>
+                <a:spcPts val="0"/>
+              </a:spcBef>
+              <a:spcAft>
+                <a:spcPts val="0"/>
+              </a:spcAft>
               <a:defRPr sz="4800">
                 <a:latin typeface="Open Sans Light"/>
                 <a:ea typeface="Open Sans Light"/>
                 <a:cs typeface="Open Sans Light"/>
                 <a:sym typeface="Open Sans Light"/>
               </a:defRPr>
+              <a:buNone/>
             </a:lvl8pPr>
-            <a:lvl9pPr indent="-533400" lvl="8" marL="4114800" rtl="0" algn="ctr">
-              <a:spcBef>
-                <a:spcPts val="0"/>
-              </a:spcBef>
-              <a:spcAft>
-                <a:spcPts val="0"/>
-              </a:spcAft>
-              <a:buSzPts val="4800"/>
-              <a:buFont typeface="Open Sans Light"/>
-              <a:buChar char="■"/>
+            <a:lvl9pPr indent="0" lvl="8" marL="0" rtl="0" algn="ctr">
+              <a:spcBef>
+                <a:spcPts val="0"/>
+              </a:spcBef>
+              <a:spcAft>
+                <a:spcPts val="0"/>
+              </a:spcAft>
               <a:defRPr sz="4800">
                 <a:latin typeface="Open Sans Light"/>
                 <a:ea typeface="Open Sans Light"/>
                 <a:cs typeface="Open Sans Light"/>
                 <a:sym typeface="Open Sans Light"/>
               </a:defRPr>
+              <a:buNone/>
             </a:lvl9pPr>
           </a:lstStyle>
           <a:p/>
@@ -3127,18 +2980,13 @@
             <a:noAutofit/>
           </a:bodyPr>
           <a:lstStyle>
-            <a:lvl1pPr lvl="0" rtl="0">
-              <a:spcBef>
-                <a:spcPts val="0"/>
-              </a:spcBef>
-              <a:spcAft>
-                <a:spcPts val="0"/>
-              </a:spcAft>
-              <a:buClr>
-                <a:schemeClr val="lt1"/>
-              </a:buClr>
-              <a:buSzPts val="7600"/>
-              <a:buFont typeface="Open Sans Light"/>
+            <a:lvl1pPr lvl="0" rtl="0" indent="0" marL="0">
+              <a:spcBef>
+                <a:spcPts val="0"/>
+              </a:spcBef>
+              <a:spcAft>
+                <a:spcPts val="0"/>
+              </a:spcAft>
               <a:buNone/>
               <a:defRPr sz="7600">
                 <a:solidFill>
@@ -3149,19 +2997,15 @@
                 <a:cs typeface="Open Sans Light"/>
                 <a:sym typeface="Open Sans Light"/>
               </a:defRPr>
+              <a:buNone/>
             </a:lvl1pPr>
-            <a:lvl2pPr lvl="1" rtl="0">
-              <a:spcBef>
-                <a:spcPts val="0"/>
-              </a:spcBef>
-              <a:spcAft>
-                <a:spcPts val="0"/>
-              </a:spcAft>
-              <a:buClr>
-                <a:schemeClr val="lt1"/>
-              </a:buClr>
-              <a:buSzPts val="7200"/>
-              <a:buFont typeface="Open Sans Light"/>
+            <a:lvl2pPr lvl="1" rtl="0" indent="0" marL="0">
+              <a:spcBef>
+                <a:spcPts val="0"/>
+              </a:spcBef>
+              <a:spcAft>
+                <a:spcPts val="0"/>
+              </a:spcAft>
               <a:buNone/>
               <a:defRPr sz="7200">
                 <a:solidFill>
@@ -3172,19 +3016,15 @@
                 <a:cs typeface="Open Sans Light"/>
                 <a:sym typeface="Open Sans Light"/>
               </a:defRPr>
+              <a:buNone/>
             </a:lvl2pPr>
-            <a:lvl3pPr lvl="2" rtl="0">
-              <a:spcBef>
-                <a:spcPts val="0"/>
-              </a:spcBef>
-              <a:spcAft>
-                <a:spcPts val="0"/>
-              </a:spcAft>
-              <a:buClr>
-                <a:schemeClr val="lt1"/>
-              </a:buClr>
-              <a:buSzPts val="7200"/>
-              <a:buFont typeface="Open Sans Light"/>
+            <a:lvl3pPr lvl="2" rtl="0" indent="0" marL="0">
+              <a:spcBef>
+                <a:spcPts val="0"/>
+              </a:spcBef>
+              <a:spcAft>
+                <a:spcPts val="0"/>
+              </a:spcAft>
               <a:buNone/>
               <a:defRPr sz="7200">
                 <a:solidFill>
@@ -3195,19 +3035,15 @@
                 <a:cs typeface="Open Sans Light"/>
                 <a:sym typeface="Open Sans Light"/>
               </a:defRPr>
+              <a:buNone/>
             </a:lvl3pPr>
-            <a:lvl4pPr lvl="3" rtl="0">
-              <a:spcBef>
-                <a:spcPts val="0"/>
-              </a:spcBef>
-              <a:spcAft>
-                <a:spcPts val="0"/>
-              </a:spcAft>
-              <a:buClr>
-                <a:schemeClr val="lt1"/>
-              </a:buClr>
-              <a:buSzPts val="7200"/>
-              <a:buFont typeface="Open Sans Light"/>
+            <a:lvl4pPr lvl="3" rtl="0" indent="0" marL="0">
+              <a:spcBef>
+                <a:spcPts val="0"/>
+              </a:spcBef>
+              <a:spcAft>
+                <a:spcPts val="0"/>
+              </a:spcAft>
               <a:buNone/>
               <a:defRPr sz="7200">
                 <a:solidFill>
@@ -3218,19 +3054,15 @@
                 <a:cs typeface="Open Sans Light"/>
                 <a:sym typeface="Open Sans Light"/>
               </a:defRPr>
+              <a:buNone/>
             </a:lvl4pPr>
-            <a:lvl5pPr lvl="4" rtl="0">
-              <a:spcBef>
-                <a:spcPts val="0"/>
-              </a:spcBef>
-              <a:spcAft>
-                <a:spcPts val="0"/>
-              </a:spcAft>
-              <a:buClr>
-                <a:schemeClr val="lt1"/>
-              </a:buClr>
-              <a:buSzPts val="7200"/>
-              <a:buFont typeface="Open Sans Light"/>
+            <a:lvl5pPr lvl="4" rtl="0" indent="0" marL="0">
+              <a:spcBef>
+                <a:spcPts val="0"/>
+              </a:spcBef>
+              <a:spcAft>
+                <a:spcPts val="0"/>
+              </a:spcAft>
               <a:buNone/>
               <a:defRPr sz="7200">
                 <a:solidFill>
@@ -3241,19 +3073,15 @@
                 <a:cs typeface="Open Sans Light"/>
                 <a:sym typeface="Open Sans Light"/>
               </a:defRPr>
+              <a:buNone/>
             </a:lvl5pPr>
-            <a:lvl6pPr lvl="5" rtl="0">
-              <a:spcBef>
-                <a:spcPts val="0"/>
-              </a:spcBef>
-              <a:spcAft>
-                <a:spcPts val="0"/>
-              </a:spcAft>
-              <a:buClr>
-                <a:schemeClr val="lt1"/>
-              </a:buClr>
-              <a:buSzPts val="7200"/>
-              <a:buFont typeface="Open Sans Light"/>
+            <a:lvl6pPr lvl="5" rtl="0" indent="0" marL="0">
+              <a:spcBef>
+                <a:spcPts val="0"/>
+              </a:spcBef>
+              <a:spcAft>
+                <a:spcPts val="0"/>
+              </a:spcAft>
               <a:buNone/>
               <a:defRPr sz="7200">
                 <a:solidFill>
@@ -3264,19 +3092,15 @@
                 <a:cs typeface="Open Sans Light"/>
                 <a:sym typeface="Open Sans Light"/>
               </a:defRPr>
+              <a:buNone/>
             </a:lvl6pPr>
-            <a:lvl7pPr lvl="6" rtl="0">
-              <a:spcBef>
-                <a:spcPts val="0"/>
-              </a:spcBef>
-              <a:spcAft>
-                <a:spcPts val="0"/>
-              </a:spcAft>
-              <a:buClr>
-                <a:schemeClr val="lt1"/>
-              </a:buClr>
-              <a:buSzPts val="7200"/>
-              <a:buFont typeface="Open Sans Light"/>
+            <a:lvl7pPr lvl="6" rtl="0" indent="0" marL="0">
+              <a:spcBef>
+                <a:spcPts val="0"/>
+              </a:spcBef>
+              <a:spcAft>
+                <a:spcPts val="0"/>
+              </a:spcAft>
               <a:buNone/>
               <a:defRPr sz="7200">
                 <a:solidFill>
@@ -3287,19 +3111,15 @@
                 <a:cs typeface="Open Sans Light"/>
                 <a:sym typeface="Open Sans Light"/>
               </a:defRPr>
+              <a:buNone/>
             </a:lvl7pPr>
-            <a:lvl8pPr lvl="7" rtl="0">
-              <a:spcBef>
-                <a:spcPts val="0"/>
-              </a:spcBef>
-              <a:spcAft>
-                <a:spcPts val="0"/>
-              </a:spcAft>
-              <a:buClr>
-                <a:schemeClr val="lt1"/>
-              </a:buClr>
-              <a:buSzPts val="7200"/>
-              <a:buFont typeface="Open Sans Light"/>
+            <a:lvl8pPr lvl="7" rtl="0" indent="0" marL="0">
+              <a:spcBef>
+                <a:spcPts val="0"/>
+              </a:spcBef>
+              <a:spcAft>
+                <a:spcPts val="0"/>
+              </a:spcAft>
               <a:buNone/>
               <a:defRPr sz="7200">
                 <a:solidFill>
@@ -3310,19 +3130,15 @@
                 <a:cs typeface="Open Sans Light"/>
                 <a:sym typeface="Open Sans Light"/>
               </a:defRPr>
+              <a:buNone/>
             </a:lvl8pPr>
-            <a:lvl9pPr lvl="8" rtl="0">
-              <a:spcBef>
-                <a:spcPts val="0"/>
-              </a:spcBef>
-              <a:spcAft>
-                <a:spcPts val="0"/>
-              </a:spcAft>
-              <a:buClr>
-                <a:schemeClr val="lt1"/>
-              </a:buClr>
-              <a:buSzPts val="7200"/>
-              <a:buFont typeface="Open Sans Light"/>
+            <a:lvl9pPr lvl="8" rtl="0" indent="0" marL="0">
+              <a:spcBef>
+                <a:spcPts val="0"/>
+              </a:spcBef>
+              <a:spcAft>
+                <a:spcPts val="0"/>
+              </a:spcAft>
               <a:buNone/>
               <a:defRPr sz="7200">
                 <a:solidFill>
@@ -3333,6 +3149,7 @@
                 <a:cs typeface="Open Sans Light"/>
                 <a:sym typeface="Open Sans Light"/>
               </a:defRPr>
+              <a:buNone/>
             </a:lvl9pPr>
           </a:lstStyle>
           <a:p/>
@@ -3539,15 +3356,13 @@
             <a:noAutofit/>
           </a:bodyPr>
           <a:lstStyle>
-            <a:lvl1pPr lvl="0" rtl="0">
-              <a:spcBef>
-                <a:spcPts val="0"/>
-              </a:spcBef>
-              <a:spcAft>
-                <a:spcPts val="0"/>
-              </a:spcAft>
-              <a:buSzPts val="5600"/>
-              <a:buFont typeface="Open Sans Light"/>
+            <a:lvl1pPr lvl="0" rtl="0" indent="0" marL="0">
+              <a:spcBef>
+                <a:spcPts val="0"/>
+              </a:spcBef>
+              <a:spcAft>
+                <a:spcPts val="0"/>
+              </a:spcAft>
               <a:buNone/>
               <a:defRPr>
                 <a:latin typeface="Open Sans Light"/>
@@ -3555,94 +3370,95 @@
                 <a:cs typeface="Open Sans Light"/>
                 <a:sym typeface="Open Sans Light"/>
               </a:defRPr>
+              <a:buNone/>
             </a:lvl1pPr>
-            <a:lvl2pPr lvl="1" rtl="0">
-              <a:spcBef>
-                <a:spcPts val="0"/>
-              </a:spcBef>
-              <a:spcAft>
-                <a:spcPts val="0"/>
-              </a:spcAft>
-              <a:buSzPts val="5600"/>
+            <a:lvl2pPr lvl="1" rtl="0" indent="0" marL="0">
+              <a:spcBef>
+                <a:spcPts val="0"/>
+              </a:spcBef>
+              <a:spcAft>
+                <a:spcPts val="0"/>
+              </a:spcAft>
               <a:buNone/>
               <a:defRPr/>
+              <a:buNone/>
             </a:lvl2pPr>
-            <a:lvl3pPr lvl="2" rtl="0">
-              <a:spcBef>
-                <a:spcPts val="0"/>
-              </a:spcBef>
-              <a:spcAft>
-                <a:spcPts val="0"/>
-              </a:spcAft>
-              <a:buSzPts val="5600"/>
+            <a:lvl3pPr lvl="2" rtl="0" indent="0" marL="0">
+              <a:spcBef>
+                <a:spcPts val="0"/>
+              </a:spcBef>
+              <a:spcAft>
+                <a:spcPts val="0"/>
+              </a:spcAft>
               <a:buNone/>
               <a:defRPr/>
+              <a:buNone/>
             </a:lvl3pPr>
-            <a:lvl4pPr lvl="3" rtl="0">
-              <a:spcBef>
-                <a:spcPts val="0"/>
-              </a:spcBef>
-              <a:spcAft>
-                <a:spcPts val="0"/>
-              </a:spcAft>
-              <a:buSzPts val="5600"/>
+            <a:lvl4pPr lvl="3" rtl="0" indent="0" marL="0">
+              <a:spcBef>
+                <a:spcPts val="0"/>
+              </a:spcBef>
+              <a:spcAft>
+                <a:spcPts val="0"/>
+              </a:spcAft>
               <a:buNone/>
               <a:defRPr/>
+              <a:buNone/>
             </a:lvl4pPr>
-            <a:lvl5pPr lvl="4" rtl="0">
-              <a:spcBef>
-                <a:spcPts val="0"/>
-              </a:spcBef>
-              <a:spcAft>
-                <a:spcPts val="0"/>
-              </a:spcAft>
-              <a:buSzPts val="5600"/>
+            <a:lvl5pPr lvl="4" rtl="0" indent="0" marL="0">
+              <a:spcBef>
+                <a:spcPts val="0"/>
+              </a:spcBef>
+              <a:spcAft>
+                <a:spcPts val="0"/>
+              </a:spcAft>
               <a:buNone/>
               <a:defRPr/>
+              <a:buNone/>
             </a:lvl5pPr>
-            <a:lvl6pPr lvl="5" rtl="0">
-              <a:spcBef>
-                <a:spcPts val="0"/>
-              </a:spcBef>
-              <a:spcAft>
-                <a:spcPts val="0"/>
-              </a:spcAft>
-              <a:buSzPts val="5600"/>
+            <a:lvl6pPr lvl="5" rtl="0" indent="0" marL="0">
+              <a:spcBef>
+                <a:spcPts val="0"/>
+              </a:spcBef>
+              <a:spcAft>
+                <a:spcPts val="0"/>
+              </a:spcAft>
               <a:buNone/>
               <a:defRPr/>
+              <a:buNone/>
             </a:lvl6pPr>
-            <a:lvl7pPr lvl="6" rtl="0">
-              <a:spcBef>
-                <a:spcPts val="0"/>
-              </a:spcBef>
-              <a:spcAft>
-                <a:spcPts val="0"/>
-              </a:spcAft>
-              <a:buSzPts val="5600"/>
+            <a:lvl7pPr lvl="6" rtl="0" indent="0" marL="0">
+              <a:spcBef>
+                <a:spcPts val="0"/>
+              </a:spcBef>
+              <a:spcAft>
+                <a:spcPts val="0"/>
+              </a:spcAft>
               <a:buNone/>
               <a:defRPr/>
+              <a:buNone/>
             </a:lvl7pPr>
-            <a:lvl8pPr lvl="7" rtl="0">
-              <a:spcBef>
-                <a:spcPts val="0"/>
-              </a:spcBef>
-              <a:spcAft>
-                <a:spcPts val="0"/>
-              </a:spcAft>
-              <a:buSzPts val="5600"/>
+            <a:lvl8pPr lvl="7" rtl="0" indent="0" marL="0">
+              <a:spcBef>
+                <a:spcPts val="0"/>
+              </a:spcBef>
+              <a:spcAft>
+                <a:spcPts val="0"/>
+              </a:spcAft>
               <a:buNone/>
               <a:defRPr/>
+              <a:buNone/>
             </a:lvl8pPr>
-            <a:lvl9pPr lvl="8" rtl="0">
-              <a:spcBef>
-                <a:spcPts val="0"/>
-              </a:spcBef>
-              <a:spcAft>
-                <a:spcPts val="0"/>
-              </a:spcAft>
-              <a:buSzPts val="5600"/>
+            <a:lvl9pPr lvl="8" rtl="0" indent="0" marL="0">
+              <a:spcBef>
+                <a:spcPts val="0"/>
+              </a:spcBef>
+              <a:spcAft>
+                <a:spcPts val="0"/>
+              </a:spcAft>
               <a:buNone/>
               <a:defRPr/>
+              <a:buNone/>
             </a:lvl9pPr>
           </a:lstStyle>
           <a:p/>
@@ -3670,167 +3486,131 @@
             <a:noAutofit/>
           </a:bodyPr>
           <a:lstStyle>
-            <a:lvl1pPr indent="-457200" lvl="0" marL="457200" rtl="0">
-              <a:spcBef>
-                <a:spcPts val="0"/>
-              </a:spcBef>
-              <a:spcAft>
-                <a:spcPts val="0"/>
-              </a:spcAft>
-              <a:buClr>
-                <a:schemeClr val="accent1"/>
-              </a:buClr>
-              <a:buSzPts val="3600"/>
-              <a:buChar char="●"/>
-              <a:defRPr>
-                <a:solidFill>
-                  <a:schemeClr val="dk1"/>
-                </a:solidFill>
-              </a:defRPr>
+            <a:lvl1pPr indent="0" lvl="0" marL="0" rtl="0">
+              <a:spcBef>
+                <a:spcPts val="0"/>
+              </a:spcBef>
+              <a:spcAft>
+                <a:spcPts val="0"/>
+              </a:spcAft>
+              <a:defRPr>
+                <a:solidFill>
+                  <a:schemeClr val="dk1"/>
+                </a:solidFill>
+              </a:defRPr>
+              <a:buNone/>
             </a:lvl1pPr>
-            <a:lvl2pPr indent="-419100" lvl="1" marL="914400" rtl="0">
-              <a:spcBef>
-                <a:spcPts val="2000"/>
-              </a:spcBef>
-              <a:spcAft>
-                <a:spcPts val="0"/>
-              </a:spcAft>
-              <a:buClr>
-                <a:schemeClr val="accent1"/>
-              </a:buClr>
-              <a:buSzPts val="3000"/>
-              <a:buChar char="○"/>
-              <a:defRPr>
-                <a:solidFill>
-                  <a:schemeClr val="dk1"/>
-                </a:solidFill>
-              </a:defRPr>
+            <a:lvl2pPr indent="0" lvl="1" marL="0" rtl="0">
+              <a:spcBef>
+                <a:spcPts val="2000"/>
+              </a:spcBef>
+              <a:spcAft>
+                <a:spcPts val="0"/>
+              </a:spcAft>
+              <a:defRPr>
+                <a:solidFill>
+                  <a:schemeClr val="dk1"/>
+                </a:solidFill>
+              </a:defRPr>
+              <a:buNone/>
             </a:lvl2pPr>
-            <a:lvl3pPr indent="-381000" lvl="2" marL="1371600" rtl="0">
-              <a:spcBef>
-                <a:spcPts val="2000"/>
-              </a:spcBef>
-              <a:spcAft>
-                <a:spcPts val="0"/>
-              </a:spcAft>
-              <a:buClr>
-                <a:schemeClr val="accent1"/>
-              </a:buClr>
-              <a:buSzPts val="2400"/>
-              <a:buChar char="■"/>
-              <a:defRPr>
-                <a:solidFill>
-                  <a:schemeClr val="dk1"/>
-                </a:solidFill>
-              </a:defRPr>
+            <a:lvl3pPr indent="0" lvl="2" marL="0" rtl="0">
+              <a:spcBef>
+                <a:spcPts val="2000"/>
+              </a:spcBef>
+              <a:spcAft>
+                <a:spcPts val="0"/>
+              </a:spcAft>
+              <a:defRPr>
+                <a:solidFill>
+                  <a:schemeClr val="dk1"/>
+                </a:solidFill>
+              </a:defRPr>
+              <a:buNone/>
             </a:lvl3pPr>
-            <a:lvl4pPr indent="-381000" lvl="3" marL="1828800" rtl="0">
-              <a:spcBef>
-                <a:spcPts val="2000"/>
-              </a:spcBef>
-              <a:spcAft>
-                <a:spcPts val="0"/>
-              </a:spcAft>
-              <a:buClr>
-                <a:schemeClr val="accent1"/>
-              </a:buClr>
-              <a:buSzPts val="2400"/>
-              <a:buChar char="●"/>
-              <a:defRPr>
-                <a:solidFill>
-                  <a:schemeClr val="dk1"/>
-                </a:solidFill>
-              </a:defRPr>
+            <a:lvl4pPr indent="0" lvl="3" marL="0" rtl="0">
+              <a:spcBef>
+                <a:spcPts val="2000"/>
+              </a:spcBef>
+              <a:spcAft>
+                <a:spcPts val="0"/>
+              </a:spcAft>
+              <a:defRPr>
+                <a:solidFill>
+                  <a:schemeClr val="dk1"/>
+                </a:solidFill>
+              </a:defRPr>
+              <a:buNone/>
             </a:lvl4pPr>
-            <a:lvl5pPr indent="-381000" lvl="4" marL="2286000" rtl="0">
-              <a:spcBef>
-                <a:spcPts val="2000"/>
-              </a:spcBef>
-              <a:spcAft>
-                <a:spcPts val="0"/>
-              </a:spcAft>
-              <a:buClr>
-                <a:schemeClr val="accent1"/>
-              </a:buClr>
-              <a:buSzPts val="2400"/>
-              <a:buChar char="○"/>
-              <a:defRPr>
-                <a:solidFill>
-                  <a:schemeClr val="dk1"/>
-                </a:solidFill>
-              </a:defRPr>
+            <a:lvl5pPr indent="0" lvl="4" marL="0" rtl="0">
+              <a:spcBef>
+                <a:spcPts val="2000"/>
+              </a:spcBef>
+              <a:spcAft>
+                <a:spcPts val="0"/>
+              </a:spcAft>
+              <a:defRPr>
+                <a:solidFill>
+                  <a:schemeClr val="dk1"/>
+                </a:solidFill>
+              </a:defRPr>
+              <a:buNone/>
             </a:lvl5pPr>
-            <a:lvl6pPr indent="-381000" lvl="5" marL="2743200" rtl="0">
-              <a:spcBef>
-                <a:spcPts val="2000"/>
-              </a:spcBef>
-              <a:spcAft>
-                <a:spcPts val="0"/>
-              </a:spcAft>
-              <a:buClr>
-                <a:schemeClr val="accent1"/>
-              </a:buClr>
-              <a:buSzPts val="2400"/>
-              <a:buChar char="■"/>
-              <a:defRPr>
-                <a:solidFill>
-                  <a:schemeClr val="dk1"/>
-                </a:solidFill>
-              </a:defRPr>
+            <a:lvl6pPr indent="0" lvl="5" marL="0" rtl="0">
+              <a:spcBef>
+                <a:spcPts val="2000"/>
+              </a:spcBef>
+              <a:spcAft>
+                <a:spcPts val="0"/>
+              </a:spcAft>
+              <a:defRPr>
+                <a:solidFill>
+                  <a:schemeClr val="dk1"/>
+                </a:solidFill>
+              </a:defRPr>
+              <a:buNone/>
             </a:lvl6pPr>
-            <a:lvl7pPr indent="-381000" lvl="6" marL="3200400" rtl="0">
-              <a:spcBef>
-                <a:spcPts val="2000"/>
-              </a:spcBef>
-              <a:spcAft>
-                <a:spcPts val="0"/>
-              </a:spcAft>
-              <a:buClr>
-                <a:schemeClr val="accent1"/>
-              </a:buClr>
-              <a:buSzPts val="2400"/>
-              <a:buChar char="●"/>
-              <a:defRPr>
-                <a:solidFill>
-                  <a:schemeClr val="dk1"/>
-                </a:solidFill>
-              </a:defRPr>
+            <a:lvl7pPr indent="0" lvl="6" marL="0" rtl="0">
+              <a:spcBef>
+                <a:spcPts val="2000"/>
+              </a:spcBef>
+              <a:spcAft>
+                <a:spcPts val="0"/>
+              </a:spcAft>
+              <a:defRPr>
+                <a:solidFill>
+                  <a:schemeClr val="dk1"/>
+                </a:solidFill>
+              </a:defRPr>
+              <a:buNone/>
             </a:lvl7pPr>
-            <a:lvl8pPr indent="-381000" lvl="7" marL="3657600" rtl="0">
-              <a:spcBef>
-                <a:spcPts val="2000"/>
-              </a:spcBef>
-              <a:spcAft>
-                <a:spcPts val="0"/>
-              </a:spcAft>
-              <a:buClr>
-                <a:schemeClr val="accent1"/>
-              </a:buClr>
-              <a:buSzPts val="2400"/>
-              <a:buChar char="○"/>
-              <a:defRPr>
-                <a:solidFill>
-                  <a:schemeClr val="dk1"/>
-                </a:solidFill>
-              </a:defRPr>
+            <a:lvl8pPr indent="0" lvl="7" marL="0" rtl="0">
+              <a:spcBef>
+                <a:spcPts val="2000"/>
+              </a:spcBef>
+              <a:spcAft>
+                <a:spcPts val="0"/>
+              </a:spcAft>
+              <a:defRPr>
+                <a:solidFill>
+                  <a:schemeClr val="dk1"/>
+                </a:solidFill>
+              </a:defRPr>
+              <a:buNone/>
             </a:lvl8pPr>
-            <a:lvl9pPr indent="-381000" lvl="8" marL="4114800" rtl="0">
-              <a:spcBef>
-                <a:spcPts val="2000"/>
-              </a:spcBef>
-              <a:spcAft>
-                <a:spcPts val="2000"/>
-              </a:spcAft>
-              <a:buClr>
-                <a:schemeClr val="accent1"/>
-              </a:buClr>
-              <a:buSzPts val="2400"/>
-              <a:buChar char="■"/>
-              <a:defRPr>
-                <a:solidFill>
-                  <a:schemeClr val="dk1"/>
-                </a:solidFill>
-              </a:defRPr>
+            <a:lvl9pPr indent="0" lvl="8" marL="0" rtl="0">
+              <a:spcBef>
+                <a:spcPts val="2000"/>
+              </a:spcBef>
+              <a:spcAft>
+                <a:spcPts val="2000"/>
+              </a:spcAft>
+              <a:defRPr>
+                <a:solidFill>
+                  <a:schemeClr val="dk1"/>
+                </a:solidFill>
+              </a:defRPr>
+              <a:buNone/>
             </a:lvl9pPr>
           </a:lstStyle>
           <a:p/>
@@ -4060,18 +3840,13 @@
             <a:noAutofit/>
           </a:bodyPr>
           <a:lstStyle>
-            <a:lvl1pPr lvl="0" rtl="0">
-              <a:spcBef>
-                <a:spcPts val="0"/>
-              </a:spcBef>
-              <a:spcAft>
-                <a:spcPts val="0"/>
-              </a:spcAft>
-              <a:buClr>
-                <a:schemeClr val="lt1"/>
-              </a:buClr>
-              <a:buSzPts val="4800"/>
-              <a:buFont typeface="Open Sans Light"/>
+            <a:lvl1pPr lvl="0" rtl="0" indent="0" marL="0">
+              <a:spcBef>
+                <a:spcPts val="0"/>
+              </a:spcBef>
+              <a:spcAft>
+                <a:spcPts val="0"/>
+              </a:spcAft>
               <a:buNone/>
               <a:defRPr sz="4800">
                 <a:solidFill>
@@ -4082,150 +3857,127 @@
                 <a:cs typeface="Open Sans Light"/>
                 <a:sym typeface="Open Sans Light"/>
               </a:defRPr>
+              <a:buNone/>
             </a:lvl1pPr>
-            <a:lvl2pPr lvl="1" rtl="0">
-              <a:spcBef>
-                <a:spcPts val="0"/>
-              </a:spcBef>
-              <a:spcAft>
-                <a:spcPts val="0"/>
-              </a:spcAft>
-              <a:buClr>
-                <a:schemeClr val="lt1"/>
-              </a:buClr>
-              <a:buSzPts val="5600"/>
+            <a:lvl2pPr lvl="1" rtl="0" indent="0" marL="0">
+              <a:spcBef>
+                <a:spcPts val="0"/>
+              </a:spcBef>
+              <a:spcAft>
+                <a:spcPts val="0"/>
+              </a:spcAft>
               <a:buNone/>
               <a:defRPr>
                 <a:solidFill>
                   <a:schemeClr val="lt1"/>
                 </a:solidFill>
               </a:defRPr>
+              <a:buNone/>
             </a:lvl2pPr>
-            <a:lvl3pPr lvl="2" rtl="0">
-              <a:spcBef>
-                <a:spcPts val="0"/>
-              </a:spcBef>
-              <a:spcAft>
-                <a:spcPts val="0"/>
-              </a:spcAft>
-              <a:buClr>
-                <a:schemeClr val="lt1"/>
-              </a:buClr>
-              <a:buSzPts val="5600"/>
+            <a:lvl3pPr lvl="2" rtl="0" indent="0" marL="0">
+              <a:spcBef>
+                <a:spcPts val="0"/>
+              </a:spcBef>
+              <a:spcAft>
+                <a:spcPts val="0"/>
+              </a:spcAft>
               <a:buNone/>
               <a:defRPr>
                 <a:solidFill>
                   <a:schemeClr val="lt1"/>
                 </a:solidFill>
               </a:defRPr>
+              <a:buNone/>
             </a:lvl3pPr>
-            <a:lvl4pPr lvl="3" rtl="0">
-              <a:spcBef>
-                <a:spcPts val="0"/>
-              </a:spcBef>
-              <a:spcAft>
-                <a:spcPts val="0"/>
-              </a:spcAft>
-              <a:buClr>
-                <a:schemeClr val="lt1"/>
-              </a:buClr>
-              <a:buSzPts val="5600"/>
+            <a:lvl4pPr lvl="3" rtl="0" indent="0" marL="0">
+              <a:spcBef>
+                <a:spcPts val="0"/>
+              </a:spcBef>
+              <a:spcAft>
+                <a:spcPts val="0"/>
+              </a:spcAft>
               <a:buNone/>
               <a:defRPr>
                 <a:solidFill>
                   <a:schemeClr val="lt1"/>
                 </a:solidFill>
               </a:defRPr>
+              <a:buNone/>
             </a:lvl4pPr>
-            <a:lvl5pPr lvl="4" rtl="0">
-              <a:spcBef>
-                <a:spcPts val="0"/>
-              </a:spcBef>
-              <a:spcAft>
-                <a:spcPts val="0"/>
-              </a:spcAft>
-              <a:buClr>
-                <a:schemeClr val="lt1"/>
-              </a:buClr>
-              <a:buSzPts val="5600"/>
+            <a:lvl5pPr lvl="4" rtl="0" indent="0" marL="0">
+              <a:spcBef>
+                <a:spcPts val="0"/>
+              </a:spcBef>
+              <a:spcAft>
+                <a:spcPts val="0"/>
+              </a:spcAft>
               <a:buNone/>
               <a:defRPr>
                 <a:solidFill>
                   <a:schemeClr val="lt1"/>
                 </a:solidFill>
               </a:defRPr>
+              <a:buNone/>
             </a:lvl5pPr>
-            <a:lvl6pPr lvl="5" rtl="0">
-              <a:spcBef>
-                <a:spcPts val="0"/>
-              </a:spcBef>
-              <a:spcAft>
-                <a:spcPts val="0"/>
-              </a:spcAft>
-              <a:buClr>
-                <a:schemeClr val="lt1"/>
-              </a:buClr>
-              <a:buSzPts val="5600"/>
+            <a:lvl6pPr lvl="5" rtl="0" indent="0" marL="0">
+              <a:spcBef>
+                <a:spcPts val="0"/>
+              </a:spcBef>
+              <a:spcAft>
+                <a:spcPts val="0"/>
+              </a:spcAft>
               <a:buNone/>
               <a:defRPr>
                 <a:solidFill>
                   <a:schemeClr val="lt1"/>
                 </a:solidFill>
               </a:defRPr>
+              <a:buNone/>
             </a:lvl6pPr>
-            <a:lvl7pPr lvl="6" rtl="0">
-              <a:spcBef>
-                <a:spcPts val="0"/>
-              </a:spcBef>
-              <a:spcAft>
-                <a:spcPts val="0"/>
-              </a:spcAft>
-              <a:buClr>
-                <a:schemeClr val="lt1"/>
-              </a:buClr>
-              <a:buSzPts val="5600"/>
+            <a:lvl7pPr lvl="6" rtl="0" indent="0" marL="0">
+              <a:spcBef>
+                <a:spcPts val="0"/>
+              </a:spcBef>
+              <a:spcAft>
+                <a:spcPts val="0"/>
+              </a:spcAft>
               <a:buNone/>
               <a:defRPr>
                 <a:solidFill>
                   <a:schemeClr val="lt1"/>
                 </a:solidFill>
               </a:defRPr>
+              <a:buNone/>
             </a:lvl7pPr>
-            <a:lvl8pPr lvl="7" rtl="0">
-              <a:spcBef>
-                <a:spcPts val="0"/>
-              </a:spcBef>
-              <a:spcAft>
-                <a:spcPts val="0"/>
-              </a:spcAft>
-              <a:buClr>
-                <a:schemeClr val="lt1"/>
-              </a:buClr>
-              <a:buSzPts val="5600"/>
+            <a:lvl8pPr lvl="7" rtl="0" indent="0" marL="0">
+              <a:spcBef>
+                <a:spcPts val="0"/>
+              </a:spcBef>
+              <a:spcAft>
+                <a:spcPts val="0"/>
+              </a:spcAft>
               <a:buNone/>
               <a:defRPr>
                 <a:solidFill>
                   <a:schemeClr val="lt1"/>
                 </a:solidFill>
               </a:defRPr>
+              <a:buNone/>
             </a:lvl8pPr>
-            <a:lvl9pPr lvl="8" rtl="0">
-              <a:spcBef>
-                <a:spcPts val="0"/>
-              </a:spcBef>
-              <a:spcAft>
-                <a:spcPts val="0"/>
-              </a:spcAft>
-              <a:buClr>
-                <a:schemeClr val="lt1"/>
-              </a:buClr>
-              <a:buSzPts val="5600"/>
+            <a:lvl9pPr lvl="8" rtl="0" indent="0" marL="0">
+              <a:spcBef>
+                <a:spcPts val="0"/>
+              </a:spcBef>
+              <a:spcAft>
+                <a:spcPts val="0"/>
+              </a:spcAft>
               <a:buNone/>
               <a:defRPr>
                 <a:solidFill>
                   <a:schemeClr val="lt1"/>
                 </a:solidFill>
               </a:defRPr>
+              <a:buNone/>
             </a:lvl9pPr>
           </a:lstStyle>
           <a:p/>
@@ -4593,167 +4345,131 @@
             <a:noAutofit/>
           </a:bodyPr>
           <a:lstStyle>
-            <a:lvl1pPr indent="-457200" lvl="0" marL="457200" rtl="0">
-              <a:spcBef>
-                <a:spcPts val="0"/>
-              </a:spcBef>
-              <a:spcAft>
-                <a:spcPts val="0"/>
-              </a:spcAft>
-              <a:buClr>
-                <a:schemeClr val="accent1"/>
-              </a:buClr>
-              <a:buSzPts val="3600"/>
-              <a:buChar char="●"/>
-              <a:defRPr>
-                <a:solidFill>
-                  <a:schemeClr val="dk1"/>
-                </a:solidFill>
-              </a:defRPr>
+            <a:lvl1pPr indent="0" lvl="0" marL="0" rtl="0">
+              <a:spcBef>
+                <a:spcPts val="0"/>
+              </a:spcBef>
+              <a:spcAft>
+                <a:spcPts val="0"/>
+              </a:spcAft>
+              <a:defRPr>
+                <a:solidFill>
+                  <a:schemeClr val="dk1"/>
+                </a:solidFill>
+              </a:defRPr>
+              <a:buNone/>
             </a:lvl1pPr>
-            <a:lvl2pPr indent="-419100" lvl="1" marL="914400" rtl="0">
-              <a:spcBef>
-                <a:spcPts val="2000"/>
-              </a:spcBef>
-              <a:spcAft>
-                <a:spcPts val="0"/>
-              </a:spcAft>
-              <a:buClr>
-                <a:schemeClr val="accent1"/>
-              </a:buClr>
-              <a:buSzPts val="3000"/>
-              <a:buChar char="○"/>
-              <a:defRPr>
-                <a:solidFill>
-                  <a:schemeClr val="dk1"/>
-                </a:solidFill>
-              </a:defRPr>
+            <a:lvl2pPr indent="0" lvl="1" marL="0" rtl="0">
+              <a:spcBef>
+                <a:spcPts val="2000"/>
+              </a:spcBef>
+              <a:spcAft>
+                <a:spcPts val="0"/>
+              </a:spcAft>
+              <a:defRPr>
+                <a:solidFill>
+                  <a:schemeClr val="dk1"/>
+                </a:solidFill>
+              </a:defRPr>
+              <a:buNone/>
             </a:lvl2pPr>
-            <a:lvl3pPr indent="-381000" lvl="2" marL="1371600" rtl="0">
-              <a:spcBef>
-                <a:spcPts val="2000"/>
-              </a:spcBef>
-              <a:spcAft>
-                <a:spcPts val="0"/>
-              </a:spcAft>
-              <a:buClr>
-                <a:schemeClr val="accent1"/>
-              </a:buClr>
-              <a:buSzPts val="2400"/>
-              <a:buChar char="■"/>
-              <a:defRPr>
-                <a:solidFill>
-                  <a:schemeClr val="dk1"/>
-                </a:solidFill>
-              </a:defRPr>
+            <a:lvl3pPr indent="0" lvl="2" marL="0" rtl="0">
+              <a:spcBef>
+                <a:spcPts val="2000"/>
+              </a:spcBef>
+              <a:spcAft>
+                <a:spcPts val="0"/>
+              </a:spcAft>
+              <a:defRPr>
+                <a:solidFill>
+                  <a:schemeClr val="dk1"/>
+                </a:solidFill>
+              </a:defRPr>
+              <a:buNone/>
             </a:lvl3pPr>
-            <a:lvl4pPr indent="-381000" lvl="3" marL="1828800" rtl="0">
-              <a:spcBef>
-                <a:spcPts val="2000"/>
-              </a:spcBef>
-              <a:spcAft>
-                <a:spcPts val="0"/>
-              </a:spcAft>
-              <a:buClr>
-                <a:schemeClr val="accent1"/>
-              </a:buClr>
-              <a:buSzPts val="2400"/>
-              <a:buChar char="●"/>
-              <a:defRPr>
-                <a:solidFill>
-                  <a:schemeClr val="dk1"/>
-                </a:solidFill>
-              </a:defRPr>
+            <a:lvl4pPr indent="0" lvl="3" marL="0" rtl="0">
+              <a:spcBef>
+                <a:spcPts val="2000"/>
+              </a:spcBef>
+              <a:spcAft>
+                <a:spcPts val="0"/>
+              </a:spcAft>
+              <a:defRPr>
+                <a:solidFill>
+                  <a:schemeClr val="dk1"/>
+                </a:solidFill>
+              </a:defRPr>
+              <a:buNone/>
             </a:lvl4pPr>
-            <a:lvl5pPr indent="-381000" lvl="4" marL="2286000" rtl="0">
-              <a:spcBef>
-                <a:spcPts val="2000"/>
-              </a:spcBef>
-              <a:spcAft>
-                <a:spcPts val="0"/>
-              </a:spcAft>
-              <a:buClr>
-                <a:schemeClr val="accent1"/>
-              </a:buClr>
-              <a:buSzPts val="2400"/>
-              <a:buChar char="○"/>
-              <a:defRPr>
-                <a:solidFill>
-                  <a:schemeClr val="dk1"/>
-                </a:solidFill>
-              </a:defRPr>
+            <a:lvl5pPr indent="0" lvl="4" marL="0" rtl="0">
+              <a:spcBef>
+                <a:spcPts val="2000"/>
+              </a:spcBef>
+              <a:spcAft>
+                <a:spcPts val="0"/>
+              </a:spcAft>
+              <a:defRPr>
+                <a:solidFill>
+                  <a:schemeClr val="dk1"/>
+                </a:solidFill>
+              </a:defRPr>
+              <a:buNone/>
             </a:lvl5pPr>
-            <a:lvl6pPr indent="-381000" lvl="5" marL="2743200" rtl="0">
-              <a:spcBef>
-                <a:spcPts val="2000"/>
-              </a:spcBef>
-              <a:spcAft>
-                <a:spcPts val="0"/>
-              </a:spcAft>
-              <a:buClr>
-                <a:schemeClr val="accent1"/>
-              </a:buClr>
-              <a:buSzPts val="2400"/>
-              <a:buChar char="■"/>
-              <a:defRPr>
-                <a:solidFill>
-                  <a:schemeClr val="dk1"/>
-                </a:solidFill>
-              </a:defRPr>
+            <a:lvl6pPr indent="0" lvl="5" marL="0" rtl="0">
+              <a:spcBef>
+                <a:spcPts val="2000"/>
+              </a:spcBef>
+              <a:spcAft>
+                <a:spcPts val="0"/>
+              </a:spcAft>
+              <a:defRPr>
+                <a:solidFill>
+                  <a:schemeClr val="dk1"/>
+                </a:solidFill>
+              </a:defRPr>
+              <a:buNone/>
             </a:lvl6pPr>
-            <a:lvl7pPr indent="-381000" lvl="6" marL="3200400" rtl="0">
-              <a:spcBef>
-                <a:spcPts val="2000"/>
-              </a:spcBef>
-              <a:spcAft>
-                <a:spcPts val="0"/>
-              </a:spcAft>
-              <a:buClr>
-                <a:schemeClr val="accent1"/>
-              </a:buClr>
-              <a:buSzPts val="2400"/>
-              <a:buChar char="●"/>
-              <a:defRPr>
-                <a:solidFill>
-                  <a:schemeClr val="dk1"/>
-                </a:solidFill>
-              </a:defRPr>
+            <a:lvl7pPr indent="0" lvl="6" marL="0" rtl="0">
+              <a:spcBef>
+                <a:spcPts val="2000"/>
+              </a:spcBef>
+              <a:spcAft>
+                <a:spcPts val="0"/>
+              </a:spcAft>
+              <a:defRPr>
+                <a:solidFill>
+                  <a:schemeClr val="dk1"/>
+                </a:solidFill>
+              </a:defRPr>
+              <a:buNone/>
             </a:lvl7pPr>
-            <a:lvl8pPr indent="-381000" lvl="7" marL="3657600" rtl="0">
-              <a:spcBef>
-                <a:spcPts val="2000"/>
-              </a:spcBef>
-              <a:spcAft>
-                <a:spcPts val="0"/>
-              </a:spcAft>
-              <a:buClr>
-                <a:schemeClr val="accent1"/>
-              </a:buClr>
-              <a:buSzPts val="2400"/>
-              <a:buChar char="○"/>
-              <a:defRPr>
-                <a:solidFill>
-                  <a:schemeClr val="dk1"/>
-                </a:solidFill>
-              </a:defRPr>
+            <a:lvl8pPr indent="0" lvl="7" marL="0" rtl="0">
+              <a:spcBef>
+                <a:spcPts val="2000"/>
+              </a:spcBef>
+              <a:spcAft>
+                <a:spcPts val="0"/>
+              </a:spcAft>
+              <a:defRPr>
+                <a:solidFill>
+                  <a:schemeClr val="dk1"/>
+                </a:solidFill>
+              </a:defRPr>
+              <a:buNone/>
             </a:lvl8pPr>
-            <a:lvl9pPr indent="-381000" lvl="8" marL="4114800" rtl="0">
-              <a:spcBef>
-                <a:spcPts val="2000"/>
-              </a:spcBef>
-              <a:spcAft>
-                <a:spcPts val="2000"/>
-              </a:spcAft>
-              <a:buClr>
-                <a:schemeClr val="accent1"/>
-              </a:buClr>
-              <a:buSzPts val="2400"/>
-              <a:buChar char="■"/>
-              <a:defRPr>
-                <a:solidFill>
-                  <a:schemeClr val="dk1"/>
-                </a:solidFill>
-              </a:defRPr>
+            <a:lvl9pPr indent="0" lvl="8" marL="0" rtl="0">
+              <a:spcBef>
+                <a:spcPts val="2000"/>
+              </a:spcBef>
+              <a:spcAft>
+                <a:spcPts val="2000"/>
+              </a:spcAft>
+              <a:defRPr>
+                <a:solidFill>
+                  <a:schemeClr val="dk1"/>
+                </a:solidFill>
+              </a:defRPr>
+              <a:buNone/>
             </a:lvl9pPr>
           </a:lstStyle>
           <a:p/>
@@ -4781,104 +4497,104 @@
             <a:noAutofit/>
           </a:bodyPr>
           <a:lstStyle>
-            <a:lvl1pPr lvl="0" rtl="0">
-              <a:spcBef>
-                <a:spcPts val="0"/>
-              </a:spcBef>
-              <a:spcAft>
-                <a:spcPts val="0"/>
-              </a:spcAft>
-              <a:buSzPts val="3600"/>
+            <a:lvl1pPr lvl="0" rtl="0" indent="0" marL="0">
+              <a:spcBef>
+                <a:spcPts val="0"/>
+              </a:spcBef>
+              <a:spcAft>
+                <a:spcPts val="0"/>
+              </a:spcAft>
               <a:buNone/>
               <a:defRPr b="1"/>
+              <a:buNone/>
             </a:lvl1pPr>
-            <a:lvl2pPr lvl="1" rtl="0">
-              <a:spcBef>
-                <a:spcPts val="0"/>
-              </a:spcBef>
-              <a:spcAft>
-                <a:spcPts val="0"/>
-              </a:spcAft>
-              <a:buSzPts val="3600"/>
+            <a:lvl2pPr lvl="1" rtl="0" indent="0" marL="0">
+              <a:spcBef>
+                <a:spcPts val="0"/>
+              </a:spcBef>
+              <a:spcAft>
+                <a:spcPts val="0"/>
+              </a:spcAft>
               <a:buNone/>
               <a:defRPr b="1" sz="3600"/>
+              <a:buNone/>
             </a:lvl2pPr>
-            <a:lvl3pPr lvl="2" rtl="0">
-              <a:spcBef>
-                <a:spcPts val="0"/>
-              </a:spcBef>
-              <a:spcAft>
-                <a:spcPts val="0"/>
-              </a:spcAft>
-              <a:buSzPts val="3600"/>
+            <a:lvl3pPr lvl="2" rtl="0" indent="0" marL="0">
+              <a:spcBef>
+                <a:spcPts val="0"/>
+              </a:spcBef>
+              <a:spcAft>
+                <a:spcPts val="0"/>
+              </a:spcAft>
               <a:buNone/>
               <a:defRPr b="1" sz="3600"/>
+              <a:buNone/>
             </a:lvl3pPr>
-            <a:lvl4pPr lvl="3" rtl="0">
-              <a:spcBef>
-                <a:spcPts val="0"/>
-              </a:spcBef>
-              <a:spcAft>
-                <a:spcPts val="0"/>
-              </a:spcAft>
-              <a:buSzPts val="3600"/>
+            <a:lvl4pPr lvl="3" rtl="0" indent="0" marL="0">
+              <a:spcBef>
+                <a:spcPts val="0"/>
+              </a:spcBef>
+              <a:spcAft>
+                <a:spcPts val="0"/>
+              </a:spcAft>
               <a:buNone/>
               <a:defRPr b="1" sz="3600"/>
+              <a:buNone/>
             </a:lvl4pPr>
-            <a:lvl5pPr lvl="4" rtl="0">
-              <a:spcBef>
-                <a:spcPts val="0"/>
-              </a:spcBef>
-              <a:spcAft>
-                <a:spcPts val="0"/>
-              </a:spcAft>
-              <a:buSzPts val="3600"/>
+            <a:lvl5pPr lvl="4" rtl="0" indent="0" marL="0">
+              <a:spcBef>
+                <a:spcPts val="0"/>
+              </a:spcBef>
+              <a:spcAft>
+                <a:spcPts val="0"/>
+              </a:spcAft>
               <a:buNone/>
               <a:defRPr b="1" sz="3600"/>
+              <a:buNone/>
             </a:lvl5pPr>
-            <a:lvl6pPr lvl="5" rtl="0">
-              <a:spcBef>
-                <a:spcPts val="0"/>
-              </a:spcBef>
-              <a:spcAft>
-                <a:spcPts val="0"/>
-              </a:spcAft>
-              <a:buSzPts val="3600"/>
+            <a:lvl6pPr lvl="5" rtl="0" indent="0" marL="0">
+              <a:spcBef>
+                <a:spcPts val="0"/>
+              </a:spcBef>
+              <a:spcAft>
+                <a:spcPts val="0"/>
+              </a:spcAft>
               <a:buNone/>
               <a:defRPr b="1" sz="3600"/>
+              <a:buNone/>
             </a:lvl6pPr>
-            <a:lvl7pPr lvl="6" rtl="0">
-              <a:spcBef>
-                <a:spcPts val="0"/>
-              </a:spcBef>
-              <a:spcAft>
-                <a:spcPts val="0"/>
-              </a:spcAft>
-              <a:buSzPts val="3600"/>
+            <a:lvl7pPr lvl="6" rtl="0" indent="0" marL="0">
+              <a:spcBef>
+                <a:spcPts val="0"/>
+              </a:spcBef>
+              <a:spcAft>
+                <a:spcPts val="0"/>
+              </a:spcAft>
               <a:buNone/>
               <a:defRPr b="1" sz="3600"/>
+              <a:buNone/>
             </a:lvl7pPr>
-            <a:lvl8pPr lvl="7" rtl="0">
-              <a:spcBef>
-                <a:spcPts val="0"/>
-              </a:spcBef>
-              <a:spcAft>
-                <a:spcPts val="0"/>
-              </a:spcAft>
-              <a:buSzPts val="3600"/>
+            <a:lvl8pPr lvl="7" rtl="0" indent="0" marL="0">
+              <a:spcBef>
+                <a:spcPts val="0"/>
+              </a:spcBef>
+              <a:spcAft>
+                <a:spcPts val="0"/>
+              </a:spcAft>
               <a:buNone/>
               <a:defRPr b="1" sz="3600"/>
+              <a:buNone/>
             </a:lvl8pPr>
-            <a:lvl9pPr lvl="8" rtl="0">
-              <a:spcBef>
-                <a:spcPts val="0"/>
-              </a:spcBef>
-              <a:spcAft>
-                <a:spcPts val="0"/>
-              </a:spcAft>
-              <a:buSzPts val="3600"/>
+            <a:lvl9pPr lvl="8" rtl="0" indent="0" marL="0">
+              <a:spcBef>
+                <a:spcPts val="0"/>
+              </a:spcBef>
+              <a:spcAft>
+                <a:spcPts val="0"/>
+              </a:spcAft>
               <a:buNone/>
               <a:defRPr b="1" sz="3600"/>
+              <a:buNone/>
             </a:lvl9pPr>
           </a:lstStyle>
           <a:p/>
@@ -4906,15 +4622,13 @@
             <a:noAutofit/>
           </a:bodyPr>
           <a:lstStyle>
-            <a:lvl1pPr lvl="0" rtl="0">
-              <a:spcBef>
-                <a:spcPts val="0"/>
-              </a:spcBef>
-              <a:spcAft>
-                <a:spcPts val="0"/>
-              </a:spcAft>
-              <a:buSzPts val="5600"/>
-              <a:buFont typeface="Open Sans Light"/>
+            <a:lvl1pPr lvl="0" rtl="0" indent="0" marL="0">
+              <a:spcBef>
+                <a:spcPts val="0"/>
+              </a:spcBef>
+              <a:spcAft>
+                <a:spcPts val="0"/>
+              </a:spcAft>
               <a:buNone/>
               <a:defRPr>
                 <a:latin typeface="Open Sans Light"/>
@@ -4922,94 +4636,95 @@
                 <a:cs typeface="Open Sans Light"/>
                 <a:sym typeface="Open Sans Light"/>
               </a:defRPr>
+              <a:buNone/>
             </a:lvl1pPr>
-            <a:lvl2pPr lvl="1" rtl="0">
-              <a:spcBef>
-                <a:spcPts val="0"/>
-              </a:spcBef>
-              <a:spcAft>
-                <a:spcPts val="0"/>
-              </a:spcAft>
-              <a:buSzPts val="5600"/>
+            <a:lvl2pPr lvl="1" rtl="0" indent="0" marL="0">
+              <a:spcBef>
+                <a:spcPts val="0"/>
+              </a:spcBef>
+              <a:spcAft>
+                <a:spcPts val="0"/>
+              </a:spcAft>
               <a:buNone/>
               <a:defRPr/>
+              <a:buNone/>
             </a:lvl2pPr>
-            <a:lvl3pPr lvl="2" rtl="0">
-              <a:spcBef>
-                <a:spcPts val="0"/>
-              </a:spcBef>
-              <a:spcAft>
-                <a:spcPts val="0"/>
-              </a:spcAft>
-              <a:buSzPts val="5600"/>
+            <a:lvl3pPr lvl="2" rtl="0" indent="0" marL="0">
+              <a:spcBef>
+                <a:spcPts val="0"/>
+              </a:spcBef>
+              <a:spcAft>
+                <a:spcPts val="0"/>
+              </a:spcAft>
               <a:buNone/>
               <a:defRPr/>
+              <a:buNone/>
             </a:lvl3pPr>
-            <a:lvl4pPr lvl="3" rtl="0">
-              <a:spcBef>
-                <a:spcPts val="0"/>
-              </a:spcBef>
-              <a:spcAft>
-                <a:spcPts val="0"/>
-              </a:spcAft>
-              <a:buSzPts val="5600"/>
+            <a:lvl4pPr lvl="3" rtl="0" indent="0" marL="0">
+              <a:spcBef>
+                <a:spcPts val="0"/>
+              </a:spcBef>
+              <a:spcAft>
+                <a:spcPts val="0"/>
+              </a:spcAft>
               <a:buNone/>
               <a:defRPr/>
+              <a:buNone/>
             </a:lvl4pPr>
-            <a:lvl5pPr lvl="4" rtl="0">
-              <a:spcBef>
-                <a:spcPts val="0"/>
-              </a:spcBef>
-              <a:spcAft>
-                <a:spcPts val="0"/>
-              </a:spcAft>
-              <a:buSzPts val="5600"/>
+            <a:lvl5pPr lvl="4" rtl="0" indent="0" marL="0">
+              <a:spcBef>
+                <a:spcPts val="0"/>
+              </a:spcBef>
+              <a:spcAft>
+                <a:spcPts val="0"/>
+              </a:spcAft>
               <a:buNone/>
               <a:defRPr/>
+              <a:buNone/>
             </a:lvl5pPr>
-            <a:lvl6pPr lvl="5" rtl="0">
-              <a:spcBef>
-                <a:spcPts val="0"/>
-              </a:spcBef>
-              <a:spcAft>
-                <a:spcPts val="0"/>
-              </a:spcAft>
-              <a:buSzPts val="5600"/>
+            <a:lvl6pPr lvl="5" rtl="0" indent="0" marL="0">
+              <a:spcBef>
+                <a:spcPts val="0"/>
+              </a:spcBef>
+              <a:spcAft>
+                <a:spcPts val="0"/>
+              </a:spcAft>
               <a:buNone/>
               <a:defRPr/>
+              <a:buNone/>
             </a:lvl6pPr>
-            <a:lvl7pPr lvl="6" rtl="0">
-              <a:spcBef>
-                <a:spcPts val="0"/>
-              </a:spcBef>
-              <a:spcAft>
-                <a:spcPts val="0"/>
-              </a:spcAft>
-              <a:buSzPts val="5600"/>
+            <a:lvl7pPr lvl="6" rtl="0" indent="0" marL="0">
+              <a:spcBef>
+                <a:spcPts val="0"/>
+              </a:spcBef>
+              <a:spcAft>
+                <a:spcPts val="0"/>
+              </a:spcAft>
               <a:buNone/>
               <a:defRPr/>
+              <a:buNone/>
             </a:lvl7pPr>
-            <a:lvl8pPr lvl="7" rtl="0">
-              <a:spcBef>
-                <a:spcPts val="0"/>
-              </a:spcBef>
-              <a:spcAft>
-                <a:spcPts val="0"/>
-              </a:spcAft>
-              <a:buSzPts val="5600"/>
+            <a:lvl8pPr lvl="7" rtl="0" indent="0" marL="0">
+              <a:spcBef>
+                <a:spcPts val="0"/>
+              </a:spcBef>
+              <a:spcAft>
+                <a:spcPts val="0"/>
+              </a:spcAft>
               <a:buNone/>
               <a:defRPr/>
+              <a:buNone/>
             </a:lvl8pPr>
-            <a:lvl9pPr lvl="8" rtl="0">
-              <a:spcBef>
-                <a:spcPts val="0"/>
-              </a:spcBef>
-              <a:spcAft>
-                <a:spcPts val="0"/>
-              </a:spcAft>
-              <a:buSzPts val="5600"/>
+            <a:lvl9pPr lvl="8" rtl="0" indent="0" marL="0">
+              <a:spcBef>
+                <a:spcPts val="0"/>
+              </a:spcBef>
+              <a:spcAft>
+                <a:spcPts val="0"/>
+              </a:spcAft>
               <a:buNone/>
               <a:defRPr/>
+              <a:buNone/>
             </a:lvl9pPr>
           </a:lstStyle>
           <a:p/>
@@ -5037,167 +4752,131 @@
             <a:noAutofit/>
           </a:bodyPr>
           <a:lstStyle>
-            <a:lvl1pPr indent="-457200" lvl="0" marL="457200" rtl="0">
-              <a:spcBef>
-                <a:spcPts val="0"/>
-              </a:spcBef>
-              <a:spcAft>
-                <a:spcPts val="0"/>
-              </a:spcAft>
-              <a:buClr>
-                <a:schemeClr val="accent1"/>
-              </a:buClr>
-              <a:buSzPts val="3600"/>
-              <a:buChar char="●"/>
-              <a:defRPr>
-                <a:solidFill>
-                  <a:schemeClr val="dk1"/>
-                </a:solidFill>
-              </a:defRPr>
+            <a:lvl1pPr indent="0" lvl="0" marL="0" rtl="0">
+              <a:spcBef>
+                <a:spcPts val="0"/>
+              </a:spcBef>
+              <a:spcAft>
+                <a:spcPts val="0"/>
+              </a:spcAft>
+              <a:defRPr>
+                <a:solidFill>
+                  <a:schemeClr val="dk1"/>
+                </a:solidFill>
+              </a:defRPr>
+              <a:buNone/>
             </a:lvl1pPr>
-            <a:lvl2pPr indent="-419100" lvl="1" marL="914400" rtl="0">
-              <a:spcBef>
-                <a:spcPts val="2000"/>
-              </a:spcBef>
-              <a:spcAft>
-                <a:spcPts val="0"/>
-              </a:spcAft>
-              <a:buClr>
-                <a:schemeClr val="accent1"/>
-              </a:buClr>
-              <a:buSzPts val="3000"/>
-              <a:buChar char="○"/>
-              <a:defRPr>
-                <a:solidFill>
-                  <a:schemeClr val="dk1"/>
-                </a:solidFill>
-              </a:defRPr>
+            <a:lvl2pPr indent="0" lvl="1" marL="0" rtl="0">
+              <a:spcBef>
+                <a:spcPts val="2000"/>
+              </a:spcBef>
+              <a:spcAft>
+                <a:spcPts val="0"/>
+              </a:spcAft>
+              <a:defRPr>
+                <a:solidFill>
+                  <a:schemeClr val="dk1"/>
+                </a:solidFill>
+              </a:defRPr>
+              <a:buNone/>
             </a:lvl2pPr>
-            <a:lvl3pPr indent="-381000" lvl="2" marL="1371600" rtl="0">
-              <a:spcBef>
-                <a:spcPts val="2000"/>
-              </a:spcBef>
-              <a:spcAft>
-                <a:spcPts val="0"/>
-              </a:spcAft>
-              <a:buClr>
-                <a:schemeClr val="accent1"/>
-              </a:buClr>
-              <a:buSzPts val="2400"/>
-              <a:buChar char="■"/>
-              <a:defRPr>
-                <a:solidFill>
-                  <a:schemeClr val="dk1"/>
-                </a:solidFill>
-              </a:defRPr>
+            <a:lvl3pPr indent="0" lvl="2" marL="0" rtl="0">
+              <a:spcBef>
+                <a:spcPts val="2000"/>
+              </a:spcBef>
+              <a:spcAft>
+                <a:spcPts val="0"/>
+              </a:spcAft>
+              <a:defRPr>
+                <a:solidFill>
+                  <a:schemeClr val="dk1"/>
+                </a:solidFill>
+              </a:defRPr>
+              <a:buNone/>
             </a:lvl3pPr>
-            <a:lvl4pPr indent="-381000" lvl="3" marL="1828800" rtl="0">
-              <a:spcBef>
-                <a:spcPts val="2000"/>
-              </a:spcBef>
-              <a:spcAft>
-                <a:spcPts val="0"/>
-              </a:spcAft>
-              <a:buClr>
-                <a:schemeClr val="accent1"/>
-              </a:buClr>
-              <a:buSzPts val="2400"/>
-              <a:buChar char="●"/>
-              <a:defRPr>
-                <a:solidFill>
-                  <a:schemeClr val="dk1"/>
-                </a:solidFill>
-              </a:defRPr>
+            <a:lvl4pPr indent="0" lvl="3" marL="0" rtl="0">
+              <a:spcBef>
+                <a:spcPts val="2000"/>
+              </a:spcBef>
+              <a:spcAft>
+                <a:spcPts val="0"/>
+              </a:spcAft>
+              <a:defRPr>
+                <a:solidFill>
+                  <a:schemeClr val="dk1"/>
+                </a:solidFill>
+              </a:defRPr>
+              <a:buNone/>
             </a:lvl4pPr>
-            <a:lvl5pPr indent="-381000" lvl="4" marL="2286000" rtl="0">
-              <a:spcBef>
-                <a:spcPts val="2000"/>
-              </a:spcBef>
-              <a:spcAft>
-                <a:spcPts val="0"/>
-              </a:spcAft>
-              <a:buClr>
-                <a:schemeClr val="accent1"/>
-              </a:buClr>
-              <a:buSzPts val="2400"/>
-              <a:buChar char="○"/>
-              <a:defRPr>
-                <a:solidFill>
-                  <a:schemeClr val="dk1"/>
-                </a:solidFill>
-              </a:defRPr>
+            <a:lvl5pPr indent="0" lvl="4" marL="0" rtl="0">
+              <a:spcBef>
+                <a:spcPts val="2000"/>
+              </a:spcBef>
+              <a:spcAft>
+                <a:spcPts val="0"/>
+              </a:spcAft>
+              <a:defRPr>
+                <a:solidFill>
+                  <a:schemeClr val="dk1"/>
+                </a:solidFill>
+              </a:defRPr>
+              <a:buNone/>
             </a:lvl5pPr>
-            <a:lvl6pPr indent="-381000" lvl="5" marL="2743200" rtl="0">
-              <a:spcBef>
-                <a:spcPts val="2000"/>
-              </a:spcBef>
-              <a:spcAft>
-                <a:spcPts val="0"/>
-              </a:spcAft>
-              <a:buClr>
-                <a:schemeClr val="accent1"/>
-              </a:buClr>
-              <a:buSzPts val="2400"/>
-              <a:buChar char="■"/>
-              <a:defRPr>
-                <a:solidFill>
-                  <a:schemeClr val="dk1"/>
-                </a:solidFill>
-              </a:defRPr>
+            <a:lvl6pPr indent="0" lvl="5" marL="0" rtl="0">
+              <a:spcBef>
+                <a:spcPts val="2000"/>
+              </a:spcBef>
+              <a:spcAft>
+                <a:spcPts val="0"/>
+              </a:spcAft>
+              <a:defRPr>
+                <a:solidFill>
+                  <a:schemeClr val="dk1"/>
+                </a:solidFill>
+              </a:defRPr>
+              <a:buNone/>
             </a:lvl6pPr>
-            <a:lvl7pPr indent="-381000" lvl="6" marL="3200400" rtl="0">
-              <a:spcBef>
-                <a:spcPts val="2000"/>
-              </a:spcBef>
-              <a:spcAft>
-                <a:spcPts val="0"/>
-              </a:spcAft>
-              <a:buClr>
-                <a:schemeClr val="accent1"/>
-              </a:buClr>
-              <a:buSzPts val="2400"/>
-              <a:buChar char="●"/>
-              <a:defRPr>
-                <a:solidFill>
-                  <a:schemeClr val="dk1"/>
-                </a:solidFill>
-              </a:defRPr>
+            <a:lvl7pPr indent="0" lvl="6" marL="0" rtl="0">
+              <a:spcBef>
+                <a:spcPts val="2000"/>
+              </a:spcBef>
+              <a:spcAft>
+                <a:spcPts val="0"/>
+              </a:spcAft>
+              <a:defRPr>
+                <a:solidFill>
+                  <a:schemeClr val="dk1"/>
+                </a:solidFill>
+              </a:defRPr>
+              <a:buNone/>
             </a:lvl7pPr>
-            <a:lvl8pPr indent="-381000" lvl="7" marL="3657600" rtl="0">
-              <a:spcBef>
-                <a:spcPts val="2000"/>
-              </a:spcBef>
-              <a:spcAft>
-                <a:spcPts val="0"/>
-              </a:spcAft>
-              <a:buClr>
-                <a:schemeClr val="accent1"/>
-              </a:buClr>
-              <a:buSzPts val="2400"/>
-              <a:buChar char="○"/>
-              <a:defRPr>
-                <a:solidFill>
-                  <a:schemeClr val="dk1"/>
-                </a:solidFill>
-              </a:defRPr>
+            <a:lvl8pPr indent="0" lvl="7" marL="0" rtl="0">
+              <a:spcBef>
+                <a:spcPts val="2000"/>
+              </a:spcBef>
+              <a:spcAft>
+                <a:spcPts val="0"/>
+              </a:spcAft>
+              <a:defRPr>
+                <a:solidFill>
+                  <a:schemeClr val="dk1"/>
+                </a:solidFill>
+              </a:defRPr>
+              <a:buNone/>
             </a:lvl8pPr>
-            <a:lvl9pPr indent="-381000" lvl="8" marL="4114800" rtl="0">
-              <a:spcBef>
-                <a:spcPts val="2000"/>
-              </a:spcBef>
-              <a:spcAft>
-                <a:spcPts val="2000"/>
-              </a:spcAft>
-              <a:buClr>
-                <a:schemeClr val="accent1"/>
-              </a:buClr>
-              <a:buSzPts val="2400"/>
-              <a:buChar char="■"/>
-              <a:defRPr>
-                <a:solidFill>
-                  <a:schemeClr val="dk1"/>
-                </a:solidFill>
-              </a:defRPr>
+            <a:lvl9pPr indent="0" lvl="8" marL="0" rtl="0">
+              <a:spcBef>
+                <a:spcPts val="2000"/>
+              </a:spcBef>
+              <a:spcAft>
+                <a:spcPts val="2000"/>
+              </a:spcAft>
+              <a:defRPr>
+                <a:solidFill>
+                  <a:schemeClr val="dk1"/>
+                </a:solidFill>
+              </a:defRPr>
+              <a:buNone/>
             </a:lvl9pPr>
           </a:lstStyle>
           <a:p/>
@@ -5515,167 +5194,131 @@
             <a:noAutofit/>
           </a:bodyPr>
           <a:lstStyle>
-            <a:lvl1pPr indent="-457200" lvl="0" marL="457200" rtl="0">
-              <a:spcBef>
-                <a:spcPts val="0"/>
-              </a:spcBef>
-              <a:spcAft>
-                <a:spcPts val="0"/>
-              </a:spcAft>
-              <a:buClr>
-                <a:schemeClr val="accent1"/>
-              </a:buClr>
-              <a:buSzPts val="3600"/>
-              <a:buChar char="●"/>
-              <a:defRPr>
-                <a:solidFill>
-                  <a:schemeClr val="dk1"/>
-                </a:solidFill>
-              </a:defRPr>
+            <a:lvl1pPr indent="0" lvl="0" marL="0" rtl="0">
+              <a:spcBef>
+                <a:spcPts val="0"/>
+              </a:spcBef>
+              <a:spcAft>
+                <a:spcPts val="0"/>
+              </a:spcAft>
+              <a:defRPr>
+                <a:solidFill>
+                  <a:schemeClr val="dk1"/>
+                </a:solidFill>
+              </a:defRPr>
+              <a:buNone/>
             </a:lvl1pPr>
-            <a:lvl2pPr indent="-419100" lvl="1" marL="914400" rtl="0">
-              <a:spcBef>
-                <a:spcPts val="2000"/>
-              </a:spcBef>
-              <a:spcAft>
-                <a:spcPts val="0"/>
-              </a:spcAft>
-              <a:buClr>
-                <a:schemeClr val="accent1"/>
-              </a:buClr>
-              <a:buSzPts val="3000"/>
-              <a:buChar char="○"/>
-              <a:defRPr>
-                <a:solidFill>
-                  <a:schemeClr val="dk1"/>
-                </a:solidFill>
-              </a:defRPr>
+            <a:lvl2pPr indent="0" lvl="1" marL="0" rtl="0">
+              <a:spcBef>
+                <a:spcPts val="2000"/>
+              </a:spcBef>
+              <a:spcAft>
+                <a:spcPts val="0"/>
+              </a:spcAft>
+              <a:defRPr>
+                <a:solidFill>
+                  <a:schemeClr val="dk1"/>
+                </a:solidFill>
+              </a:defRPr>
+              <a:buNone/>
             </a:lvl2pPr>
-            <a:lvl3pPr indent="-381000" lvl="2" marL="1371600" rtl="0">
-              <a:spcBef>
-                <a:spcPts val="2000"/>
-              </a:spcBef>
-              <a:spcAft>
-                <a:spcPts val="0"/>
-              </a:spcAft>
-              <a:buClr>
-                <a:schemeClr val="accent1"/>
-              </a:buClr>
-              <a:buSzPts val="2400"/>
-              <a:buChar char="■"/>
-              <a:defRPr>
-                <a:solidFill>
-                  <a:schemeClr val="dk1"/>
-                </a:solidFill>
-              </a:defRPr>
+            <a:lvl3pPr indent="0" lvl="2" marL="0" rtl="0">
+              <a:spcBef>
+                <a:spcPts val="2000"/>
+              </a:spcBef>
+              <a:spcAft>
+                <a:spcPts val="0"/>
+              </a:spcAft>
+              <a:defRPr>
+                <a:solidFill>
+                  <a:schemeClr val="dk1"/>
+                </a:solidFill>
+              </a:defRPr>
+              <a:buNone/>
             </a:lvl3pPr>
-            <a:lvl4pPr indent="-381000" lvl="3" marL="1828800" rtl="0">
-              <a:spcBef>
-                <a:spcPts val="2000"/>
-              </a:spcBef>
-              <a:spcAft>
-                <a:spcPts val="0"/>
-              </a:spcAft>
-              <a:buClr>
-                <a:schemeClr val="accent1"/>
-              </a:buClr>
-              <a:buSzPts val="2400"/>
-              <a:buChar char="●"/>
-              <a:defRPr>
-                <a:solidFill>
-                  <a:schemeClr val="dk1"/>
-                </a:solidFill>
-              </a:defRPr>
+            <a:lvl4pPr indent="0" lvl="3" marL="0" rtl="0">
+              <a:spcBef>
+                <a:spcPts val="2000"/>
+              </a:spcBef>
+              <a:spcAft>
+                <a:spcPts val="0"/>
+              </a:spcAft>
+              <a:defRPr>
+                <a:solidFill>
+                  <a:schemeClr val="dk1"/>
+                </a:solidFill>
+              </a:defRPr>
+              <a:buNone/>
             </a:lvl4pPr>
-            <a:lvl5pPr indent="-381000" lvl="4" marL="2286000" rtl="0">
-              <a:spcBef>
-                <a:spcPts val="2000"/>
-              </a:spcBef>
-              <a:spcAft>
-                <a:spcPts val="0"/>
-              </a:spcAft>
-              <a:buClr>
-                <a:schemeClr val="accent1"/>
-              </a:buClr>
-              <a:buSzPts val="2400"/>
-              <a:buChar char="○"/>
-              <a:defRPr>
-                <a:solidFill>
-                  <a:schemeClr val="dk1"/>
-                </a:solidFill>
-              </a:defRPr>
+            <a:lvl5pPr indent="0" lvl="4" marL="0" rtl="0">
+              <a:spcBef>
+                <a:spcPts val="2000"/>
+              </a:spcBef>
+              <a:spcAft>
+                <a:spcPts val="0"/>
+              </a:spcAft>
+              <a:defRPr>
+                <a:solidFill>
+                  <a:schemeClr val="dk1"/>
+                </a:solidFill>
+              </a:defRPr>
+              <a:buNone/>
             </a:lvl5pPr>
-            <a:lvl6pPr indent="-381000" lvl="5" marL="2743200" rtl="0">
-              <a:spcBef>
-                <a:spcPts val="2000"/>
-              </a:spcBef>
-              <a:spcAft>
-                <a:spcPts val="0"/>
-              </a:spcAft>
-              <a:buClr>
-                <a:schemeClr val="accent1"/>
-              </a:buClr>
-              <a:buSzPts val="2400"/>
-              <a:buChar char="■"/>
-              <a:defRPr>
-                <a:solidFill>
-                  <a:schemeClr val="dk1"/>
-                </a:solidFill>
-              </a:defRPr>
+            <a:lvl6pPr indent="0" lvl="5" marL="0" rtl="0">
+              <a:spcBef>
+                <a:spcPts val="2000"/>
+              </a:spcBef>
+              <a:spcAft>
+                <a:spcPts val="0"/>
+              </a:spcAft>
+              <a:defRPr>
+                <a:solidFill>
+                  <a:schemeClr val="dk1"/>
+                </a:solidFill>
+              </a:defRPr>
+              <a:buNone/>
             </a:lvl6pPr>
-            <a:lvl7pPr indent="-381000" lvl="6" marL="3200400" rtl="0">
-              <a:spcBef>
-                <a:spcPts val="2000"/>
-              </a:spcBef>
-              <a:spcAft>
-                <a:spcPts val="0"/>
-              </a:spcAft>
-              <a:buClr>
-                <a:schemeClr val="accent1"/>
-              </a:buClr>
-              <a:buSzPts val="2400"/>
-              <a:buChar char="●"/>
-              <a:defRPr>
-                <a:solidFill>
-                  <a:schemeClr val="dk1"/>
-                </a:solidFill>
-              </a:defRPr>
+            <a:lvl7pPr indent="0" lvl="6" marL="0" rtl="0">
+              <a:spcBef>
+                <a:spcPts val="2000"/>
+              </a:spcBef>
+              <a:spcAft>
+                <a:spcPts val="0"/>
+              </a:spcAft>
+              <a:defRPr>
+                <a:solidFill>
+                  <a:schemeClr val="dk1"/>
+                </a:solidFill>
+              </a:defRPr>
+              <a:buNone/>
             </a:lvl7pPr>
-            <a:lvl8pPr indent="-381000" lvl="7" marL="3657600" rtl="0">
-              <a:spcBef>
-                <a:spcPts val="2000"/>
-              </a:spcBef>
-              <a:spcAft>
-                <a:spcPts val="0"/>
-              </a:spcAft>
-              <a:buClr>
-                <a:schemeClr val="accent1"/>
-              </a:buClr>
-              <a:buSzPts val="2400"/>
-              <a:buChar char="○"/>
-              <a:defRPr>
-                <a:solidFill>
-                  <a:schemeClr val="dk1"/>
-                </a:solidFill>
-              </a:defRPr>
+            <a:lvl8pPr indent="0" lvl="7" marL="0" rtl="0">
+              <a:spcBef>
+                <a:spcPts val="2000"/>
+              </a:spcBef>
+              <a:spcAft>
+                <a:spcPts val="0"/>
+              </a:spcAft>
+              <a:defRPr>
+                <a:solidFill>
+                  <a:schemeClr val="dk1"/>
+                </a:solidFill>
+              </a:defRPr>
+              <a:buNone/>
             </a:lvl8pPr>
-            <a:lvl9pPr indent="-381000" lvl="8" marL="4114800" rtl="0">
-              <a:spcBef>
-                <a:spcPts val="2000"/>
-              </a:spcBef>
-              <a:spcAft>
-                <a:spcPts val="2000"/>
-              </a:spcAft>
-              <a:buClr>
-                <a:schemeClr val="accent1"/>
-              </a:buClr>
-              <a:buSzPts val="2400"/>
-              <a:buChar char="■"/>
-              <a:defRPr>
-                <a:solidFill>
-                  <a:schemeClr val="dk1"/>
-                </a:solidFill>
-              </a:defRPr>
+            <a:lvl9pPr indent="0" lvl="8" marL="0" rtl="0">
+              <a:spcBef>
+                <a:spcPts val="2000"/>
+              </a:spcBef>
+              <a:spcAft>
+                <a:spcPts val="2000"/>
+              </a:spcAft>
+              <a:defRPr>
+                <a:solidFill>
+                  <a:schemeClr val="dk1"/>
+                </a:solidFill>
+              </a:defRPr>
+              <a:buNone/>
             </a:lvl9pPr>
           </a:lstStyle>
           <a:p/>
@@ -5703,104 +5346,104 @@
             <a:noAutofit/>
           </a:bodyPr>
           <a:lstStyle>
-            <a:lvl1pPr lvl="0" rtl="0">
-              <a:spcBef>
-                <a:spcPts val="0"/>
-              </a:spcBef>
-              <a:spcAft>
-                <a:spcPts val="0"/>
-              </a:spcAft>
-              <a:buSzPts val="3600"/>
+            <a:lvl1pPr lvl="0" rtl="0" indent="0" marL="0">
+              <a:spcBef>
+                <a:spcPts val="0"/>
+              </a:spcBef>
+              <a:spcAft>
+                <a:spcPts val="0"/>
+              </a:spcAft>
               <a:buNone/>
               <a:defRPr b="1"/>
+              <a:buNone/>
             </a:lvl1pPr>
-            <a:lvl2pPr lvl="1" rtl="0">
-              <a:spcBef>
-                <a:spcPts val="0"/>
-              </a:spcBef>
-              <a:spcAft>
-                <a:spcPts val="0"/>
-              </a:spcAft>
-              <a:buSzPts val="3600"/>
+            <a:lvl2pPr lvl="1" rtl="0" indent="0" marL="0">
+              <a:spcBef>
+                <a:spcPts val="0"/>
+              </a:spcBef>
+              <a:spcAft>
+                <a:spcPts val="0"/>
+              </a:spcAft>
               <a:buNone/>
               <a:defRPr b="1" sz="3600"/>
+              <a:buNone/>
             </a:lvl2pPr>
-            <a:lvl3pPr lvl="2" rtl="0">
-              <a:spcBef>
-                <a:spcPts val="0"/>
-              </a:spcBef>
-              <a:spcAft>
-                <a:spcPts val="0"/>
-              </a:spcAft>
-              <a:buSzPts val="3600"/>
+            <a:lvl3pPr lvl="2" rtl="0" indent="0" marL="0">
+              <a:spcBef>
+                <a:spcPts val="0"/>
+              </a:spcBef>
+              <a:spcAft>
+                <a:spcPts val="0"/>
+              </a:spcAft>
               <a:buNone/>
               <a:defRPr b="1" sz="3600"/>
+              <a:buNone/>
             </a:lvl3pPr>
-            <a:lvl4pPr lvl="3" rtl="0">
-              <a:spcBef>
-                <a:spcPts val="0"/>
-              </a:spcBef>
-              <a:spcAft>
-                <a:spcPts val="0"/>
-              </a:spcAft>
-              <a:buSzPts val="3600"/>
+            <a:lvl4pPr lvl="3" rtl="0" indent="0" marL="0">
+              <a:spcBef>
+                <a:spcPts val="0"/>
+              </a:spcBef>
+              <a:spcAft>
+                <a:spcPts val="0"/>
+              </a:spcAft>
               <a:buNone/>
               <a:defRPr b="1" sz="3600"/>
+              <a:buNone/>
             </a:lvl4pPr>
-            <a:lvl5pPr lvl="4" rtl="0">
-              <a:spcBef>
-                <a:spcPts val="0"/>
-              </a:spcBef>
-              <a:spcAft>
-                <a:spcPts val="0"/>
-              </a:spcAft>
-              <a:buSzPts val="3600"/>
+            <a:lvl5pPr lvl="4" rtl="0" indent="0" marL="0">
+              <a:spcBef>
+                <a:spcPts val="0"/>
+              </a:spcBef>
+              <a:spcAft>
+                <a:spcPts val="0"/>
+              </a:spcAft>
               <a:buNone/>
               <a:defRPr b="1" sz="3600"/>
+              <a:buNone/>
             </a:lvl5pPr>
-            <a:lvl6pPr lvl="5" rtl="0">
-              <a:spcBef>
-                <a:spcPts val="0"/>
-              </a:spcBef>
-              <a:spcAft>
-                <a:spcPts val="0"/>
-              </a:spcAft>
-              <a:buSzPts val="3600"/>
+            <a:lvl6pPr lvl="5" rtl="0" indent="0" marL="0">
+              <a:spcBef>
+                <a:spcPts val="0"/>
+              </a:spcBef>
+              <a:spcAft>
+                <a:spcPts val="0"/>
+              </a:spcAft>
               <a:buNone/>
               <a:defRPr b="1" sz="3600"/>
+              <a:buNone/>
             </a:lvl6pPr>
-            <a:lvl7pPr lvl="6" rtl="0">
-              <a:spcBef>
-                <a:spcPts val="0"/>
-              </a:spcBef>
-              <a:spcAft>
-                <a:spcPts val="0"/>
-              </a:spcAft>
-              <a:buSzPts val="3600"/>
+            <a:lvl7pPr lvl="6" rtl="0" indent="0" marL="0">
+              <a:spcBef>
+                <a:spcPts val="0"/>
+              </a:spcBef>
+              <a:spcAft>
+                <a:spcPts val="0"/>
+              </a:spcAft>
               <a:buNone/>
               <a:defRPr b="1" sz="3600"/>
+              <a:buNone/>
             </a:lvl7pPr>
-            <a:lvl8pPr lvl="7" rtl="0">
-              <a:spcBef>
-                <a:spcPts val="0"/>
-              </a:spcBef>
-              <a:spcAft>
-                <a:spcPts val="0"/>
-              </a:spcAft>
-              <a:buSzPts val="3600"/>
+            <a:lvl8pPr lvl="7" rtl="0" indent="0" marL="0">
+              <a:spcBef>
+                <a:spcPts val="0"/>
+              </a:spcBef>
+              <a:spcAft>
+                <a:spcPts val="0"/>
+              </a:spcAft>
               <a:buNone/>
               <a:defRPr b="1" sz="3600"/>
+              <a:buNone/>
             </a:lvl8pPr>
-            <a:lvl9pPr lvl="8" rtl="0">
-              <a:spcBef>
-                <a:spcPts val="0"/>
-              </a:spcBef>
-              <a:spcAft>
-                <a:spcPts val="0"/>
-              </a:spcAft>
-              <a:buSzPts val="3600"/>
+            <a:lvl9pPr lvl="8" rtl="0" indent="0" marL="0">
+              <a:spcBef>
+                <a:spcPts val="0"/>
+              </a:spcBef>
+              <a:spcAft>
+                <a:spcPts val="0"/>
+              </a:spcAft>
               <a:buNone/>
               <a:defRPr b="1" sz="3600"/>
+              <a:buNone/>
             </a:lvl9pPr>
           </a:lstStyle>
           <a:p/>
@@ -5828,15 +5471,13 @@
             <a:noAutofit/>
           </a:bodyPr>
           <a:lstStyle>
-            <a:lvl1pPr lvl="0" rtl="0">
-              <a:spcBef>
-                <a:spcPts val="0"/>
-              </a:spcBef>
-              <a:spcAft>
-                <a:spcPts val="0"/>
-              </a:spcAft>
-              <a:buSzPts val="5600"/>
-              <a:buFont typeface="Open Sans Light"/>
+            <a:lvl1pPr lvl="0" rtl="0" indent="0" marL="0">
+              <a:spcBef>
+                <a:spcPts val="0"/>
+              </a:spcBef>
+              <a:spcAft>
+                <a:spcPts val="0"/>
+              </a:spcAft>
               <a:buNone/>
               <a:defRPr>
                 <a:latin typeface="Open Sans Light"/>
@@ -5844,94 +5485,95 @@
                 <a:cs typeface="Open Sans Light"/>
                 <a:sym typeface="Open Sans Light"/>
               </a:defRPr>
+              <a:buNone/>
             </a:lvl1pPr>
-            <a:lvl2pPr lvl="1" rtl="0">
-              <a:spcBef>
-                <a:spcPts val="0"/>
-              </a:spcBef>
-              <a:spcAft>
-                <a:spcPts val="0"/>
-              </a:spcAft>
-              <a:buSzPts val="5600"/>
+            <a:lvl2pPr lvl="1" rtl="0" indent="0" marL="0">
+              <a:spcBef>
+                <a:spcPts val="0"/>
+              </a:spcBef>
+              <a:spcAft>
+                <a:spcPts val="0"/>
+              </a:spcAft>
               <a:buNone/>
               <a:defRPr/>
+              <a:buNone/>
             </a:lvl2pPr>
-            <a:lvl3pPr lvl="2" rtl="0">
-              <a:spcBef>
-                <a:spcPts val="0"/>
-              </a:spcBef>
-              <a:spcAft>
-                <a:spcPts val="0"/>
-              </a:spcAft>
-              <a:buSzPts val="5600"/>
+            <a:lvl3pPr lvl="2" rtl="0" indent="0" marL="0">
+              <a:spcBef>
+                <a:spcPts val="0"/>
+              </a:spcBef>
+              <a:spcAft>
+                <a:spcPts val="0"/>
+              </a:spcAft>
               <a:buNone/>
               <a:defRPr/>
+              <a:buNone/>
             </a:lvl3pPr>
-            <a:lvl4pPr lvl="3" rtl="0">
-              <a:spcBef>
-                <a:spcPts val="0"/>
-              </a:spcBef>
-              <a:spcAft>
-                <a:spcPts val="0"/>
-              </a:spcAft>
-              <a:buSzPts val="5600"/>
+            <a:lvl4pPr lvl="3" rtl="0" indent="0" marL="0">
+              <a:spcBef>
+                <a:spcPts val="0"/>
+              </a:spcBef>
+              <a:spcAft>
+                <a:spcPts val="0"/>
+              </a:spcAft>
               <a:buNone/>
               <a:defRPr/>
+              <a:buNone/>
             </a:lvl4pPr>
-            <a:lvl5pPr lvl="4" rtl="0">
-              <a:spcBef>
-                <a:spcPts val="0"/>
-              </a:spcBef>
-              <a:spcAft>
-                <a:spcPts val="0"/>
-              </a:spcAft>
-              <a:buSzPts val="5600"/>
+            <a:lvl5pPr lvl="4" rtl="0" indent="0" marL="0">
+              <a:spcBef>
+                <a:spcPts val="0"/>
+              </a:spcBef>
+              <a:spcAft>
+                <a:spcPts val="0"/>
+              </a:spcAft>
               <a:buNone/>
               <a:defRPr/>
+              <a:buNone/>
             </a:lvl5pPr>
-            <a:lvl6pPr lvl="5" rtl="0">
-              <a:spcBef>
-                <a:spcPts val="0"/>
-              </a:spcBef>
-              <a:spcAft>
-                <a:spcPts val="0"/>
-              </a:spcAft>
-              <a:buSzPts val="5600"/>
+            <a:lvl6pPr lvl="5" rtl="0" indent="0" marL="0">
+              <a:spcBef>
+                <a:spcPts val="0"/>
+              </a:spcBef>
+              <a:spcAft>
+                <a:spcPts val="0"/>
+              </a:spcAft>
               <a:buNone/>
               <a:defRPr/>
+              <a:buNone/>
             </a:lvl6pPr>
-            <a:lvl7pPr lvl="6" rtl="0">
-              <a:spcBef>
-                <a:spcPts val="0"/>
-              </a:spcBef>
-              <a:spcAft>
-                <a:spcPts val="0"/>
-              </a:spcAft>
-              <a:buSzPts val="5600"/>
+            <a:lvl7pPr lvl="6" rtl="0" indent="0" marL="0">
+              <a:spcBef>
+                <a:spcPts val="0"/>
+              </a:spcBef>
+              <a:spcAft>
+                <a:spcPts val="0"/>
+              </a:spcAft>
               <a:buNone/>
               <a:defRPr/>
+              <a:buNone/>
             </a:lvl7pPr>
-            <a:lvl8pPr lvl="7" rtl="0">
-              <a:spcBef>
-                <a:spcPts val="0"/>
-              </a:spcBef>
-              <a:spcAft>
-                <a:spcPts val="0"/>
-              </a:spcAft>
-              <a:buSzPts val="5600"/>
+            <a:lvl8pPr lvl="7" rtl="0" indent="0" marL="0">
+              <a:spcBef>
+                <a:spcPts val="0"/>
+              </a:spcBef>
+              <a:spcAft>
+                <a:spcPts val="0"/>
+              </a:spcAft>
               <a:buNone/>
               <a:defRPr/>
+              <a:buNone/>
             </a:lvl8pPr>
-            <a:lvl9pPr lvl="8" rtl="0">
-              <a:spcBef>
-                <a:spcPts val="0"/>
-              </a:spcBef>
-              <a:spcAft>
-                <a:spcPts val="0"/>
-              </a:spcAft>
-              <a:buSzPts val="5600"/>
+            <a:lvl9pPr lvl="8" rtl="0" indent="0" marL="0">
+              <a:spcBef>
+                <a:spcPts val="0"/>
+              </a:spcBef>
+              <a:spcAft>
+                <a:spcPts val="0"/>
+              </a:spcAft>
               <a:buNone/>
               <a:defRPr/>
+              <a:buNone/>
             </a:lvl9pPr>
           </a:lstStyle>
           <a:p/>
@@ -5959,167 +5601,131 @@
             <a:noAutofit/>
           </a:bodyPr>
           <a:lstStyle>
-            <a:lvl1pPr indent="-457200" lvl="0" marL="457200" rtl="0">
-              <a:spcBef>
-                <a:spcPts val="0"/>
-              </a:spcBef>
-              <a:spcAft>
-                <a:spcPts val="0"/>
-              </a:spcAft>
-              <a:buClr>
-                <a:schemeClr val="accent1"/>
-              </a:buClr>
-              <a:buSzPts val="3600"/>
-              <a:buChar char="●"/>
-              <a:defRPr>
-                <a:solidFill>
-                  <a:schemeClr val="dk1"/>
-                </a:solidFill>
-              </a:defRPr>
+            <a:lvl1pPr indent="0" lvl="0" marL="0" rtl="0">
+              <a:spcBef>
+                <a:spcPts val="0"/>
+              </a:spcBef>
+              <a:spcAft>
+                <a:spcPts val="0"/>
+              </a:spcAft>
+              <a:defRPr>
+                <a:solidFill>
+                  <a:schemeClr val="dk1"/>
+                </a:solidFill>
+              </a:defRPr>
+              <a:buNone/>
             </a:lvl1pPr>
-            <a:lvl2pPr indent="-419100" lvl="1" marL="914400" rtl="0">
-              <a:spcBef>
-                <a:spcPts val="2000"/>
-              </a:spcBef>
-              <a:spcAft>
-                <a:spcPts val="0"/>
-              </a:spcAft>
-              <a:buClr>
-                <a:schemeClr val="accent1"/>
-              </a:buClr>
-              <a:buSzPts val="3000"/>
-              <a:buChar char="○"/>
-              <a:defRPr>
-                <a:solidFill>
-                  <a:schemeClr val="dk1"/>
-                </a:solidFill>
-              </a:defRPr>
+            <a:lvl2pPr indent="0" lvl="1" marL="0" rtl="0">
+              <a:spcBef>
+                <a:spcPts val="2000"/>
+              </a:spcBef>
+              <a:spcAft>
+                <a:spcPts val="0"/>
+              </a:spcAft>
+              <a:defRPr>
+                <a:solidFill>
+                  <a:schemeClr val="dk1"/>
+                </a:solidFill>
+              </a:defRPr>
+              <a:buNone/>
             </a:lvl2pPr>
-            <a:lvl3pPr indent="-381000" lvl="2" marL="1371600" rtl="0">
-              <a:spcBef>
-                <a:spcPts val="2000"/>
-              </a:spcBef>
-              <a:spcAft>
-                <a:spcPts val="0"/>
-              </a:spcAft>
-              <a:buClr>
-                <a:schemeClr val="accent1"/>
-              </a:buClr>
-              <a:buSzPts val="2400"/>
-              <a:buChar char="■"/>
-              <a:defRPr>
-                <a:solidFill>
-                  <a:schemeClr val="dk1"/>
-                </a:solidFill>
-              </a:defRPr>
+            <a:lvl3pPr indent="0" lvl="2" marL="0" rtl="0">
+              <a:spcBef>
+                <a:spcPts val="2000"/>
+              </a:spcBef>
+              <a:spcAft>
+                <a:spcPts val="0"/>
+              </a:spcAft>
+              <a:defRPr>
+                <a:solidFill>
+                  <a:schemeClr val="dk1"/>
+                </a:solidFill>
+              </a:defRPr>
+              <a:buNone/>
             </a:lvl3pPr>
-            <a:lvl4pPr indent="-381000" lvl="3" marL="1828800" rtl="0">
-              <a:spcBef>
-                <a:spcPts val="2000"/>
-              </a:spcBef>
-              <a:spcAft>
-                <a:spcPts val="0"/>
-              </a:spcAft>
-              <a:buClr>
-                <a:schemeClr val="accent1"/>
-              </a:buClr>
-              <a:buSzPts val="2400"/>
-              <a:buChar char="●"/>
-              <a:defRPr>
-                <a:solidFill>
-                  <a:schemeClr val="dk1"/>
-                </a:solidFill>
-              </a:defRPr>
+            <a:lvl4pPr indent="0" lvl="3" marL="0" rtl="0">
+              <a:spcBef>
+                <a:spcPts val="2000"/>
+              </a:spcBef>
+              <a:spcAft>
+                <a:spcPts val="0"/>
+              </a:spcAft>
+              <a:defRPr>
+                <a:solidFill>
+                  <a:schemeClr val="dk1"/>
+                </a:solidFill>
+              </a:defRPr>
+              <a:buNone/>
             </a:lvl4pPr>
-            <a:lvl5pPr indent="-381000" lvl="4" marL="2286000" rtl="0">
-              <a:spcBef>
-                <a:spcPts val="2000"/>
-              </a:spcBef>
-              <a:spcAft>
-                <a:spcPts val="0"/>
-              </a:spcAft>
-              <a:buClr>
-                <a:schemeClr val="accent1"/>
-              </a:buClr>
-              <a:buSzPts val="2400"/>
-              <a:buChar char="○"/>
-              <a:defRPr>
-                <a:solidFill>
-                  <a:schemeClr val="dk1"/>
-                </a:solidFill>
-              </a:defRPr>
+            <a:lvl5pPr indent="0" lvl="4" marL="0" rtl="0">
+              <a:spcBef>
+                <a:spcPts val="2000"/>
+              </a:spcBef>
+              <a:spcAft>
+                <a:spcPts val="0"/>
+              </a:spcAft>
+              <a:defRPr>
+                <a:solidFill>
+                  <a:schemeClr val="dk1"/>
+                </a:solidFill>
+              </a:defRPr>
+              <a:buNone/>
             </a:lvl5pPr>
-            <a:lvl6pPr indent="-381000" lvl="5" marL="2743200" rtl="0">
-              <a:spcBef>
-                <a:spcPts val="2000"/>
-              </a:spcBef>
-              <a:spcAft>
-                <a:spcPts val="0"/>
-              </a:spcAft>
-              <a:buClr>
-                <a:schemeClr val="accent1"/>
-              </a:buClr>
-              <a:buSzPts val="2400"/>
-              <a:buChar char="■"/>
-              <a:defRPr>
-                <a:solidFill>
-                  <a:schemeClr val="dk1"/>
-                </a:solidFill>
-              </a:defRPr>
+            <a:lvl6pPr indent="0" lvl="5" marL="0" rtl="0">
+              <a:spcBef>
+                <a:spcPts val="2000"/>
+              </a:spcBef>
+              <a:spcAft>
+                <a:spcPts val="0"/>
+              </a:spcAft>
+              <a:defRPr>
+                <a:solidFill>
+                  <a:schemeClr val="dk1"/>
+                </a:solidFill>
+              </a:defRPr>
+              <a:buNone/>
             </a:lvl6pPr>
-            <a:lvl7pPr indent="-381000" lvl="6" marL="3200400" rtl="0">
-              <a:spcBef>
-                <a:spcPts val="2000"/>
-              </a:spcBef>
-              <a:spcAft>
-                <a:spcPts val="0"/>
-              </a:spcAft>
-              <a:buClr>
-                <a:schemeClr val="accent1"/>
-              </a:buClr>
-              <a:buSzPts val="2400"/>
-              <a:buChar char="●"/>
-              <a:defRPr>
-                <a:solidFill>
-                  <a:schemeClr val="dk1"/>
-                </a:solidFill>
-              </a:defRPr>
+            <a:lvl7pPr indent="0" lvl="6" marL="0" rtl="0">
+              <a:spcBef>
+                <a:spcPts val="2000"/>
+              </a:spcBef>
+              <a:spcAft>
+                <a:spcPts val="0"/>
+              </a:spcAft>
+              <a:defRPr>
+                <a:solidFill>
+                  <a:schemeClr val="dk1"/>
+                </a:solidFill>
+              </a:defRPr>
+              <a:buNone/>
             </a:lvl7pPr>
-            <a:lvl8pPr indent="-381000" lvl="7" marL="3657600" rtl="0">
-              <a:spcBef>
-                <a:spcPts val="2000"/>
-              </a:spcBef>
-              <a:spcAft>
-                <a:spcPts val="0"/>
-              </a:spcAft>
-              <a:buClr>
-                <a:schemeClr val="accent1"/>
-              </a:buClr>
-              <a:buSzPts val="2400"/>
-              <a:buChar char="○"/>
-              <a:defRPr>
-                <a:solidFill>
-                  <a:schemeClr val="dk1"/>
-                </a:solidFill>
-              </a:defRPr>
+            <a:lvl8pPr indent="0" lvl="7" marL="0" rtl="0">
+              <a:spcBef>
+                <a:spcPts val="2000"/>
+              </a:spcBef>
+              <a:spcAft>
+                <a:spcPts val="0"/>
+              </a:spcAft>
+              <a:defRPr>
+                <a:solidFill>
+                  <a:schemeClr val="dk1"/>
+                </a:solidFill>
+              </a:defRPr>
+              <a:buNone/>
             </a:lvl8pPr>
-            <a:lvl9pPr indent="-381000" lvl="8" marL="4114800" rtl="0">
-              <a:spcBef>
-                <a:spcPts val="2000"/>
-              </a:spcBef>
-              <a:spcAft>
-                <a:spcPts val="2000"/>
-              </a:spcAft>
-              <a:buClr>
-                <a:schemeClr val="accent1"/>
-              </a:buClr>
-              <a:buSzPts val="2400"/>
-              <a:buChar char="■"/>
-              <a:defRPr>
-                <a:solidFill>
-                  <a:schemeClr val="dk1"/>
-                </a:solidFill>
-              </a:defRPr>
+            <a:lvl9pPr indent="0" lvl="8" marL="0" rtl="0">
+              <a:spcBef>
+                <a:spcPts val="2000"/>
+              </a:spcBef>
+              <a:spcAft>
+                <a:spcPts val="2000"/>
+              </a:spcAft>
+              <a:defRPr>
+                <a:solidFill>
+                  <a:schemeClr val="dk1"/>
+                </a:solidFill>
+              </a:defRPr>
+              <a:buNone/>
             </a:lvl9pPr>
           </a:lstStyle>
           <a:p/>
@@ -6477,167 +6083,131 @@
             <a:noAutofit/>
           </a:bodyPr>
           <a:lstStyle>
-            <a:lvl1pPr indent="-457200" lvl="0" marL="457200" rtl="0">
-              <a:spcBef>
-                <a:spcPts val="0"/>
-              </a:spcBef>
-              <a:spcAft>
-                <a:spcPts val="0"/>
-              </a:spcAft>
-              <a:buClr>
-                <a:schemeClr val="accent1"/>
-              </a:buClr>
-              <a:buSzPts val="3600"/>
-              <a:buChar char="●"/>
-              <a:defRPr>
-                <a:solidFill>
-                  <a:schemeClr val="dk1"/>
-                </a:solidFill>
-              </a:defRPr>
+            <a:lvl1pPr indent="0" lvl="0" marL="0" rtl="0">
+              <a:spcBef>
+                <a:spcPts val="0"/>
+              </a:spcBef>
+              <a:spcAft>
+                <a:spcPts val="0"/>
+              </a:spcAft>
+              <a:defRPr>
+                <a:solidFill>
+                  <a:schemeClr val="dk1"/>
+                </a:solidFill>
+              </a:defRPr>
+              <a:buNone/>
             </a:lvl1pPr>
-            <a:lvl2pPr indent="-419100" lvl="1" marL="914400" rtl="0">
-              <a:spcBef>
-                <a:spcPts val="2000"/>
-              </a:spcBef>
-              <a:spcAft>
-                <a:spcPts val="0"/>
-              </a:spcAft>
-              <a:buClr>
-                <a:schemeClr val="accent1"/>
-              </a:buClr>
-              <a:buSzPts val="3000"/>
-              <a:buChar char="○"/>
-              <a:defRPr>
-                <a:solidFill>
-                  <a:schemeClr val="dk1"/>
-                </a:solidFill>
-              </a:defRPr>
+            <a:lvl2pPr indent="0" lvl="1" marL="0" rtl="0">
+              <a:spcBef>
+                <a:spcPts val="2000"/>
+              </a:spcBef>
+              <a:spcAft>
+                <a:spcPts val="0"/>
+              </a:spcAft>
+              <a:defRPr>
+                <a:solidFill>
+                  <a:schemeClr val="dk1"/>
+                </a:solidFill>
+              </a:defRPr>
+              <a:buNone/>
             </a:lvl2pPr>
-            <a:lvl3pPr indent="-381000" lvl="2" marL="1371600" rtl="0">
-              <a:spcBef>
-                <a:spcPts val="2000"/>
-              </a:spcBef>
-              <a:spcAft>
-                <a:spcPts val="0"/>
-              </a:spcAft>
-              <a:buClr>
-                <a:schemeClr val="accent1"/>
-              </a:buClr>
-              <a:buSzPts val="2400"/>
-              <a:buChar char="■"/>
-              <a:defRPr>
-                <a:solidFill>
-                  <a:schemeClr val="dk1"/>
-                </a:solidFill>
-              </a:defRPr>
+            <a:lvl3pPr indent="0" lvl="2" marL="0" rtl="0">
+              <a:spcBef>
+                <a:spcPts val="2000"/>
+              </a:spcBef>
+              <a:spcAft>
+                <a:spcPts val="0"/>
+              </a:spcAft>
+              <a:defRPr>
+                <a:solidFill>
+                  <a:schemeClr val="dk1"/>
+                </a:solidFill>
+              </a:defRPr>
+              <a:buNone/>
             </a:lvl3pPr>
-            <a:lvl4pPr indent="-381000" lvl="3" marL="1828800" rtl="0">
-              <a:spcBef>
-                <a:spcPts val="2000"/>
-              </a:spcBef>
-              <a:spcAft>
-                <a:spcPts val="0"/>
-              </a:spcAft>
-              <a:buClr>
-                <a:schemeClr val="accent1"/>
-              </a:buClr>
-              <a:buSzPts val="2400"/>
-              <a:buChar char="●"/>
-              <a:defRPr>
-                <a:solidFill>
-                  <a:schemeClr val="dk1"/>
-                </a:solidFill>
-              </a:defRPr>
+            <a:lvl4pPr indent="0" lvl="3" marL="0" rtl="0">
+              <a:spcBef>
+                <a:spcPts val="2000"/>
+              </a:spcBef>
+              <a:spcAft>
+                <a:spcPts val="0"/>
+              </a:spcAft>
+              <a:defRPr>
+                <a:solidFill>
+                  <a:schemeClr val="dk1"/>
+                </a:solidFill>
+              </a:defRPr>
+              <a:buNone/>
             </a:lvl4pPr>
-            <a:lvl5pPr indent="-381000" lvl="4" marL="2286000" rtl="0">
-              <a:spcBef>
-                <a:spcPts val="2000"/>
-              </a:spcBef>
-              <a:spcAft>
-                <a:spcPts val="0"/>
-              </a:spcAft>
-              <a:buClr>
-                <a:schemeClr val="accent1"/>
-              </a:buClr>
-              <a:buSzPts val="2400"/>
-              <a:buChar char="○"/>
-              <a:defRPr>
-                <a:solidFill>
-                  <a:schemeClr val="dk1"/>
-                </a:solidFill>
-              </a:defRPr>
+            <a:lvl5pPr indent="0" lvl="4" marL="0" rtl="0">
+              <a:spcBef>
+                <a:spcPts val="2000"/>
+              </a:spcBef>
+              <a:spcAft>
+                <a:spcPts val="0"/>
+              </a:spcAft>
+              <a:defRPr>
+                <a:solidFill>
+                  <a:schemeClr val="dk1"/>
+                </a:solidFill>
+              </a:defRPr>
+              <a:buNone/>
             </a:lvl5pPr>
-            <a:lvl6pPr indent="-381000" lvl="5" marL="2743200" rtl="0">
-              <a:spcBef>
-                <a:spcPts val="2000"/>
-              </a:spcBef>
-              <a:spcAft>
-                <a:spcPts val="0"/>
-              </a:spcAft>
-              <a:buClr>
-                <a:schemeClr val="accent1"/>
-              </a:buClr>
-              <a:buSzPts val="2400"/>
-              <a:buChar char="■"/>
-              <a:defRPr>
-                <a:solidFill>
-                  <a:schemeClr val="dk1"/>
-                </a:solidFill>
-              </a:defRPr>
+            <a:lvl6pPr indent="0" lvl="5" marL="0" rtl="0">
+              <a:spcBef>
+                <a:spcPts val="2000"/>
+              </a:spcBef>
+              <a:spcAft>
+                <a:spcPts val="0"/>
+              </a:spcAft>
+              <a:defRPr>
+                <a:solidFill>
+                  <a:schemeClr val="dk1"/>
+                </a:solidFill>
+              </a:defRPr>
+              <a:buNone/>
             </a:lvl6pPr>
-            <a:lvl7pPr indent="-381000" lvl="6" marL="3200400" rtl="0">
-              <a:spcBef>
-                <a:spcPts val="2000"/>
-              </a:spcBef>
-              <a:spcAft>
-                <a:spcPts val="0"/>
-              </a:spcAft>
-              <a:buClr>
-                <a:schemeClr val="accent1"/>
-              </a:buClr>
-              <a:buSzPts val="2400"/>
-              <a:buChar char="●"/>
-              <a:defRPr>
-                <a:solidFill>
-                  <a:schemeClr val="dk1"/>
-                </a:solidFill>
-              </a:defRPr>
+            <a:lvl7pPr indent="0" lvl="6" marL="0" rtl="0">
+              <a:spcBef>
+                <a:spcPts val="2000"/>
+              </a:spcBef>
+              <a:spcAft>
+                <a:spcPts val="0"/>
+              </a:spcAft>
+              <a:defRPr>
+                <a:solidFill>
+                  <a:schemeClr val="dk1"/>
+                </a:solidFill>
+              </a:defRPr>
+              <a:buNone/>
             </a:lvl7pPr>
-            <a:lvl8pPr indent="-381000" lvl="7" marL="3657600" rtl="0">
-              <a:spcBef>
-                <a:spcPts val="2000"/>
-              </a:spcBef>
-              <a:spcAft>
-                <a:spcPts val="0"/>
-              </a:spcAft>
-              <a:buClr>
-                <a:schemeClr val="accent1"/>
-              </a:buClr>
-              <a:buSzPts val="2400"/>
-              <a:buChar char="○"/>
-              <a:defRPr>
-                <a:solidFill>
-                  <a:schemeClr val="dk1"/>
-                </a:solidFill>
-              </a:defRPr>
+            <a:lvl8pPr indent="0" lvl="7" marL="0" rtl="0">
+              <a:spcBef>
+                <a:spcPts val="2000"/>
+              </a:spcBef>
+              <a:spcAft>
+                <a:spcPts val="0"/>
+              </a:spcAft>
+              <a:defRPr>
+                <a:solidFill>
+                  <a:schemeClr val="dk1"/>
+                </a:solidFill>
+              </a:defRPr>
+              <a:buNone/>
             </a:lvl8pPr>
-            <a:lvl9pPr indent="-381000" lvl="8" marL="4114800" rtl="0">
-              <a:spcBef>
-                <a:spcPts val="2000"/>
-              </a:spcBef>
-              <a:spcAft>
-                <a:spcPts val="2000"/>
-              </a:spcAft>
-              <a:buClr>
-                <a:schemeClr val="accent1"/>
-              </a:buClr>
-              <a:buSzPts val="2400"/>
-              <a:buChar char="■"/>
-              <a:defRPr>
-                <a:solidFill>
-                  <a:schemeClr val="dk1"/>
-                </a:solidFill>
-              </a:defRPr>
+            <a:lvl9pPr indent="0" lvl="8" marL="0" rtl="0">
+              <a:spcBef>
+                <a:spcPts val="2000"/>
+              </a:spcBef>
+              <a:spcAft>
+                <a:spcPts val="2000"/>
+              </a:spcAft>
+              <a:defRPr>
+                <a:solidFill>
+                  <a:schemeClr val="dk1"/>
+                </a:solidFill>
+              </a:defRPr>
+              <a:buNone/>
             </a:lvl9pPr>
           </a:lstStyle>
           <a:p/>
@@ -6665,104 +6235,104 @@
             <a:noAutofit/>
           </a:bodyPr>
           <a:lstStyle>
-            <a:lvl1pPr lvl="0" rtl="0">
-              <a:spcBef>
-                <a:spcPts val="0"/>
-              </a:spcBef>
-              <a:spcAft>
-                <a:spcPts val="0"/>
-              </a:spcAft>
-              <a:buSzPts val="3600"/>
+            <a:lvl1pPr lvl="0" rtl="0" indent="0" marL="0">
+              <a:spcBef>
+                <a:spcPts val="0"/>
+              </a:spcBef>
+              <a:spcAft>
+                <a:spcPts val="0"/>
+              </a:spcAft>
               <a:buNone/>
               <a:defRPr b="1"/>
+              <a:buNone/>
             </a:lvl1pPr>
-            <a:lvl2pPr lvl="1" rtl="0">
-              <a:spcBef>
-                <a:spcPts val="0"/>
-              </a:spcBef>
-              <a:spcAft>
-                <a:spcPts val="0"/>
-              </a:spcAft>
-              <a:buSzPts val="3600"/>
+            <a:lvl2pPr lvl="1" rtl="0" indent="0" marL="0">
+              <a:spcBef>
+                <a:spcPts val="0"/>
+              </a:spcBef>
+              <a:spcAft>
+                <a:spcPts val="0"/>
+              </a:spcAft>
               <a:buNone/>
               <a:defRPr b="1" sz="3600"/>
+              <a:buNone/>
             </a:lvl2pPr>
-            <a:lvl3pPr lvl="2" rtl="0">
-              <a:spcBef>
-                <a:spcPts val="0"/>
-              </a:spcBef>
-              <a:spcAft>
-                <a:spcPts val="0"/>
-              </a:spcAft>
-              <a:buSzPts val="3600"/>
+            <a:lvl3pPr lvl="2" rtl="0" indent="0" marL="0">
+              <a:spcBef>
+                <a:spcPts val="0"/>
+              </a:spcBef>
+              <a:spcAft>
+                <a:spcPts val="0"/>
+              </a:spcAft>
               <a:buNone/>
               <a:defRPr b="1" sz="3600"/>
+              <a:buNone/>
             </a:lvl3pPr>
-            <a:lvl4pPr lvl="3" rtl="0">
-              <a:spcBef>
-                <a:spcPts val="0"/>
-              </a:spcBef>
-              <a:spcAft>
-                <a:spcPts val="0"/>
-              </a:spcAft>
-              <a:buSzPts val="3600"/>
+            <a:lvl4pPr lvl="3" rtl="0" indent="0" marL="0">
+              <a:spcBef>
+                <a:spcPts val="0"/>
+              </a:spcBef>
+              <a:spcAft>
+                <a:spcPts val="0"/>
+              </a:spcAft>
               <a:buNone/>
               <a:defRPr b="1" sz="3600"/>
+              <a:buNone/>
             </a:lvl4pPr>
-            <a:lvl5pPr lvl="4" rtl="0">
-              <a:spcBef>
-                <a:spcPts val="0"/>
-              </a:spcBef>
-              <a:spcAft>
-                <a:spcPts val="0"/>
-              </a:spcAft>
-              <a:buSzPts val="3600"/>
+            <a:lvl5pPr lvl="4" rtl="0" indent="0" marL="0">
+              <a:spcBef>
+                <a:spcPts val="0"/>
+              </a:spcBef>
+              <a:spcAft>
+                <a:spcPts val="0"/>
+              </a:spcAft>
               <a:buNone/>
               <a:defRPr b="1" sz="3600"/>
+              <a:buNone/>
             </a:lvl5pPr>
-            <a:lvl6pPr lvl="5" rtl="0">
-              <a:spcBef>
-                <a:spcPts val="0"/>
-              </a:spcBef>
-              <a:spcAft>
-                <a:spcPts val="0"/>
-              </a:spcAft>
-              <a:buSzPts val="3600"/>
+            <a:lvl6pPr lvl="5" rtl="0" indent="0" marL="0">
+              <a:spcBef>
+                <a:spcPts val="0"/>
+              </a:spcBef>
+              <a:spcAft>
+                <a:spcPts val="0"/>
+              </a:spcAft>
               <a:buNone/>
               <a:defRPr b="1" sz="3600"/>
+              <a:buNone/>
             </a:lvl6pPr>
-            <a:lvl7pPr lvl="6" rtl="0">
-              <a:spcBef>
-                <a:spcPts val="0"/>
-              </a:spcBef>
-              <a:spcAft>
-                <a:spcPts val="0"/>
-              </a:spcAft>
-              <a:buSzPts val="3600"/>
+            <a:lvl7pPr lvl="6" rtl="0" indent="0" marL="0">
+              <a:spcBef>
+                <a:spcPts val="0"/>
+              </a:spcBef>
+              <a:spcAft>
+                <a:spcPts val="0"/>
+              </a:spcAft>
               <a:buNone/>
               <a:defRPr b="1" sz="3600"/>
+              <a:buNone/>
             </a:lvl7pPr>
-            <a:lvl8pPr lvl="7" rtl="0">
-              <a:spcBef>
-                <a:spcPts val="0"/>
-              </a:spcBef>
-              <a:spcAft>
-                <a:spcPts val="0"/>
-              </a:spcAft>
-              <a:buSzPts val="3600"/>
+            <a:lvl8pPr lvl="7" rtl="0" indent="0" marL="0">
+              <a:spcBef>
+                <a:spcPts val="0"/>
+              </a:spcBef>
+              <a:spcAft>
+                <a:spcPts val="0"/>
+              </a:spcAft>
               <a:buNone/>
               <a:defRPr b="1" sz="3600"/>
+              <a:buNone/>
             </a:lvl8pPr>
-            <a:lvl9pPr lvl="8" rtl="0">
-              <a:spcBef>
-                <a:spcPts val="0"/>
-              </a:spcBef>
-              <a:spcAft>
-                <a:spcPts val="0"/>
-              </a:spcAft>
-              <a:buSzPts val="3600"/>
+            <a:lvl9pPr lvl="8" rtl="0" indent="0" marL="0">
+              <a:spcBef>
+                <a:spcPts val="0"/>
+              </a:spcBef>
+              <a:spcAft>
+                <a:spcPts val="0"/>
+              </a:spcAft>
               <a:buNone/>
               <a:defRPr b="1" sz="3600"/>
+              <a:buNone/>
             </a:lvl9pPr>
           </a:lstStyle>
           <a:p/>
@@ -6790,167 +6360,131 @@
             <a:noAutofit/>
           </a:bodyPr>
           <a:lstStyle>
-            <a:lvl1pPr indent="-457200" lvl="0" marL="457200" rtl="0">
-              <a:spcBef>
-                <a:spcPts val="0"/>
-              </a:spcBef>
-              <a:spcAft>
-                <a:spcPts val="0"/>
-              </a:spcAft>
-              <a:buClr>
-                <a:schemeClr val="accent1"/>
-              </a:buClr>
-              <a:buSzPts val="3600"/>
-              <a:buChar char="●"/>
-              <a:defRPr>
-                <a:solidFill>
-                  <a:schemeClr val="dk1"/>
-                </a:solidFill>
-              </a:defRPr>
+            <a:lvl1pPr indent="0" lvl="0" marL="0" rtl="0">
+              <a:spcBef>
+                <a:spcPts val="0"/>
+              </a:spcBef>
+              <a:spcAft>
+                <a:spcPts val="0"/>
+              </a:spcAft>
+              <a:defRPr>
+                <a:solidFill>
+                  <a:schemeClr val="dk1"/>
+                </a:solidFill>
+              </a:defRPr>
+              <a:buNone/>
             </a:lvl1pPr>
-            <a:lvl2pPr indent="-419100" lvl="1" marL="914400" rtl="0">
-              <a:spcBef>
-                <a:spcPts val="2000"/>
-              </a:spcBef>
-              <a:spcAft>
-                <a:spcPts val="0"/>
-              </a:spcAft>
-              <a:buClr>
-                <a:schemeClr val="accent1"/>
-              </a:buClr>
-              <a:buSzPts val="3000"/>
-              <a:buChar char="○"/>
-              <a:defRPr>
-                <a:solidFill>
-                  <a:schemeClr val="dk1"/>
-                </a:solidFill>
-              </a:defRPr>
+            <a:lvl2pPr indent="0" lvl="1" marL="0" rtl="0">
+              <a:spcBef>
+                <a:spcPts val="2000"/>
+              </a:spcBef>
+              <a:spcAft>
+                <a:spcPts val="0"/>
+              </a:spcAft>
+              <a:defRPr>
+                <a:solidFill>
+                  <a:schemeClr val="dk1"/>
+                </a:solidFill>
+              </a:defRPr>
+              <a:buNone/>
             </a:lvl2pPr>
-            <a:lvl3pPr indent="-381000" lvl="2" marL="1371600" rtl="0">
-              <a:spcBef>
-                <a:spcPts val="2000"/>
-              </a:spcBef>
-              <a:spcAft>
-                <a:spcPts val="0"/>
-              </a:spcAft>
-              <a:buClr>
-                <a:schemeClr val="accent1"/>
-              </a:buClr>
-              <a:buSzPts val="2400"/>
-              <a:buChar char="■"/>
-              <a:defRPr>
-                <a:solidFill>
-                  <a:schemeClr val="dk1"/>
-                </a:solidFill>
-              </a:defRPr>
+            <a:lvl3pPr indent="0" lvl="2" marL="0" rtl="0">
+              <a:spcBef>
+                <a:spcPts val="2000"/>
+              </a:spcBef>
+              <a:spcAft>
+                <a:spcPts val="0"/>
+              </a:spcAft>
+              <a:defRPr>
+                <a:solidFill>
+                  <a:schemeClr val="dk1"/>
+                </a:solidFill>
+              </a:defRPr>
+              <a:buNone/>
             </a:lvl3pPr>
-            <a:lvl4pPr indent="-381000" lvl="3" marL="1828800" rtl="0">
-              <a:spcBef>
-                <a:spcPts val="2000"/>
-              </a:spcBef>
-              <a:spcAft>
-                <a:spcPts val="0"/>
-              </a:spcAft>
-              <a:buClr>
-                <a:schemeClr val="accent1"/>
-              </a:buClr>
-              <a:buSzPts val="2400"/>
-              <a:buChar char="●"/>
-              <a:defRPr>
-                <a:solidFill>
-                  <a:schemeClr val="dk1"/>
-                </a:solidFill>
-              </a:defRPr>
+            <a:lvl4pPr indent="0" lvl="3" marL="0" rtl="0">
+              <a:spcBef>
+                <a:spcPts val="2000"/>
+              </a:spcBef>
+              <a:spcAft>
+                <a:spcPts val="0"/>
+              </a:spcAft>
+              <a:defRPr>
+                <a:solidFill>
+                  <a:schemeClr val="dk1"/>
+                </a:solidFill>
+              </a:defRPr>
+              <a:buNone/>
             </a:lvl4pPr>
-            <a:lvl5pPr indent="-381000" lvl="4" marL="2286000" rtl="0">
-              <a:spcBef>
-                <a:spcPts val="2000"/>
-              </a:spcBef>
-              <a:spcAft>
-                <a:spcPts val="0"/>
-              </a:spcAft>
-              <a:buClr>
-                <a:schemeClr val="accent1"/>
-              </a:buClr>
-              <a:buSzPts val="2400"/>
-              <a:buChar char="○"/>
-              <a:defRPr>
-                <a:solidFill>
-                  <a:schemeClr val="dk1"/>
-                </a:solidFill>
-              </a:defRPr>
+            <a:lvl5pPr indent="0" lvl="4" marL="0" rtl="0">
+              <a:spcBef>
+                <a:spcPts val="2000"/>
+              </a:spcBef>
+              <a:spcAft>
+                <a:spcPts val="0"/>
+              </a:spcAft>
+              <a:defRPr>
+                <a:solidFill>
+                  <a:schemeClr val="dk1"/>
+                </a:solidFill>
+              </a:defRPr>
+              <a:buNone/>
             </a:lvl5pPr>
-            <a:lvl6pPr indent="-381000" lvl="5" marL="2743200" rtl="0">
-              <a:spcBef>
-                <a:spcPts val="2000"/>
-              </a:spcBef>
-              <a:spcAft>
-                <a:spcPts val="0"/>
-              </a:spcAft>
-              <a:buClr>
-                <a:schemeClr val="accent1"/>
-              </a:buClr>
-              <a:buSzPts val="2400"/>
-              <a:buChar char="■"/>
-              <a:defRPr>
-                <a:solidFill>
-                  <a:schemeClr val="dk1"/>
-                </a:solidFill>
-              </a:defRPr>
+            <a:lvl6pPr indent="0" lvl="5" marL="0" rtl="0">
+              <a:spcBef>
+                <a:spcPts val="2000"/>
+              </a:spcBef>
+              <a:spcAft>
+                <a:spcPts val="0"/>
+              </a:spcAft>
+              <a:defRPr>
+                <a:solidFill>
+                  <a:schemeClr val="dk1"/>
+                </a:solidFill>
+              </a:defRPr>
+              <a:buNone/>
             </a:lvl6pPr>
-            <a:lvl7pPr indent="-381000" lvl="6" marL="3200400" rtl="0">
-              <a:spcBef>
-                <a:spcPts val="2000"/>
-              </a:spcBef>
-              <a:spcAft>
-                <a:spcPts val="0"/>
-              </a:spcAft>
-              <a:buClr>
-                <a:schemeClr val="accent1"/>
-              </a:buClr>
-              <a:buSzPts val="2400"/>
-              <a:buChar char="●"/>
-              <a:defRPr>
-                <a:solidFill>
-                  <a:schemeClr val="dk1"/>
-                </a:solidFill>
-              </a:defRPr>
+            <a:lvl7pPr indent="0" lvl="6" marL="0" rtl="0">
+              <a:spcBef>
+                <a:spcPts val="2000"/>
+              </a:spcBef>
+              <a:spcAft>
+                <a:spcPts val="0"/>
+              </a:spcAft>
+              <a:defRPr>
+                <a:solidFill>
+                  <a:schemeClr val="dk1"/>
+                </a:solidFill>
+              </a:defRPr>
+              <a:buNone/>
             </a:lvl7pPr>
-            <a:lvl8pPr indent="-381000" lvl="7" marL="3657600" rtl="0">
-              <a:spcBef>
-                <a:spcPts val="2000"/>
-              </a:spcBef>
-              <a:spcAft>
-                <a:spcPts val="0"/>
-              </a:spcAft>
-              <a:buClr>
-                <a:schemeClr val="accent1"/>
-              </a:buClr>
-              <a:buSzPts val="2400"/>
-              <a:buChar char="○"/>
-              <a:defRPr>
-                <a:solidFill>
-                  <a:schemeClr val="dk1"/>
-                </a:solidFill>
-              </a:defRPr>
+            <a:lvl8pPr indent="0" lvl="7" marL="0" rtl="0">
+              <a:spcBef>
+                <a:spcPts val="2000"/>
+              </a:spcBef>
+              <a:spcAft>
+                <a:spcPts val="0"/>
+              </a:spcAft>
+              <a:defRPr>
+                <a:solidFill>
+                  <a:schemeClr val="dk1"/>
+                </a:solidFill>
+              </a:defRPr>
+              <a:buNone/>
             </a:lvl8pPr>
-            <a:lvl9pPr indent="-381000" lvl="8" marL="4114800" rtl="0">
-              <a:spcBef>
-                <a:spcPts val="2000"/>
-              </a:spcBef>
-              <a:spcAft>
-                <a:spcPts val="2000"/>
-              </a:spcAft>
-              <a:buClr>
-                <a:schemeClr val="accent1"/>
-              </a:buClr>
-              <a:buSzPts val="2400"/>
-              <a:buChar char="■"/>
-              <a:defRPr>
-                <a:solidFill>
-                  <a:schemeClr val="dk1"/>
-                </a:solidFill>
-              </a:defRPr>
+            <a:lvl9pPr indent="0" lvl="8" marL="0" rtl="0">
+              <a:spcBef>
+                <a:spcPts val="2000"/>
+              </a:spcBef>
+              <a:spcAft>
+                <a:spcPts val="2000"/>
+              </a:spcAft>
+              <a:defRPr>
+                <a:solidFill>
+                  <a:schemeClr val="dk1"/>
+                </a:solidFill>
+              </a:defRPr>
+              <a:buNone/>
             </a:lvl9pPr>
           </a:lstStyle>
           <a:p/>
@@ -6978,104 +6512,104 @@
             <a:noAutofit/>
           </a:bodyPr>
           <a:lstStyle>
-            <a:lvl1pPr lvl="0" rtl="0">
-              <a:spcBef>
-                <a:spcPts val="0"/>
-              </a:spcBef>
-              <a:spcAft>
-                <a:spcPts val="0"/>
-              </a:spcAft>
-              <a:buSzPts val="3600"/>
+            <a:lvl1pPr lvl="0" rtl="0" indent="0" marL="0">
+              <a:spcBef>
+                <a:spcPts val="0"/>
+              </a:spcBef>
+              <a:spcAft>
+                <a:spcPts val="0"/>
+              </a:spcAft>
               <a:buNone/>
               <a:defRPr b="1"/>
+              <a:buNone/>
             </a:lvl1pPr>
-            <a:lvl2pPr lvl="1" rtl="0">
-              <a:spcBef>
-                <a:spcPts val="0"/>
-              </a:spcBef>
-              <a:spcAft>
-                <a:spcPts val="0"/>
-              </a:spcAft>
-              <a:buSzPts val="3600"/>
+            <a:lvl2pPr lvl="1" rtl="0" indent="0" marL="0">
+              <a:spcBef>
+                <a:spcPts val="0"/>
+              </a:spcBef>
+              <a:spcAft>
+                <a:spcPts val="0"/>
+              </a:spcAft>
               <a:buNone/>
               <a:defRPr b="1" sz="3600"/>
+              <a:buNone/>
             </a:lvl2pPr>
-            <a:lvl3pPr lvl="2" rtl="0">
-              <a:spcBef>
-                <a:spcPts val="0"/>
-              </a:spcBef>
-              <a:spcAft>
-                <a:spcPts val="0"/>
-              </a:spcAft>
-              <a:buSzPts val="3600"/>
+            <a:lvl3pPr lvl="2" rtl="0" indent="0" marL="0">
+              <a:spcBef>
+                <a:spcPts val="0"/>
+              </a:spcBef>
+              <a:spcAft>
+                <a:spcPts val="0"/>
+              </a:spcAft>
               <a:buNone/>
               <a:defRPr b="1" sz="3600"/>
+              <a:buNone/>
             </a:lvl3pPr>
-            <a:lvl4pPr lvl="3" rtl="0">
-              <a:spcBef>
-                <a:spcPts val="0"/>
-              </a:spcBef>
-              <a:spcAft>
-                <a:spcPts val="0"/>
-              </a:spcAft>
-              <a:buSzPts val="3600"/>
+            <a:lvl4pPr lvl="3" rtl="0" indent="0" marL="0">
+              <a:spcBef>
+                <a:spcPts val="0"/>
+              </a:spcBef>
+              <a:spcAft>
+                <a:spcPts val="0"/>
+              </a:spcAft>
               <a:buNone/>
               <a:defRPr b="1" sz="3600"/>
+              <a:buNone/>
             </a:lvl4pPr>
-            <a:lvl5pPr lvl="4" rtl="0">
-              <a:spcBef>
-                <a:spcPts val="0"/>
-              </a:spcBef>
-              <a:spcAft>
-                <a:spcPts val="0"/>
-              </a:spcAft>
-              <a:buSzPts val="3600"/>
+            <a:lvl5pPr lvl="4" rtl="0" indent="0" marL="0">
+              <a:spcBef>
+                <a:spcPts val="0"/>
+              </a:spcBef>
+              <a:spcAft>
+                <a:spcPts val="0"/>
+              </a:spcAft>
               <a:buNone/>
               <a:defRPr b="1" sz="3600"/>
+              <a:buNone/>
             </a:lvl5pPr>
-            <a:lvl6pPr lvl="5" rtl="0">
-              <a:spcBef>
-                <a:spcPts val="0"/>
-              </a:spcBef>
-              <a:spcAft>
-                <a:spcPts val="0"/>
-              </a:spcAft>
-              <a:buSzPts val="3600"/>
+            <a:lvl6pPr lvl="5" rtl="0" indent="0" marL="0">
+              <a:spcBef>
+                <a:spcPts val="0"/>
+              </a:spcBef>
+              <a:spcAft>
+                <a:spcPts val="0"/>
+              </a:spcAft>
               <a:buNone/>
               <a:defRPr b="1" sz="3600"/>
+              <a:buNone/>
             </a:lvl6pPr>
-            <a:lvl7pPr lvl="6" rtl="0">
-              <a:spcBef>
-                <a:spcPts val="0"/>
-              </a:spcBef>
-              <a:spcAft>
-                <a:spcPts val="0"/>
-              </a:spcAft>
-              <a:buSzPts val="3600"/>
+            <a:lvl7pPr lvl="6" rtl="0" indent="0" marL="0">
+              <a:spcBef>
+                <a:spcPts val="0"/>
+              </a:spcBef>
+              <a:spcAft>
+                <a:spcPts val="0"/>
+              </a:spcAft>
               <a:buNone/>
               <a:defRPr b="1" sz="3600"/>
+              <a:buNone/>
             </a:lvl7pPr>
-            <a:lvl8pPr lvl="7" rtl="0">
-              <a:spcBef>
-                <a:spcPts val="0"/>
-              </a:spcBef>
-              <a:spcAft>
-                <a:spcPts val="0"/>
-              </a:spcAft>
-              <a:buSzPts val="3600"/>
+            <a:lvl8pPr lvl="7" rtl="0" indent="0" marL="0">
+              <a:spcBef>
+                <a:spcPts val="0"/>
+              </a:spcBef>
+              <a:spcAft>
+                <a:spcPts val="0"/>
+              </a:spcAft>
               <a:buNone/>
               <a:defRPr b="1" sz="3600"/>
+              <a:buNone/>
             </a:lvl8pPr>
-            <a:lvl9pPr lvl="8" rtl="0">
-              <a:spcBef>
-                <a:spcPts val="0"/>
-              </a:spcBef>
-              <a:spcAft>
-                <a:spcPts val="0"/>
-              </a:spcAft>
-              <a:buSzPts val="3600"/>
+            <a:lvl9pPr lvl="8" rtl="0" indent="0" marL="0">
+              <a:spcBef>
+                <a:spcPts val="0"/>
+              </a:spcBef>
+              <a:spcAft>
+                <a:spcPts val="0"/>
+              </a:spcAft>
               <a:buNone/>
               <a:defRPr b="1" sz="3600"/>
+              <a:buNone/>
             </a:lvl9pPr>
           </a:lstStyle>
           <a:p/>
@@ -7493,167 +7027,131 @@
             <a:noAutofit/>
           </a:bodyPr>
           <a:lstStyle>
-            <a:lvl1pPr indent="-457200" lvl="0" marL="457200" rtl="0">
-              <a:spcBef>
-                <a:spcPts val="0"/>
-              </a:spcBef>
-              <a:spcAft>
-                <a:spcPts val="0"/>
-              </a:spcAft>
-              <a:buClr>
-                <a:schemeClr val="accent1"/>
-              </a:buClr>
-              <a:buSzPts val="3600"/>
-              <a:buChar char="●"/>
-              <a:defRPr>
-                <a:solidFill>
-                  <a:schemeClr val="dk1"/>
-                </a:solidFill>
-              </a:defRPr>
+            <a:lvl1pPr indent="0" lvl="0" marL="0" rtl="0">
+              <a:spcBef>
+                <a:spcPts val="0"/>
+              </a:spcBef>
+              <a:spcAft>
+                <a:spcPts val="0"/>
+              </a:spcAft>
+              <a:defRPr>
+                <a:solidFill>
+                  <a:schemeClr val="dk1"/>
+                </a:solidFill>
+              </a:defRPr>
+              <a:buNone/>
             </a:lvl1pPr>
-            <a:lvl2pPr indent="-419100" lvl="1" marL="914400" rtl="0">
-              <a:spcBef>
-                <a:spcPts val="2000"/>
-              </a:spcBef>
-              <a:spcAft>
-                <a:spcPts val="0"/>
-              </a:spcAft>
-              <a:buClr>
-                <a:schemeClr val="accent1"/>
-              </a:buClr>
-              <a:buSzPts val="3000"/>
-              <a:buChar char="○"/>
-              <a:defRPr>
-                <a:solidFill>
-                  <a:schemeClr val="dk1"/>
-                </a:solidFill>
-              </a:defRPr>
+            <a:lvl2pPr indent="0" lvl="1" marL="0" rtl="0">
+              <a:spcBef>
+                <a:spcPts val="2000"/>
+              </a:spcBef>
+              <a:spcAft>
+                <a:spcPts val="0"/>
+              </a:spcAft>
+              <a:defRPr>
+                <a:solidFill>
+                  <a:schemeClr val="dk1"/>
+                </a:solidFill>
+              </a:defRPr>
+              <a:buNone/>
             </a:lvl2pPr>
-            <a:lvl3pPr indent="-381000" lvl="2" marL="1371600" rtl="0">
-              <a:spcBef>
-                <a:spcPts val="2000"/>
-              </a:spcBef>
-              <a:spcAft>
-                <a:spcPts val="0"/>
-              </a:spcAft>
-              <a:buClr>
-                <a:schemeClr val="accent1"/>
-              </a:buClr>
-              <a:buSzPts val="2400"/>
-              <a:buChar char="■"/>
-              <a:defRPr>
-                <a:solidFill>
-                  <a:schemeClr val="dk1"/>
-                </a:solidFill>
-              </a:defRPr>
+            <a:lvl3pPr indent="0" lvl="2" marL="0" rtl="0">
+              <a:spcBef>
+                <a:spcPts val="2000"/>
+              </a:spcBef>
+              <a:spcAft>
+                <a:spcPts val="0"/>
+              </a:spcAft>
+              <a:defRPr>
+                <a:solidFill>
+                  <a:schemeClr val="dk1"/>
+                </a:solidFill>
+              </a:defRPr>
+              <a:buNone/>
             </a:lvl3pPr>
-            <a:lvl4pPr indent="-381000" lvl="3" marL="1828800" rtl="0">
-              <a:spcBef>
-                <a:spcPts val="2000"/>
-              </a:spcBef>
-              <a:spcAft>
-                <a:spcPts val="0"/>
-              </a:spcAft>
-              <a:buClr>
-                <a:schemeClr val="accent1"/>
-              </a:buClr>
-              <a:buSzPts val="2400"/>
-              <a:buChar char="●"/>
-              <a:defRPr>
-                <a:solidFill>
-                  <a:schemeClr val="dk1"/>
-                </a:solidFill>
-              </a:defRPr>
+            <a:lvl4pPr indent="0" lvl="3" marL="0" rtl="0">
+              <a:spcBef>
+                <a:spcPts val="2000"/>
+              </a:spcBef>
+              <a:spcAft>
+                <a:spcPts val="0"/>
+              </a:spcAft>
+              <a:defRPr>
+                <a:solidFill>
+                  <a:schemeClr val="dk1"/>
+                </a:solidFill>
+              </a:defRPr>
+              <a:buNone/>
             </a:lvl4pPr>
-            <a:lvl5pPr indent="-381000" lvl="4" marL="2286000" rtl="0">
-              <a:spcBef>
-                <a:spcPts val="2000"/>
-              </a:spcBef>
-              <a:spcAft>
-                <a:spcPts val="0"/>
-              </a:spcAft>
-              <a:buClr>
-                <a:schemeClr val="accent1"/>
-              </a:buClr>
-              <a:buSzPts val="2400"/>
-              <a:buChar char="○"/>
-              <a:defRPr>
-                <a:solidFill>
-                  <a:schemeClr val="dk1"/>
-                </a:solidFill>
-              </a:defRPr>
+            <a:lvl5pPr indent="0" lvl="4" marL="0" rtl="0">
+              <a:spcBef>
+                <a:spcPts val="2000"/>
+              </a:spcBef>
+              <a:spcAft>
+                <a:spcPts val="0"/>
+              </a:spcAft>
+              <a:defRPr>
+                <a:solidFill>
+                  <a:schemeClr val="dk1"/>
+                </a:solidFill>
+              </a:defRPr>
+              <a:buNone/>
             </a:lvl5pPr>
-            <a:lvl6pPr indent="-381000" lvl="5" marL="2743200" rtl="0">
-              <a:spcBef>
-                <a:spcPts val="2000"/>
-              </a:spcBef>
-              <a:spcAft>
-                <a:spcPts val="0"/>
-              </a:spcAft>
-              <a:buClr>
-                <a:schemeClr val="accent1"/>
-              </a:buClr>
-              <a:buSzPts val="2400"/>
-              <a:buChar char="■"/>
-              <a:defRPr>
-                <a:solidFill>
-                  <a:schemeClr val="dk1"/>
-                </a:solidFill>
-              </a:defRPr>
+            <a:lvl6pPr indent="0" lvl="5" marL="0" rtl="0">
+              <a:spcBef>
+                <a:spcPts val="2000"/>
+              </a:spcBef>
+              <a:spcAft>
+                <a:spcPts val="0"/>
+              </a:spcAft>
+              <a:defRPr>
+                <a:solidFill>
+                  <a:schemeClr val="dk1"/>
+                </a:solidFill>
+              </a:defRPr>
+              <a:buNone/>
             </a:lvl6pPr>
-            <a:lvl7pPr indent="-381000" lvl="6" marL="3200400" rtl="0">
-              <a:spcBef>
-                <a:spcPts val="2000"/>
-              </a:spcBef>
-              <a:spcAft>
-                <a:spcPts val="0"/>
-              </a:spcAft>
-              <a:buClr>
-                <a:schemeClr val="accent1"/>
-              </a:buClr>
-              <a:buSzPts val="2400"/>
-              <a:buChar char="●"/>
-              <a:defRPr>
-                <a:solidFill>
-                  <a:schemeClr val="dk1"/>
-                </a:solidFill>
-              </a:defRPr>
+            <a:lvl7pPr indent="0" lvl="6" marL="0" rtl="0">
+              <a:spcBef>
+                <a:spcPts val="2000"/>
+              </a:spcBef>
+              <a:spcAft>
+                <a:spcPts val="0"/>
+              </a:spcAft>
+              <a:defRPr>
+                <a:solidFill>
+                  <a:schemeClr val="dk1"/>
+                </a:solidFill>
+              </a:defRPr>
+              <a:buNone/>
             </a:lvl7pPr>
-            <a:lvl8pPr indent="-381000" lvl="7" marL="3657600" rtl="0">
-              <a:spcBef>
-                <a:spcPts val="2000"/>
-              </a:spcBef>
-              <a:spcAft>
-                <a:spcPts val="0"/>
-              </a:spcAft>
-              <a:buClr>
-                <a:schemeClr val="accent1"/>
-              </a:buClr>
-              <a:buSzPts val="2400"/>
-              <a:buChar char="○"/>
-              <a:defRPr>
-                <a:solidFill>
-                  <a:schemeClr val="dk1"/>
-                </a:solidFill>
-              </a:defRPr>
+            <a:lvl8pPr indent="0" lvl="7" marL="0" rtl="0">
+              <a:spcBef>
+                <a:spcPts val="2000"/>
+              </a:spcBef>
+              <a:spcAft>
+                <a:spcPts val="0"/>
+              </a:spcAft>
+              <a:defRPr>
+                <a:solidFill>
+                  <a:schemeClr val="dk1"/>
+                </a:solidFill>
+              </a:defRPr>
+              <a:buNone/>
             </a:lvl8pPr>
-            <a:lvl9pPr indent="-381000" lvl="8" marL="4114800" rtl="0">
-              <a:spcBef>
-                <a:spcPts val="2000"/>
-              </a:spcBef>
-              <a:spcAft>
-                <a:spcPts val="2000"/>
-              </a:spcAft>
-              <a:buClr>
-                <a:schemeClr val="accent1"/>
-              </a:buClr>
-              <a:buSzPts val="2400"/>
-              <a:buChar char="■"/>
-              <a:defRPr>
-                <a:solidFill>
-                  <a:schemeClr val="dk1"/>
-                </a:solidFill>
-              </a:defRPr>
+            <a:lvl9pPr indent="0" lvl="8" marL="0" rtl="0">
+              <a:spcBef>
+                <a:spcPts val="2000"/>
+              </a:spcBef>
+              <a:spcAft>
+                <a:spcPts val="2000"/>
+              </a:spcAft>
+              <a:defRPr>
+                <a:solidFill>
+                  <a:schemeClr val="dk1"/>
+                </a:solidFill>
+              </a:defRPr>
+              <a:buNone/>
             </a:lvl9pPr>
           </a:lstStyle>
           <a:p/>
@@ -7681,104 +7179,104 @@
             <a:noAutofit/>
           </a:bodyPr>
           <a:lstStyle>
-            <a:lvl1pPr lvl="0" rtl="0">
-              <a:spcBef>
-                <a:spcPts val="0"/>
-              </a:spcBef>
-              <a:spcAft>
-                <a:spcPts val="0"/>
-              </a:spcAft>
-              <a:buSzPts val="2600"/>
+            <a:lvl1pPr lvl="0" rtl="0" indent="0" marL="0">
+              <a:spcBef>
+                <a:spcPts val="0"/>
+              </a:spcBef>
+              <a:spcAft>
+                <a:spcPts val="0"/>
+              </a:spcAft>
               <a:buNone/>
               <a:defRPr b="1" sz="2600"/>
+              <a:buNone/>
             </a:lvl1pPr>
-            <a:lvl2pPr lvl="1" rtl="0">
-              <a:spcBef>
-                <a:spcPts val="0"/>
-              </a:spcBef>
-              <a:spcAft>
-                <a:spcPts val="0"/>
-              </a:spcAft>
-              <a:buSzPts val="2600"/>
+            <a:lvl2pPr lvl="1" rtl="0" indent="0" marL="0">
+              <a:spcBef>
+                <a:spcPts val="0"/>
+              </a:spcBef>
+              <a:spcAft>
+                <a:spcPts val="0"/>
+              </a:spcAft>
               <a:buNone/>
               <a:defRPr b="1" sz="2600"/>
+              <a:buNone/>
             </a:lvl2pPr>
-            <a:lvl3pPr lvl="2" rtl="0">
-              <a:spcBef>
-                <a:spcPts val="0"/>
-              </a:spcBef>
-              <a:spcAft>
-                <a:spcPts val="0"/>
-              </a:spcAft>
-              <a:buSzPts val="2600"/>
+            <a:lvl3pPr lvl="2" rtl="0" indent="0" marL="0">
+              <a:spcBef>
+                <a:spcPts val="0"/>
+              </a:spcBef>
+              <a:spcAft>
+                <a:spcPts val="0"/>
+              </a:spcAft>
               <a:buNone/>
               <a:defRPr b="1" sz="2600"/>
+              <a:buNone/>
             </a:lvl3pPr>
-            <a:lvl4pPr lvl="3" rtl="0">
-              <a:spcBef>
-                <a:spcPts val="0"/>
-              </a:spcBef>
-              <a:spcAft>
-                <a:spcPts val="0"/>
-              </a:spcAft>
-              <a:buSzPts val="2600"/>
+            <a:lvl4pPr lvl="3" rtl="0" indent="0" marL="0">
+              <a:spcBef>
+                <a:spcPts val="0"/>
+              </a:spcBef>
+              <a:spcAft>
+                <a:spcPts val="0"/>
+              </a:spcAft>
               <a:buNone/>
               <a:defRPr b="1" sz="2600"/>
+              <a:buNone/>
             </a:lvl4pPr>
-            <a:lvl5pPr lvl="4" rtl="0">
-              <a:spcBef>
-                <a:spcPts val="0"/>
-              </a:spcBef>
-              <a:spcAft>
-                <a:spcPts val="0"/>
-              </a:spcAft>
-              <a:buSzPts val="2600"/>
+            <a:lvl5pPr lvl="4" rtl="0" indent="0" marL="0">
+              <a:spcBef>
+                <a:spcPts val="0"/>
+              </a:spcBef>
+              <a:spcAft>
+                <a:spcPts val="0"/>
+              </a:spcAft>
               <a:buNone/>
               <a:defRPr b="1" sz="2600"/>
+              <a:buNone/>
             </a:lvl5pPr>
-            <a:lvl6pPr lvl="5" rtl="0">
-              <a:spcBef>
-                <a:spcPts val="0"/>
-              </a:spcBef>
-              <a:spcAft>
-                <a:spcPts val="0"/>
-              </a:spcAft>
-              <a:buSzPts val="2600"/>
+            <a:lvl6pPr lvl="5" rtl="0" indent="0" marL="0">
+              <a:spcBef>
+                <a:spcPts val="0"/>
+              </a:spcBef>
+              <a:spcAft>
+                <a:spcPts val="0"/>
+              </a:spcAft>
               <a:buNone/>
               <a:defRPr b="1" sz="2600"/>
+              <a:buNone/>
             </a:lvl6pPr>
-            <a:lvl7pPr lvl="6" rtl="0">
-              <a:spcBef>
-                <a:spcPts val="0"/>
-              </a:spcBef>
-              <a:spcAft>
-                <a:spcPts val="0"/>
-              </a:spcAft>
-              <a:buSzPts val="2600"/>
+            <a:lvl7pPr lvl="6" rtl="0" indent="0" marL="0">
+              <a:spcBef>
+                <a:spcPts val="0"/>
+              </a:spcBef>
+              <a:spcAft>
+                <a:spcPts val="0"/>
+              </a:spcAft>
               <a:buNone/>
               <a:defRPr b="1" sz="2600"/>
+              <a:buNone/>
             </a:lvl7pPr>
-            <a:lvl8pPr lvl="7" rtl="0">
-              <a:spcBef>
-                <a:spcPts val="0"/>
-              </a:spcBef>
-              <a:spcAft>
-                <a:spcPts val="0"/>
-              </a:spcAft>
-              <a:buSzPts val="2600"/>
+            <a:lvl8pPr lvl="7" rtl="0" indent="0" marL="0">
+              <a:spcBef>
+                <a:spcPts val="0"/>
+              </a:spcBef>
+              <a:spcAft>
+                <a:spcPts val="0"/>
+              </a:spcAft>
               <a:buNone/>
               <a:defRPr b="1" sz="2600"/>
+              <a:buNone/>
             </a:lvl8pPr>
-            <a:lvl9pPr lvl="8" rtl="0">
-              <a:spcBef>
-                <a:spcPts val="0"/>
-              </a:spcBef>
-              <a:spcAft>
-                <a:spcPts val="0"/>
-              </a:spcAft>
-              <a:buSzPts val="2600"/>
+            <a:lvl9pPr lvl="8" rtl="0" indent="0" marL="0">
+              <a:spcBef>
+                <a:spcPts val="0"/>
+              </a:spcBef>
+              <a:spcAft>
+                <a:spcPts val="0"/>
+              </a:spcAft>
               <a:buNone/>
               <a:defRPr b="1" sz="2600"/>
+              <a:buNone/>
             </a:lvl9pPr>
           </a:lstStyle>
           <a:p/>
@@ -7806,167 +7304,131 @@
             <a:noAutofit/>
           </a:bodyPr>
           <a:lstStyle>
-            <a:lvl1pPr indent="-457200" lvl="0" marL="457200" rtl="0">
-              <a:spcBef>
-                <a:spcPts val="0"/>
-              </a:spcBef>
-              <a:spcAft>
-                <a:spcPts val="0"/>
-              </a:spcAft>
-              <a:buClr>
-                <a:schemeClr val="accent1"/>
-              </a:buClr>
-              <a:buSzPts val="3600"/>
-              <a:buChar char="●"/>
-              <a:defRPr>
-                <a:solidFill>
-                  <a:schemeClr val="dk1"/>
-                </a:solidFill>
-              </a:defRPr>
+            <a:lvl1pPr indent="0" lvl="0" marL="0" rtl="0">
+              <a:spcBef>
+                <a:spcPts val="0"/>
+              </a:spcBef>
+              <a:spcAft>
+                <a:spcPts val="0"/>
+              </a:spcAft>
+              <a:defRPr>
+                <a:solidFill>
+                  <a:schemeClr val="dk1"/>
+                </a:solidFill>
+              </a:defRPr>
+              <a:buNone/>
             </a:lvl1pPr>
-            <a:lvl2pPr indent="-419100" lvl="1" marL="914400" rtl="0">
-              <a:spcBef>
-                <a:spcPts val="2000"/>
-              </a:spcBef>
-              <a:spcAft>
-                <a:spcPts val="0"/>
-              </a:spcAft>
-              <a:buClr>
-                <a:schemeClr val="accent1"/>
-              </a:buClr>
-              <a:buSzPts val="3000"/>
-              <a:buChar char="○"/>
-              <a:defRPr>
-                <a:solidFill>
-                  <a:schemeClr val="dk1"/>
-                </a:solidFill>
-              </a:defRPr>
+            <a:lvl2pPr indent="0" lvl="1" marL="0" rtl="0">
+              <a:spcBef>
+                <a:spcPts val="2000"/>
+              </a:spcBef>
+              <a:spcAft>
+                <a:spcPts val="0"/>
+              </a:spcAft>
+              <a:defRPr>
+                <a:solidFill>
+                  <a:schemeClr val="dk1"/>
+                </a:solidFill>
+              </a:defRPr>
+              <a:buNone/>
             </a:lvl2pPr>
-            <a:lvl3pPr indent="-381000" lvl="2" marL="1371600" rtl="0">
-              <a:spcBef>
-                <a:spcPts val="2000"/>
-              </a:spcBef>
-              <a:spcAft>
-                <a:spcPts val="0"/>
-              </a:spcAft>
-              <a:buClr>
-                <a:schemeClr val="accent1"/>
-              </a:buClr>
-              <a:buSzPts val="2400"/>
-              <a:buChar char="■"/>
-              <a:defRPr>
-                <a:solidFill>
-                  <a:schemeClr val="dk1"/>
-                </a:solidFill>
-              </a:defRPr>
+            <a:lvl3pPr indent="0" lvl="2" marL="0" rtl="0">
+              <a:spcBef>
+                <a:spcPts val="2000"/>
+              </a:spcBef>
+              <a:spcAft>
+                <a:spcPts val="0"/>
+              </a:spcAft>
+              <a:defRPr>
+                <a:solidFill>
+                  <a:schemeClr val="dk1"/>
+                </a:solidFill>
+              </a:defRPr>
+              <a:buNone/>
             </a:lvl3pPr>
-            <a:lvl4pPr indent="-381000" lvl="3" marL="1828800" rtl="0">
-              <a:spcBef>
-                <a:spcPts val="2000"/>
-              </a:spcBef>
-              <a:spcAft>
-                <a:spcPts val="0"/>
-              </a:spcAft>
-              <a:buClr>
-                <a:schemeClr val="accent1"/>
-              </a:buClr>
-              <a:buSzPts val="2400"/>
-              <a:buChar char="●"/>
-              <a:defRPr>
-                <a:solidFill>
-                  <a:schemeClr val="dk1"/>
-                </a:solidFill>
-              </a:defRPr>
+            <a:lvl4pPr indent="0" lvl="3" marL="0" rtl="0">
+              <a:spcBef>
+                <a:spcPts val="2000"/>
+              </a:spcBef>
+              <a:spcAft>
+                <a:spcPts val="0"/>
+              </a:spcAft>
+              <a:defRPr>
+                <a:solidFill>
+                  <a:schemeClr val="dk1"/>
+                </a:solidFill>
+              </a:defRPr>
+              <a:buNone/>
             </a:lvl4pPr>
-            <a:lvl5pPr indent="-381000" lvl="4" marL="2286000" rtl="0">
-              <a:spcBef>
-                <a:spcPts val="2000"/>
-              </a:spcBef>
-              <a:spcAft>
-                <a:spcPts val="0"/>
-              </a:spcAft>
-              <a:buClr>
-                <a:schemeClr val="accent1"/>
-              </a:buClr>
-              <a:buSzPts val="2400"/>
-              <a:buChar char="○"/>
-              <a:defRPr>
-                <a:solidFill>
-                  <a:schemeClr val="dk1"/>
-                </a:solidFill>
-              </a:defRPr>
+            <a:lvl5pPr indent="0" lvl="4" marL="0" rtl="0">
+              <a:spcBef>
+                <a:spcPts val="2000"/>
+              </a:spcBef>
+              <a:spcAft>
+                <a:spcPts val="0"/>
+              </a:spcAft>
+              <a:defRPr>
+                <a:solidFill>
+                  <a:schemeClr val="dk1"/>
+                </a:solidFill>
+              </a:defRPr>
+              <a:buNone/>
             </a:lvl5pPr>
-            <a:lvl6pPr indent="-381000" lvl="5" marL="2743200" rtl="0">
-              <a:spcBef>
-                <a:spcPts val="2000"/>
-              </a:spcBef>
-              <a:spcAft>
-                <a:spcPts val="0"/>
-              </a:spcAft>
-              <a:buClr>
-                <a:schemeClr val="accent1"/>
-              </a:buClr>
-              <a:buSzPts val="2400"/>
-              <a:buChar char="■"/>
-              <a:defRPr>
-                <a:solidFill>
-                  <a:schemeClr val="dk1"/>
-                </a:solidFill>
-              </a:defRPr>
+            <a:lvl6pPr indent="0" lvl="5" marL="0" rtl="0">
+              <a:spcBef>
+                <a:spcPts val="2000"/>
+              </a:spcBef>
+              <a:spcAft>
+                <a:spcPts val="0"/>
+              </a:spcAft>
+              <a:defRPr>
+                <a:solidFill>
+                  <a:schemeClr val="dk1"/>
+                </a:solidFill>
+              </a:defRPr>
+              <a:buNone/>
             </a:lvl6pPr>
-            <a:lvl7pPr indent="-381000" lvl="6" marL="3200400" rtl="0">
-              <a:spcBef>
-                <a:spcPts val="2000"/>
-              </a:spcBef>
-              <a:spcAft>
-                <a:spcPts val="0"/>
-              </a:spcAft>
-              <a:buClr>
-                <a:schemeClr val="accent1"/>
-              </a:buClr>
-              <a:buSzPts val="2400"/>
-              <a:buChar char="●"/>
-              <a:defRPr>
-                <a:solidFill>
-                  <a:schemeClr val="dk1"/>
-                </a:solidFill>
-              </a:defRPr>
+            <a:lvl7pPr indent="0" lvl="6" marL="0" rtl="0">
+              <a:spcBef>
+                <a:spcPts val="2000"/>
+              </a:spcBef>
+              <a:spcAft>
+                <a:spcPts val="0"/>
+              </a:spcAft>
+              <a:defRPr>
+                <a:solidFill>
+                  <a:schemeClr val="dk1"/>
+                </a:solidFill>
+              </a:defRPr>
+              <a:buNone/>
             </a:lvl7pPr>
-            <a:lvl8pPr indent="-381000" lvl="7" marL="3657600" rtl="0">
-              <a:spcBef>
-                <a:spcPts val="2000"/>
-              </a:spcBef>
-              <a:spcAft>
-                <a:spcPts val="0"/>
-              </a:spcAft>
-              <a:buClr>
-                <a:schemeClr val="accent1"/>
-              </a:buClr>
-              <a:buSzPts val="2400"/>
-              <a:buChar char="○"/>
-              <a:defRPr>
-                <a:solidFill>
-                  <a:schemeClr val="dk1"/>
-                </a:solidFill>
-              </a:defRPr>
+            <a:lvl8pPr indent="0" lvl="7" marL="0" rtl="0">
+              <a:spcBef>
+                <a:spcPts val="2000"/>
+              </a:spcBef>
+              <a:spcAft>
+                <a:spcPts val="0"/>
+              </a:spcAft>
+              <a:defRPr>
+                <a:solidFill>
+                  <a:schemeClr val="dk1"/>
+                </a:solidFill>
+              </a:defRPr>
+              <a:buNone/>
             </a:lvl8pPr>
-            <a:lvl9pPr indent="-381000" lvl="8" marL="4114800" rtl="0">
-              <a:spcBef>
-                <a:spcPts val="2000"/>
-              </a:spcBef>
-              <a:spcAft>
-                <a:spcPts val="2000"/>
-              </a:spcAft>
-              <a:buClr>
-                <a:schemeClr val="accent1"/>
-              </a:buClr>
-              <a:buSzPts val="2400"/>
-              <a:buChar char="■"/>
-              <a:defRPr>
-                <a:solidFill>
-                  <a:schemeClr val="dk1"/>
-                </a:solidFill>
-              </a:defRPr>
+            <a:lvl9pPr indent="0" lvl="8" marL="0" rtl="0">
+              <a:spcBef>
+                <a:spcPts val="2000"/>
+              </a:spcBef>
+              <a:spcAft>
+                <a:spcPts val="2000"/>
+              </a:spcAft>
+              <a:defRPr>
+                <a:solidFill>
+                  <a:schemeClr val="dk1"/>
+                </a:solidFill>
+              </a:defRPr>
+              <a:buNone/>
             </a:lvl9pPr>
           </a:lstStyle>
           <a:p/>
@@ -7994,104 +7456,104 @@
             <a:noAutofit/>
           </a:bodyPr>
           <a:lstStyle>
-            <a:lvl1pPr lvl="0" rtl="0">
-              <a:spcBef>
-                <a:spcPts val="0"/>
-              </a:spcBef>
-              <a:spcAft>
-                <a:spcPts val="0"/>
-              </a:spcAft>
-              <a:buSzPts val="2600"/>
+            <a:lvl1pPr lvl="0" rtl="0" indent="0" marL="0">
+              <a:spcBef>
+                <a:spcPts val="0"/>
+              </a:spcBef>
+              <a:spcAft>
+                <a:spcPts val="0"/>
+              </a:spcAft>
               <a:buNone/>
               <a:defRPr b="1" sz="2600"/>
+              <a:buNone/>
             </a:lvl1pPr>
-            <a:lvl2pPr lvl="1" rtl="0">
-              <a:spcBef>
-                <a:spcPts val="0"/>
-              </a:spcBef>
-              <a:spcAft>
-                <a:spcPts val="0"/>
-              </a:spcAft>
-              <a:buSzPts val="2600"/>
+            <a:lvl2pPr lvl="1" rtl="0" indent="0" marL="0">
+              <a:spcBef>
+                <a:spcPts val="0"/>
+              </a:spcBef>
+              <a:spcAft>
+                <a:spcPts val="0"/>
+              </a:spcAft>
               <a:buNone/>
               <a:defRPr b="1" sz="2600"/>
+              <a:buNone/>
             </a:lvl2pPr>
-            <a:lvl3pPr lvl="2" rtl="0">
-              <a:spcBef>
-                <a:spcPts val="0"/>
-              </a:spcBef>
-              <a:spcAft>
-                <a:spcPts val="0"/>
-              </a:spcAft>
-              <a:buSzPts val="2600"/>
+            <a:lvl3pPr lvl="2" rtl="0" indent="0" marL="0">
+              <a:spcBef>
+                <a:spcPts val="0"/>
+              </a:spcBef>
+              <a:spcAft>
+                <a:spcPts val="0"/>
+              </a:spcAft>
               <a:buNone/>
               <a:defRPr b="1" sz="2600"/>
+              <a:buNone/>
             </a:lvl3pPr>
-            <a:lvl4pPr lvl="3" rtl="0">
-              <a:spcBef>
-                <a:spcPts val="0"/>
-              </a:spcBef>
-              <a:spcAft>
-                <a:spcPts val="0"/>
-              </a:spcAft>
-              <a:buSzPts val="2600"/>
+            <a:lvl4pPr lvl="3" rtl="0" indent="0" marL="0">
+              <a:spcBef>
+                <a:spcPts val="0"/>
+              </a:spcBef>
+              <a:spcAft>
+                <a:spcPts val="0"/>
+              </a:spcAft>
               <a:buNone/>
               <a:defRPr b="1" sz="2600"/>
+              <a:buNone/>
             </a:lvl4pPr>
-            <a:lvl5pPr lvl="4" rtl="0">
-              <a:spcBef>
-                <a:spcPts val="0"/>
-              </a:spcBef>
-              <a:spcAft>
-                <a:spcPts val="0"/>
-              </a:spcAft>
-              <a:buSzPts val="2600"/>
+            <a:lvl5pPr lvl="4" rtl="0" indent="0" marL="0">
+              <a:spcBef>
+                <a:spcPts val="0"/>
+              </a:spcBef>
+              <a:spcAft>
+                <a:spcPts val="0"/>
+              </a:spcAft>
               <a:buNone/>
               <a:defRPr b="1" sz="2600"/>
+              <a:buNone/>
             </a:lvl5pPr>
-            <a:lvl6pPr lvl="5" rtl="0">
-              <a:spcBef>
-                <a:spcPts val="0"/>
-              </a:spcBef>
-              <a:spcAft>
-                <a:spcPts val="0"/>
-              </a:spcAft>
-              <a:buSzPts val="2600"/>
+            <a:lvl6pPr lvl="5" rtl="0" indent="0" marL="0">
+              <a:spcBef>
+                <a:spcPts val="0"/>
+              </a:spcBef>
+              <a:spcAft>
+                <a:spcPts val="0"/>
+              </a:spcAft>
               <a:buNone/>
               <a:defRPr b="1" sz="2600"/>
+              <a:buNone/>
             </a:lvl6pPr>
-            <a:lvl7pPr lvl="6" rtl="0">
-              <a:spcBef>
-                <a:spcPts val="0"/>
-              </a:spcBef>
-              <a:spcAft>
-                <a:spcPts val="0"/>
-              </a:spcAft>
-              <a:buSzPts val="2600"/>
+            <a:lvl7pPr lvl="6" rtl="0" indent="0" marL="0">
+              <a:spcBef>
+                <a:spcPts val="0"/>
+              </a:spcBef>
+              <a:spcAft>
+                <a:spcPts val="0"/>
+              </a:spcAft>
               <a:buNone/>
               <a:defRPr b="1" sz="2600"/>
+              <a:buNone/>
             </a:lvl7pPr>
-            <a:lvl8pPr lvl="7" rtl="0">
-              <a:spcBef>
-                <a:spcPts val="0"/>
-              </a:spcBef>
-              <a:spcAft>
-                <a:spcPts val="0"/>
-              </a:spcAft>
-              <a:buSzPts val="2600"/>
+            <a:lvl8pPr lvl="7" rtl="0" indent="0" marL="0">
+              <a:spcBef>
+                <a:spcPts val="0"/>
+              </a:spcBef>
+              <a:spcAft>
+                <a:spcPts val="0"/>
+              </a:spcAft>
               <a:buNone/>
               <a:defRPr b="1" sz="2600"/>
+              <a:buNone/>
             </a:lvl8pPr>
-            <a:lvl9pPr lvl="8" rtl="0">
-              <a:spcBef>
-                <a:spcPts val="0"/>
-              </a:spcBef>
-              <a:spcAft>
-                <a:spcPts val="0"/>
-              </a:spcAft>
-              <a:buSzPts val="2600"/>
+            <a:lvl9pPr lvl="8" rtl="0" indent="0" marL="0">
+              <a:spcBef>
+                <a:spcPts val="0"/>
+              </a:spcBef>
+              <a:spcAft>
+                <a:spcPts val="0"/>
+              </a:spcAft>
               <a:buNone/>
               <a:defRPr b="1" sz="2600"/>
+              <a:buNone/>
             </a:lvl9pPr>
           </a:lstStyle>
           <a:p/>
@@ -8119,167 +7581,131 @@
             <a:noAutofit/>
           </a:bodyPr>
           <a:lstStyle>
-            <a:lvl1pPr indent="-457200" lvl="0" marL="457200" rtl="0">
-              <a:spcBef>
-                <a:spcPts val="0"/>
-              </a:spcBef>
-              <a:spcAft>
-                <a:spcPts val="0"/>
-              </a:spcAft>
-              <a:buClr>
-                <a:schemeClr val="accent1"/>
-              </a:buClr>
-              <a:buSzPts val="3600"/>
-              <a:buChar char="●"/>
-              <a:defRPr>
-                <a:solidFill>
-                  <a:schemeClr val="dk1"/>
-                </a:solidFill>
-              </a:defRPr>
+            <a:lvl1pPr indent="0" lvl="0" marL="0" rtl="0">
+              <a:spcBef>
+                <a:spcPts val="0"/>
+              </a:spcBef>
+              <a:spcAft>
+                <a:spcPts val="0"/>
+              </a:spcAft>
+              <a:defRPr>
+                <a:solidFill>
+                  <a:schemeClr val="dk1"/>
+                </a:solidFill>
+              </a:defRPr>
+              <a:buNone/>
             </a:lvl1pPr>
-            <a:lvl2pPr indent="-419100" lvl="1" marL="914400" rtl="0">
-              <a:spcBef>
-                <a:spcPts val="2000"/>
-              </a:spcBef>
-              <a:spcAft>
-                <a:spcPts val="0"/>
-              </a:spcAft>
-              <a:buClr>
-                <a:schemeClr val="accent1"/>
-              </a:buClr>
-              <a:buSzPts val="3000"/>
-              <a:buChar char="○"/>
-              <a:defRPr>
-                <a:solidFill>
-                  <a:schemeClr val="dk1"/>
-                </a:solidFill>
-              </a:defRPr>
+            <a:lvl2pPr indent="0" lvl="1" marL="0" rtl="0">
+              <a:spcBef>
+                <a:spcPts val="2000"/>
+              </a:spcBef>
+              <a:spcAft>
+                <a:spcPts val="0"/>
+              </a:spcAft>
+              <a:defRPr>
+                <a:solidFill>
+                  <a:schemeClr val="dk1"/>
+                </a:solidFill>
+              </a:defRPr>
+              <a:buNone/>
             </a:lvl2pPr>
-            <a:lvl3pPr indent="-381000" lvl="2" marL="1371600" rtl="0">
-              <a:spcBef>
-                <a:spcPts val="2000"/>
-              </a:spcBef>
-              <a:spcAft>
-                <a:spcPts val="0"/>
-              </a:spcAft>
-              <a:buClr>
-                <a:schemeClr val="accent1"/>
-              </a:buClr>
-              <a:buSzPts val="2400"/>
-              <a:buChar char="■"/>
-              <a:defRPr>
-                <a:solidFill>
-                  <a:schemeClr val="dk1"/>
-                </a:solidFill>
-              </a:defRPr>
+            <a:lvl3pPr indent="0" lvl="2" marL="0" rtl="0">
+              <a:spcBef>
+                <a:spcPts val="2000"/>
+              </a:spcBef>
+              <a:spcAft>
+                <a:spcPts val="0"/>
+              </a:spcAft>
+              <a:defRPr>
+                <a:solidFill>
+                  <a:schemeClr val="dk1"/>
+                </a:solidFill>
+              </a:defRPr>
+              <a:buNone/>
             </a:lvl3pPr>
-            <a:lvl4pPr indent="-381000" lvl="3" marL="1828800" rtl="0">
-              <a:spcBef>
-                <a:spcPts val="2000"/>
-              </a:spcBef>
-              <a:spcAft>
-                <a:spcPts val="0"/>
-              </a:spcAft>
-              <a:buClr>
-                <a:schemeClr val="accent1"/>
-              </a:buClr>
-              <a:buSzPts val="2400"/>
-              <a:buChar char="●"/>
-              <a:defRPr>
-                <a:solidFill>
-                  <a:schemeClr val="dk1"/>
-                </a:solidFill>
-              </a:defRPr>
+            <a:lvl4pPr indent="0" lvl="3" marL="0" rtl="0">
+              <a:spcBef>
+                <a:spcPts val="2000"/>
+              </a:spcBef>
+              <a:spcAft>
+                <a:spcPts val="0"/>
+              </a:spcAft>
+              <a:defRPr>
+                <a:solidFill>
+                  <a:schemeClr val="dk1"/>
+                </a:solidFill>
+              </a:defRPr>
+              <a:buNone/>
             </a:lvl4pPr>
-            <a:lvl5pPr indent="-381000" lvl="4" marL="2286000" rtl="0">
-              <a:spcBef>
-                <a:spcPts val="2000"/>
-              </a:spcBef>
-              <a:spcAft>
-                <a:spcPts val="0"/>
-              </a:spcAft>
-              <a:buClr>
-                <a:schemeClr val="accent1"/>
-              </a:buClr>
-              <a:buSzPts val="2400"/>
-              <a:buChar char="○"/>
-              <a:defRPr>
-                <a:solidFill>
-                  <a:schemeClr val="dk1"/>
-                </a:solidFill>
-              </a:defRPr>
+            <a:lvl5pPr indent="0" lvl="4" marL="0" rtl="0">
+              <a:spcBef>
+                <a:spcPts val="2000"/>
+              </a:spcBef>
+              <a:spcAft>
+                <a:spcPts val="0"/>
+              </a:spcAft>
+              <a:defRPr>
+                <a:solidFill>
+                  <a:schemeClr val="dk1"/>
+                </a:solidFill>
+              </a:defRPr>
+              <a:buNone/>
             </a:lvl5pPr>
-            <a:lvl6pPr indent="-381000" lvl="5" marL="2743200" rtl="0">
-              <a:spcBef>
-                <a:spcPts val="2000"/>
-              </a:spcBef>
-              <a:spcAft>
-                <a:spcPts val="0"/>
-              </a:spcAft>
-              <a:buClr>
-                <a:schemeClr val="accent1"/>
-              </a:buClr>
-              <a:buSzPts val="2400"/>
-              <a:buChar char="■"/>
-              <a:defRPr>
-                <a:solidFill>
-                  <a:schemeClr val="dk1"/>
-                </a:solidFill>
-              </a:defRPr>
+            <a:lvl6pPr indent="0" lvl="5" marL="0" rtl="0">
+              <a:spcBef>
+                <a:spcPts val="2000"/>
+              </a:spcBef>
+              <a:spcAft>
+                <a:spcPts val="0"/>
+              </a:spcAft>
+              <a:defRPr>
+                <a:solidFill>
+                  <a:schemeClr val="dk1"/>
+                </a:solidFill>
+              </a:defRPr>
+              <a:buNone/>
             </a:lvl6pPr>
-            <a:lvl7pPr indent="-381000" lvl="6" marL="3200400" rtl="0">
-              <a:spcBef>
-                <a:spcPts val="2000"/>
-              </a:spcBef>
-              <a:spcAft>
-                <a:spcPts val="0"/>
-              </a:spcAft>
-              <a:buClr>
-                <a:schemeClr val="accent1"/>
-              </a:buClr>
-              <a:buSzPts val="2400"/>
-              <a:buChar char="●"/>
-              <a:defRPr>
-                <a:solidFill>
-                  <a:schemeClr val="dk1"/>
-                </a:solidFill>
-              </a:defRPr>
+            <a:lvl7pPr indent="0" lvl="6" marL="0" rtl="0">
+              <a:spcBef>
+                <a:spcPts val="2000"/>
+              </a:spcBef>
+              <a:spcAft>
+                <a:spcPts val="0"/>
+              </a:spcAft>
+              <a:defRPr>
+                <a:solidFill>
+                  <a:schemeClr val="dk1"/>
+                </a:solidFill>
+              </a:defRPr>
+              <a:buNone/>
             </a:lvl7pPr>
-            <a:lvl8pPr indent="-381000" lvl="7" marL="3657600" rtl="0">
-              <a:spcBef>
-                <a:spcPts val="2000"/>
-              </a:spcBef>
-              <a:spcAft>
-                <a:spcPts val="0"/>
-              </a:spcAft>
-              <a:buClr>
-                <a:schemeClr val="accent1"/>
-              </a:buClr>
-              <a:buSzPts val="2400"/>
-              <a:buChar char="○"/>
-              <a:defRPr>
-                <a:solidFill>
-                  <a:schemeClr val="dk1"/>
-                </a:solidFill>
-              </a:defRPr>
+            <a:lvl8pPr indent="0" lvl="7" marL="0" rtl="0">
+              <a:spcBef>
+                <a:spcPts val="2000"/>
+              </a:spcBef>
+              <a:spcAft>
+                <a:spcPts val="0"/>
+              </a:spcAft>
+              <a:defRPr>
+                <a:solidFill>
+                  <a:schemeClr val="dk1"/>
+                </a:solidFill>
+              </a:defRPr>
+              <a:buNone/>
             </a:lvl8pPr>
-            <a:lvl9pPr indent="-381000" lvl="8" marL="4114800" rtl="0">
-              <a:spcBef>
-                <a:spcPts val="2000"/>
-              </a:spcBef>
-              <a:spcAft>
-                <a:spcPts val="2000"/>
-              </a:spcAft>
-              <a:buClr>
-                <a:schemeClr val="accent1"/>
-              </a:buClr>
-              <a:buSzPts val="2400"/>
-              <a:buChar char="■"/>
-              <a:defRPr>
-                <a:solidFill>
-                  <a:schemeClr val="dk1"/>
-                </a:solidFill>
-              </a:defRPr>
+            <a:lvl9pPr indent="0" lvl="8" marL="0" rtl="0">
+              <a:spcBef>
+                <a:spcPts val="2000"/>
+              </a:spcBef>
+              <a:spcAft>
+                <a:spcPts val="2000"/>
+              </a:spcAft>
+              <a:defRPr>
+                <a:solidFill>
+                  <a:schemeClr val="dk1"/>
+                </a:solidFill>
+              </a:defRPr>
+              <a:buNone/>
             </a:lvl9pPr>
           </a:lstStyle>
           <a:p/>
@@ -8307,104 +7733,104 @@
             <a:noAutofit/>
           </a:bodyPr>
           <a:lstStyle>
-            <a:lvl1pPr lvl="0" rtl="0">
-              <a:spcBef>
-                <a:spcPts val="0"/>
-              </a:spcBef>
-              <a:spcAft>
-                <a:spcPts val="0"/>
-              </a:spcAft>
-              <a:buSzPts val="2600"/>
+            <a:lvl1pPr lvl="0" rtl="0" indent="0" marL="0">
+              <a:spcBef>
+                <a:spcPts val="0"/>
+              </a:spcBef>
+              <a:spcAft>
+                <a:spcPts val="0"/>
+              </a:spcAft>
               <a:buNone/>
               <a:defRPr b="1" sz="2600"/>
+              <a:buNone/>
             </a:lvl1pPr>
-            <a:lvl2pPr lvl="1" rtl="0">
-              <a:spcBef>
-                <a:spcPts val="0"/>
-              </a:spcBef>
-              <a:spcAft>
-                <a:spcPts val="0"/>
-              </a:spcAft>
-              <a:buSzPts val="2600"/>
+            <a:lvl2pPr lvl="1" rtl="0" indent="0" marL="0">
+              <a:spcBef>
+                <a:spcPts val="0"/>
+              </a:spcBef>
+              <a:spcAft>
+                <a:spcPts val="0"/>
+              </a:spcAft>
               <a:buNone/>
               <a:defRPr b="1" sz="2600"/>
+              <a:buNone/>
             </a:lvl2pPr>
-            <a:lvl3pPr lvl="2" rtl="0">
-              <a:spcBef>
-                <a:spcPts val="0"/>
-              </a:spcBef>
-              <a:spcAft>
-                <a:spcPts val="0"/>
-              </a:spcAft>
-              <a:buSzPts val="2600"/>
+            <a:lvl3pPr lvl="2" rtl="0" indent="0" marL="0">
+              <a:spcBef>
+                <a:spcPts val="0"/>
+              </a:spcBef>
+              <a:spcAft>
+                <a:spcPts val="0"/>
+              </a:spcAft>
               <a:buNone/>
               <a:defRPr b="1" sz="2600"/>
+              <a:buNone/>
             </a:lvl3pPr>
-            <a:lvl4pPr lvl="3" rtl="0">
-              <a:spcBef>
-                <a:spcPts val="0"/>
-              </a:spcBef>
-              <a:spcAft>
-                <a:spcPts val="0"/>
-              </a:spcAft>
-              <a:buSzPts val="2600"/>
+            <a:lvl4pPr lvl="3" rtl="0" indent="0" marL="0">
+              <a:spcBef>
+                <a:spcPts val="0"/>
+              </a:spcBef>
+              <a:spcAft>
+                <a:spcPts val="0"/>
+              </a:spcAft>
               <a:buNone/>
               <a:defRPr b="1" sz="2600"/>
+              <a:buNone/>
             </a:lvl4pPr>
-            <a:lvl5pPr lvl="4" rtl="0">
-              <a:spcBef>
-                <a:spcPts val="0"/>
-              </a:spcBef>
-              <a:spcAft>
-                <a:spcPts val="0"/>
-              </a:spcAft>
-              <a:buSzPts val="2600"/>
+            <a:lvl5pPr lvl="4" rtl="0" indent="0" marL="0">
+              <a:spcBef>
+                <a:spcPts val="0"/>
+              </a:spcBef>
+              <a:spcAft>
+                <a:spcPts val="0"/>
+              </a:spcAft>
               <a:buNone/>
               <a:defRPr b="1" sz="2600"/>
+              <a:buNone/>
             </a:lvl5pPr>
-            <a:lvl6pPr lvl="5" rtl="0">
-              <a:spcBef>
-                <a:spcPts val="0"/>
-              </a:spcBef>
-              <a:spcAft>
-                <a:spcPts val="0"/>
-              </a:spcAft>
-              <a:buSzPts val="2600"/>
+            <a:lvl6pPr lvl="5" rtl="0" indent="0" marL="0">
+              <a:spcBef>
+                <a:spcPts val="0"/>
+              </a:spcBef>
+              <a:spcAft>
+                <a:spcPts val="0"/>
+              </a:spcAft>
               <a:buNone/>
               <a:defRPr b="1" sz="2600"/>
+              <a:buNone/>
             </a:lvl6pPr>
-            <a:lvl7pPr lvl="6" rtl="0">
-              <a:spcBef>
-                <a:spcPts val="0"/>
-              </a:spcBef>
-              <a:spcAft>
-                <a:spcPts val="0"/>
-              </a:spcAft>
-              <a:buSzPts val="2600"/>
+            <a:lvl7pPr lvl="6" rtl="0" indent="0" marL="0">
+              <a:spcBef>
+                <a:spcPts val="0"/>
+              </a:spcBef>
+              <a:spcAft>
+                <a:spcPts val="0"/>
+              </a:spcAft>
               <a:buNone/>
               <a:defRPr b="1" sz="2600"/>
+              <a:buNone/>
             </a:lvl7pPr>
-            <a:lvl8pPr lvl="7" rtl="0">
-              <a:spcBef>
-                <a:spcPts val="0"/>
-              </a:spcBef>
-              <a:spcAft>
-                <a:spcPts val="0"/>
-              </a:spcAft>
-              <a:buSzPts val="2600"/>
+            <a:lvl8pPr lvl="7" rtl="0" indent="0" marL="0">
+              <a:spcBef>
+                <a:spcPts val="0"/>
+              </a:spcBef>
+              <a:spcAft>
+                <a:spcPts val="0"/>
+              </a:spcAft>
               <a:buNone/>
               <a:defRPr b="1" sz="2600"/>
+              <a:buNone/>
             </a:lvl8pPr>
-            <a:lvl9pPr lvl="8" rtl="0">
-              <a:spcBef>
-                <a:spcPts val="0"/>
-              </a:spcBef>
-              <a:spcAft>
-                <a:spcPts val="0"/>
-              </a:spcAft>
-              <a:buSzPts val="2600"/>
+            <a:lvl9pPr lvl="8" rtl="0" indent="0" marL="0">
+              <a:spcBef>
+                <a:spcPts val="0"/>
+              </a:spcBef>
+              <a:spcAft>
+                <a:spcPts val="0"/>
+              </a:spcAft>
               <a:buNone/>
               <a:defRPr b="1" sz="2600"/>
+              <a:buNone/>
             </a:lvl9pPr>
           </a:lstStyle>
           <a:p/>
@@ -8432,15 +7858,13 @@
             <a:noAutofit/>
           </a:bodyPr>
           <a:lstStyle>
-            <a:lvl1pPr lvl="0" rtl="0">
-              <a:spcBef>
-                <a:spcPts val="0"/>
-              </a:spcBef>
-              <a:spcAft>
-                <a:spcPts val="0"/>
-              </a:spcAft>
-              <a:buSzPts val="5600"/>
-              <a:buFont typeface="Open Sans Light"/>
+            <a:lvl1pPr lvl="0" rtl="0" indent="0" marL="0">
+              <a:spcBef>
+                <a:spcPts val="0"/>
+              </a:spcBef>
+              <a:spcAft>
+                <a:spcPts val="0"/>
+              </a:spcAft>
               <a:buNone/>
               <a:defRPr>
                 <a:latin typeface="Open Sans Light"/>
@@ -8448,94 +7872,95 @@
                 <a:cs typeface="Open Sans Light"/>
                 <a:sym typeface="Open Sans Light"/>
               </a:defRPr>
+              <a:buNone/>
             </a:lvl1pPr>
-            <a:lvl2pPr lvl="1" rtl="0">
-              <a:spcBef>
-                <a:spcPts val="0"/>
-              </a:spcBef>
-              <a:spcAft>
-                <a:spcPts val="0"/>
-              </a:spcAft>
-              <a:buSzPts val="5600"/>
+            <a:lvl2pPr lvl="1" rtl="0" indent="0" marL="0">
+              <a:spcBef>
+                <a:spcPts val="0"/>
+              </a:spcBef>
+              <a:spcAft>
+                <a:spcPts val="0"/>
+              </a:spcAft>
               <a:buNone/>
               <a:defRPr/>
+              <a:buNone/>
             </a:lvl2pPr>
-            <a:lvl3pPr lvl="2" rtl="0">
-              <a:spcBef>
-                <a:spcPts val="0"/>
-              </a:spcBef>
-              <a:spcAft>
-                <a:spcPts val="0"/>
-              </a:spcAft>
-              <a:buSzPts val="5600"/>
+            <a:lvl3pPr lvl="2" rtl="0" indent="0" marL="0">
+              <a:spcBef>
+                <a:spcPts val="0"/>
+              </a:spcBef>
+              <a:spcAft>
+                <a:spcPts val="0"/>
+              </a:spcAft>
               <a:buNone/>
               <a:defRPr/>
+              <a:buNone/>
             </a:lvl3pPr>
-            <a:lvl4pPr lvl="3" rtl="0">
-              <a:spcBef>
-                <a:spcPts val="0"/>
-              </a:spcBef>
-              <a:spcAft>
-                <a:spcPts val="0"/>
-              </a:spcAft>
-              <a:buSzPts val="5600"/>
+            <a:lvl4pPr lvl="3" rtl="0" indent="0" marL="0">
+              <a:spcBef>
+                <a:spcPts val="0"/>
+              </a:spcBef>
+              <a:spcAft>
+                <a:spcPts val="0"/>
+              </a:spcAft>
               <a:buNone/>
               <a:defRPr/>
+              <a:buNone/>
             </a:lvl4pPr>
-            <a:lvl5pPr lvl="4" rtl="0">
-              <a:spcBef>
-                <a:spcPts val="0"/>
-              </a:spcBef>
-              <a:spcAft>
-                <a:spcPts val="0"/>
-              </a:spcAft>
-              <a:buSzPts val="5600"/>
+            <a:lvl5pPr lvl="4" rtl="0" indent="0" marL="0">
+              <a:spcBef>
+                <a:spcPts val="0"/>
+              </a:spcBef>
+              <a:spcAft>
+                <a:spcPts val="0"/>
+              </a:spcAft>
               <a:buNone/>
               <a:defRPr/>
+              <a:buNone/>
             </a:lvl5pPr>
-            <a:lvl6pPr lvl="5" rtl="0">
-              <a:spcBef>
-                <a:spcPts val="0"/>
-              </a:spcBef>
-              <a:spcAft>
-                <a:spcPts val="0"/>
-              </a:spcAft>
-              <a:buSzPts val="5600"/>
+            <a:lvl6pPr lvl="5" rtl="0" indent="0" marL="0">
+              <a:spcBef>
+                <a:spcPts val="0"/>
+              </a:spcBef>
+              <a:spcAft>
+                <a:spcPts val="0"/>
+              </a:spcAft>
               <a:buNone/>
               <a:defRPr/>
+              <a:buNone/>
             </a:lvl6pPr>
-            <a:lvl7pPr lvl="6" rtl="0">
-              <a:spcBef>
-                <a:spcPts val="0"/>
-              </a:spcBef>
-              <a:spcAft>
-                <a:spcPts val="0"/>
-              </a:spcAft>
-              <a:buSzPts val="5600"/>
+            <a:lvl7pPr lvl="6" rtl="0" indent="0" marL="0">
+              <a:spcBef>
+                <a:spcPts val="0"/>
+              </a:spcBef>
+              <a:spcAft>
+                <a:spcPts val="0"/>
+              </a:spcAft>
               <a:buNone/>
               <a:defRPr/>
+              <a:buNone/>
             </a:lvl7pPr>
-            <a:lvl8pPr lvl="7" rtl="0">
-              <a:spcBef>
-                <a:spcPts val="0"/>
-              </a:spcBef>
-              <a:spcAft>
-                <a:spcPts val="0"/>
-              </a:spcAft>
-              <a:buSzPts val="5600"/>
+            <a:lvl8pPr lvl="7" rtl="0" indent="0" marL="0">
+              <a:spcBef>
+                <a:spcPts val="0"/>
+              </a:spcBef>
+              <a:spcAft>
+                <a:spcPts val="0"/>
+              </a:spcAft>
               <a:buNone/>
               <a:defRPr/>
+              <a:buNone/>
             </a:lvl8pPr>
-            <a:lvl9pPr lvl="8" rtl="0">
-              <a:spcBef>
-                <a:spcPts val="0"/>
-              </a:spcBef>
-              <a:spcAft>
-                <a:spcPts val="0"/>
-              </a:spcAft>
-              <a:buSzPts val="5600"/>
+            <a:lvl9pPr lvl="8" rtl="0" indent="0" marL="0">
+              <a:spcBef>
+                <a:spcPts val="0"/>
+              </a:spcBef>
+              <a:spcAft>
+                <a:spcPts val="0"/>
+              </a:spcAft>
               <a:buNone/>
               <a:defRPr/>
+              <a:buNone/>
             </a:lvl9pPr>
           </a:lstStyle>
           <a:p/>
@@ -8879,19 +8304,13 @@
             <a:noAutofit/>
           </a:bodyPr>
           <a:lstStyle>
-            <a:lvl1pPr indent="-419100" lvl="0" marL="457200" rtl="0">
-              <a:spcBef>
-                <a:spcPts val="0"/>
-              </a:spcBef>
-              <a:spcAft>
-                <a:spcPts val="0"/>
-              </a:spcAft>
-              <a:buClr>
-                <a:schemeClr val="accent1"/>
-              </a:buClr>
-              <a:buSzPts val="3000"/>
-              <a:buFont typeface="Roboto Mono Light"/>
-              <a:buChar char="●"/>
+            <a:lvl1pPr indent="0" lvl="0" marL="0" rtl="0">
+              <a:spcBef>
+                <a:spcPts val="0"/>
+              </a:spcBef>
+              <a:spcAft>
+                <a:spcPts val="0"/>
+              </a:spcAft>
               <a:defRPr sz="3000">
                 <a:solidFill>
                   <a:schemeClr val="dk1"/>
@@ -8901,20 +8320,15 @@
                 <a:cs typeface="Roboto Mono Light"/>
                 <a:sym typeface="Roboto Mono Light"/>
               </a:defRPr>
+              <a:buNone/>
             </a:lvl1pPr>
-            <a:lvl2pPr indent="-419100" lvl="1" marL="914400" rtl="0">
-              <a:spcBef>
-                <a:spcPts val="2000"/>
-              </a:spcBef>
-              <a:spcAft>
-                <a:spcPts val="0"/>
-              </a:spcAft>
-              <a:buClr>
-                <a:schemeClr val="accent1"/>
-              </a:buClr>
-              <a:buSzPts val="3000"/>
-              <a:buFont typeface="Roboto Mono Light"/>
-              <a:buChar char="○"/>
+            <a:lvl2pPr indent="0" lvl="1" marL="0" rtl="0">
+              <a:spcBef>
+                <a:spcPts val="2000"/>
+              </a:spcBef>
+              <a:spcAft>
+                <a:spcPts val="0"/>
+              </a:spcAft>
               <a:defRPr>
                 <a:solidFill>
                   <a:schemeClr val="dk1"/>
@@ -8924,20 +8338,15 @@
                 <a:cs typeface="Roboto Mono Light"/>
                 <a:sym typeface="Roboto Mono Light"/>
               </a:defRPr>
+              <a:buNone/>
             </a:lvl2pPr>
-            <a:lvl3pPr indent="-381000" lvl="2" marL="1371600" rtl="0">
-              <a:spcBef>
-                <a:spcPts val="2000"/>
-              </a:spcBef>
-              <a:spcAft>
-                <a:spcPts val="0"/>
-              </a:spcAft>
-              <a:buClr>
-                <a:schemeClr val="accent1"/>
-              </a:buClr>
-              <a:buSzPts val="2400"/>
-              <a:buFont typeface="Roboto Mono Light"/>
-              <a:buChar char="■"/>
+            <a:lvl3pPr indent="0" lvl="2" marL="0" rtl="0">
+              <a:spcBef>
+                <a:spcPts val="2000"/>
+              </a:spcBef>
+              <a:spcAft>
+                <a:spcPts val="0"/>
+              </a:spcAft>
               <a:defRPr>
                 <a:solidFill>
                   <a:schemeClr val="dk1"/>
@@ -8947,20 +8356,15 @@
                 <a:cs typeface="Roboto Mono Light"/>
                 <a:sym typeface="Roboto Mono Light"/>
               </a:defRPr>
+              <a:buNone/>
             </a:lvl3pPr>
-            <a:lvl4pPr indent="-381000" lvl="3" marL="1828800" rtl="0">
-              <a:spcBef>
-                <a:spcPts val="2000"/>
-              </a:spcBef>
-              <a:spcAft>
-                <a:spcPts val="0"/>
-              </a:spcAft>
-              <a:buClr>
-                <a:schemeClr val="accent1"/>
-              </a:buClr>
-              <a:buSzPts val="2400"/>
-              <a:buFont typeface="Roboto Mono Light"/>
-              <a:buChar char="●"/>
+            <a:lvl4pPr indent="0" lvl="3" marL="0" rtl="0">
+              <a:spcBef>
+                <a:spcPts val="2000"/>
+              </a:spcBef>
+              <a:spcAft>
+                <a:spcPts val="0"/>
+              </a:spcAft>
               <a:defRPr>
                 <a:solidFill>
                   <a:schemeClr val="dk1"/>
@@ -8970,20 +8374,15 @@
                 <a:cs typeface="Roboto Mono Light"/>
                 <a:sym typeface="Roboto Mono Light"/>
               </a:defRPr>
+              <a:buNone/>
             </a:lvl4pPr>
-            <a:lvl5pPr indent="-381000" lvl="4" marL="2286000" rtl="0">
-              <a:spcBef>
-                <a:spcPts val="2000"/>
-              </a:spcBef>
-              <a:spcAft>
-                <a:spcPts val="0"/>
-              </a:spcAft>
-              <a:buClr>
-                <a:schemeClr val="accent1"/>
-              </a:buClr>
-              <a:buSzPts val="2400"/>
-              <a:buFont typeface="Roboto Mono Light"/>
-              <a:buChar char="○"/>
+            <a:lvl5pPr indent="0" lvl="4" marL="0" rtl="0">
+              <a:spcBef>
+                <a:spcPts val="2000"/>
+              </a:spcBef>
+              <a:spcAft>
+                <a:spcPts val="0"/>
+              </a:spcAft>
               <a:defRPr>
                 <a:solidFill>
                   <a:schemeClr val="dk1"/>
@@ -8993,20 +8392,15 @@
                 <a:cs typeface="Roboto Mono Light"/>
                 <a:sym typeface="Roboto Mono Light"/>
               </a:defRPr>
+              <a:buNone/>
             </a:lvl5pPr>
-            <a:lvl6pPr indent="-381000" lvl="5" marL="2743200" rtl="0">
-              <a:spcBef>
-                <a:spcPts val="2000"/>
-              </a:spcBef>
-              <a:spcAft>
-                <a:spcPts val="0"/>
-              </a:spcAft>
-              <a:buClr>
-                <a:schemeClr val="accent1"/>
-              </a:buClr>
-              <a:buSzPts val="2400"/>
-              <a:buFont typeface="Roboto Mono Light"/>
-              <a:buChar char="■"/>
+            <a:lvl6pPr indent="0" lvl="5" marL="0" rtl="0">
+              <a:spcBef>
+                <a:spcPts val="2000"/>
+              </a:spcBef>
+              <a:spcAft>
+                <a:spcPts val="0"/>
+              </a:spcAft>
               <a:defRPr>
                 <a:solidFill>
                   <a:schemeClr val="dk1"/>
@@ -9016,20 +8410,15 @@
                 <a:cs typeface="Roboto Mono Light"/>
                 <a:sym typeface="Roboto Mono Light"/>
               </a:defRPr>
+              <a:buNone/>
             </a:lvl6pPr>
-            <a:lvl7pPr indent="-381000" lvl="6" marL="3200400" rtl="0">
-              <a:spcBef>
-                <a:spcPts val="2000"/>
-              </a:spcBef>
-              <a:spcAft>
-                <a:spcPts val="0"/>
-              </a:spcAft>
-              <a:buClr>
-                <a:schemeClr val="accent1"/>
-              </a:buClr>
-              <a:buSzPts val="2400"/>
-              <a:buFont typeface="Roboto Mono Light"/>
-              <a:buChar char="●"/>
+            <a:lvl7pPr indent="0" lvl="6" marL="0" rtl="0">
+              <a:spcBef>
+                <a:spcPts val="2000"/>
+              </a:spcBef>
+              <a:spcAft>
+                <a:spcPts val="0"/>
+              </a:spcAft>
               <a:defRPr>
                 <a:solidFill>
                   <a:schemeClr val="dk1"/>
@@ -9039,20 +8428,15 @@
                 <a:cs typeface="Roboto Mono Light"/>
                 <a:sym typeface="Roboto Mono Light"/>
               </a:defRPr>
+              <a:buNone/>
             </a:lvl7pPr>
-            <a:lvl8pPr indent="-381000" lvl="7" marL="3657600" rtl="0">
-              <a:spcBef>
-                <a:spcPts val="2000"/>
-              </a:spcBef>
-              <a:spcAft>
-                <a:spcPts val="0"/>
-              </a:spcAft>
-              <a:buClr>
-                <a:schemeClr val="accent1"/>
-              </a:buClr>
-              <a:buSzPts val="2400"/>
-              <a:buFont typeface="Roboto Mono Light"/>
-              <a:buChar char="○"/>
+            <a:lvl8pPr indent="0" lvl="7" marL="0" rtl="0">
+              <a:spcBef>
+                <a:spcPts val="2000"/>
+              </a:spcBef>
+              <a:spcAft>
+                <a:spcPts val="0"/>
+              </a:spcAft>
               <a:defRPr>
                 <a:solidFill>
                   <a:schemeClr val="dk1"/>
@@ -9062,20 +8446,15 @@
                 <a:cs typeface="Roboto Mono Light"/>
                 <a:sym typeface="Roboto Mono Light"/>
               </a:defRPr>
+              <a:buNone/>
             </a:lvl8pPr>
-            <a:lvl9pPr indent="-381000" lvl="8" marL="4114800" rtl="0">
-              <a:spcBef>
-                <a:spcPts val="2000"/>
-              </a:spcBef>
-              <a:spcAft>
-                <a:spcPts val="2000"/>
-              </a:spcAft>
-              <a:buClr>
-                <a:schemeClr val="accent1"/>
-              </a:buClr>
-              <a:buSzPts val="2400"/>
-              <a:buFont typeface="Roboto Mono Light"/>
-              <a:buChar char="■"/>
+            <a:lvl9pPr indent="0" lvl="8" marL="0" rtl="0">
+              <a:spcBef>
+                <a:spcPts val="2000"/>
+              </a:spcBef>
+              <a:spcAft>
+                <a:spcPts val="2000"/>
+              </a:spcAft>
               <a:defRPr>
                 <a:solidFill>
                   <a:schemeClr val="dk1"/>
@@ -9085,6 +8464,7 @@
                 <a:cs typeface="Roboto Mono Light"/>
                 <a:sym typeface="Roboto Mono Light"/>
               </a:defRPr>
+              <a:buNone/>
             </a:lvl9pPr>
           </a:lstStyle>
           <a:p/>
@@ -9194,18 +8574,13 @@
             <a:noAutofit/>
           </a:bodyPr>
           <a:lstStyle>
-            <a:lvl1pPr lvl="0" rtl="0">
-              <a:spcBef>
-                <a:spcPts val="0"/>
-              </a:spcBef>
-              <a:spcAft>
-                <a:spcPts val="0"/>
-              </a:spcAft>
-              <a:buClr>
-                <a:schemeClr val="dk1"/>
-              </a:buClr>
-              <a:buSzPts val="5600"/>
-              <a:buFont typeface="Open Sans Light"/>
+            <a:lvl1pPr lvl="0" rtl="0" indent="0" marL="0">
+              <a:spcBef>
+                <a:spcPts val="0"/>
+              </a:spcBef>
+              <a:spcAft>
+                <a:spcPts val="0"/>
+              </a:spcAft>
               <a:buNone/>
               <a:defRPr sz="5600">
                 <a:solidFill>
@@ -9216,19 +8591,15 @@
                 <a:cs typeface="Open Sans Light"/>
                 <a:sym typeface="Open Sans Light"/>
               </a:defRPr>
+              <a:buNone/>
             </a:lvl1pPr>
-            <a:lvl2pPr lvl="1" rtl="0">
-              <a:spcBef>
-                <a:spcPts val="0"/>
-              </a:spcBef>
-              <a:spcAft>
-                <a:spcPts val="0"/>
-              </a:spcAft>
-              <a:buClr>
-                <a:schemeClr val="dk1"/>
-              </a:buClr>
-              <a:buSzPts val="5600"/>
-              <a:buFont typeface="Open Sans"/>
+            <a:lvl2pPr lvl="1" rtl="0" indent="0" marL="0">
+              <a:spcBef>
+                <a:spcPts val="0"/>
+              </a:spcBef>
+              <a:spcAft>
+                <a:spcPts val="0"/>
+              </a:spcAft>
               <a:buNone/>
               <a:defRPr sz="5600">
                 <a:solidFill>
@@ -9239,19 +8610,15 @@
                 <a:cs typeface="Open Sans"/>
                 <a:sym typeface="Open Sans"/>
               </a:defRPr>
+              <a:buNone/>
             </a:lvl2pPr>
-            <a:lvl3pPr lvl="2" rtl="0">
-              <a:spcBef>
-                <a:spcPts val="0"/>
-              </a:spcBef>
-              <a:spcAft>
-                <a:spcPts val="0"/>
-              </a:spcAft>
-              <a:buClr>
-                <a:schemeClr val="dk1"/>
-              </a:buClr>
-              <a:buSzPts val="5600"/>
-              <a:buFont typeface="Open Sans"/>
+            <a:lvl3pPr lvl="2" rtl="0" indent="0" marL="0">
+              <a:spcBef>
+                <a:spcPts val="0"/>
+              </a:spcBef>
+              <a:spcAft>
+                <a:spcPts val="0"/>
+              </a:spcAft>
               <a:buNone/>
               <a:defRPr sz="5600">
                 <a:solidFill>
@@ -9262,19 +8629,15 @@
                 <a:cs typeface="Open Sans"/>
                 <a:sym typeface="Open Sans"/>
               </a:defRPr>
+              <a:buNone/>
             </a:lvl3pPr>
-            <a:lvl4pPr lvl="3" rtl="0">
-              <a:spcBef>
-                <a:spcPts val="0"/>
-              </a:spcBef>
-              <a:spcAft>
-                <a:spcPts val="0"/>
-              </a:spcAft>
-              <a:buClr>
-                <a:schemeClr val="dk1"/>
-              </a:buClr>
-              <a:buSzPts val="5600"/>
-              <a:buFont typeface="Open Sans"/>
+            <a:lvl4pPr lvl="3" rtl="0" indent="0" marL="0">
+              <a:spcBef>
+                <a:spcPts val="0"/>
+              </a:spcBef>
+              <a:spcAft>
+                <a:spcPts val="0"/>
+              </a:spcAft>
               <a:buNone/>
               <a:defRPr sz="5600">
                 <a:solidFill>
@@ -9285,19 +8648,15 @@
                 <a:cs typeface="Open Sans"/>
                 <a:sym typeface="Open Sans"/>
               </a:defRPr>
+              <a:buNone/>
             </a:lvl4pPr>
-            <a:lvl5pPr lvl="4" rtl="0">
-              <a:spcBef>
-                <a:spcPts val="0"/>
-              </a:spcBef>
-              <a:spcAft>
-                <a:spcPts val="0"/>
-              </a:spcAft>
-              <a:buClr>
-                <a:schemeClr val="dk1"/>
-              </a:buClr>
-              <a:buSzPts val="5600"/>
-              <a:buFont typeface="Open Sans"/>
+            <a:lvl5pPr lvl="4" rtl="0" indent="0" marL="0">
+              <a:spcBef>
+                <a:spcPts val="0"/>
+              </a:spcBef>
+              <a:spcAft>
+                <a:spcPts val="0"/>
+              </a:spcAft>
               <a:buNone/>
               <a:defRPr sz="5600">
                 <a:solidFill>
@@ -9308,19 +8667,15 @@
                 <a:cs typeface="Open Sans"/>
                 <a:sym typeface="Open Sans"/>
               </a:defRPr>
+              <a:buNone/>
             </a:lvl5pPr>
-            <a:lvl6pPr lvl="5" rtl="0">
-              <a:spcBef>
-                <a:spcPts val="0"/>
-              </a:spcBef>
-              <a:spcAft>
-                <a:spcPts val="0"/>
-              </a:spcAft>
-              <a:buClr>
-                <a:schemeClr val="dk1"/>
-              </a:buClr>
-              <a:buSzPts val="5600"/>
-              <a:buFont typeface="Open Sans"/>
+            <a:lvl6pPr lvl="5" rtl="0" indent="0" marL="0">
+              <a:spcBef>
+                <a:spcPts val="0"/>
+              </a:spcBef>
+              <a:spcAft>
+                <a:spcPts val="0"/>
+              </a:spcAft>
               <a:buNone/>
               <a:defRPr sz="5600">
                 <a:solidFill>
@@ -9331,19 +8686,15 @@
                 <a:cs typeface="Open Sans"/>
                 <a:sym typeface="Open Sans"/>
               </a:defRPr>
+              <a:buNone/>
             </a:lvl6pPr>
-            <a:lvl7pPr lvl="6" rtl="0">
-              <a:spcBef>
-                <a:spcPts val="0"/>
-              </a:spcBef>
-              <a:spcAft>
-                <a:spcPts val="0"/>
-              </a:spcAft>
-              <a:buClr>
-                <a:schemeClr val="dk1"/>
-              </a:buClr>
-              <a:buSzPts val="5600"/>
-              <a:buFont typeface="Open Sans"/>
+            <a:lvl7pPr lvl="6" rtl="0" indent="0" marL="0">
+              <a:spcBef>
+                <a:spcPts val="0"/>
+              </a:spcBef>
+              <a:spcAft>
+                <a:spcPts val="0"/>
+              </a:spcAft>
               <a:buNone/>
               <a:defRPr sz="5600">
                 <a:solidFill>
@@ -9354,19 +8705,15 @@
                 <a:cs typeface="Open Sans"/>
                 <a:sym typeface="Open Sans"/>
               </a:defRPr>
+              <a:buNone/>
             </a:lvl7pPr>
-            <a:lvl8pPr lvl="7" rtl="0">
-              <a:spcBef>
-                <a:spcPts val="0"/>
-              </a:spcBef>
-              <a:spcAft>
-                <a:spcPts val="0"/>
-              </a:spcAft>
-              <a:buClr>
-                <a:schemeClr val="dk1"/>
-              </a:buClr>
-              <a:buSzPts val="5600"/>
-              <a:buFont typeface="Open Sans"/>
+            <a:lvl8pPr lvl="7" rtl="0" indent="0" marL="0">
+              <a:spcBef>
+                <a:spcPts val="0"/>
+              </a:spcBef>
+              <a:spcAft>
+                <a:spcPts val="0"/>
+              </a:spcAft>
               <a:buNone/>
               <a:defRPr sz="5600">
                 <a:solidFill>
@@ -9377,19 +8724,15 @@
                 <a:cs typeface="Open Sans"/>
                 <a:sym typeface="Open Sans"/>
               </a:defRPr>
+              <a:buNone/>
             </a:lvl8pPr>
-            <a:lvl9pPr lvl="8" rtl="0">
-              <a:spcBef>
-                <a:spcPts val="0"/>
-              </a:spcBef>
-              <a:spcAft>
-                <a:spcPts val="0"/>
-              </a:spcAft>
-              <a:buClr>
-                <a:schemeClr val="dk1"/>
-              </a:buClr>
-              <a:buSzPts val="5600"/>
-              <a:buFont typeface="Open Sans"/>
+            <a:lvl9pPr lvl="8" rtl="0" indent="0" marL="0">
+              <a:spcBef>
+                <a:spcPts val="0"/>
+              </a:spcBef>
+              <a:spcAft>
+                <a:spcPts val="0"/>
+              </a:spcAft>
               <a:buNone/>
               <a:defRPr sz="5600">
                 <a:solidFill>
@@ -9400,6 +8743,7 @@
                 <a:cs typeface="Open Sans"/>
                 <a:sym typeface="Open Sans"/>
               </a:defRPr>
+              <a:buNone/>
             </a:lvl9pPr>
           </a:lstStyle>
           <a:p/>
@@ -9431,7 +8775,7 @@
             <a:noAutofit/>
           </a:bodyPr>
           <a:lstStyle>
-            <a:lvl1pPr indent="-457200" lvl="0" marL="457200" rtl="0">
+            <a:lvl1pPr indent="0" lvl="0" marL="0" rtl="0">
               <a:lnSpc>
                 <a:spcPct val="115000"/>
               </a:lnSpc>
@@ -9441,12 +8785,6 @@
               <a:spcAft>
                 <a:spcPts val="0"/>
               </a:spcAft>
-              <a:buClr>
-                <a:schemeClr val="dk1"/>
-              </a:buClr>
-              <a:buSzPts val="3600"/>
-              <a:buFont typeface="Open Sans"/>
-              <a:buChar char="●"/>
               <a:defRPr sz="3600">
                 <a:solidFill>
                   <a:schemeClr val="dk1"/>
@@ -9456,8 +8794,9 @@
                 <a:cs typeface="Open Sans"/>
                 <a:sym typeface="Open Sans"/>
               </a:defRPr>
+              <a:buNone/>
             </a:lvl1pPr>
-            <a:lvl2pPr indent="-419100" lvl="1" marL="914400" rtl="0">
+            <a:lvl2pPr indent="0" lvl="1" marL="0" rtl="0">
               <a:lnSpc>
                 <a:spcPct val="115000"/>
               </a:lnSpc>
@@ -9467,12 +8806,6 @@
               <a:spcAft>
                 <a:spcPts val="0"/>
               </a:spcAft>
-              <a:buClr>
-                <a:schemeClr val="dk1"/>
-              </a:buClr>
-              <a:buSzPts val="3000"/>
-              <a:buFont typeface="Open Sans"/>
-              <a:buChar char="○"/>
               <a:defRPr sz="3000">
                 <a:solidFill>
                   <a:schemeClr val="dk1"/>
@@ -9482,8 +8815,9 @@
                 <a:cs typeface="Open Sans"/>
                 <a:sym typeface="Open Sans"/>
               </a:defRPr>
+              <a:buNone/>
             </a:lvl2pPr>
-            <a:lvl3pPr indent="-381000" lvl="2" marL="1371600" rtl="0">
+            <a:lvl3pPr indent="0" lvl="2" marL="0" rtl="0">
               <a:lnSpc>
                 <a:spcPct val="115000"/>
               </a:lnSpc>
@@ -9493,12 +8827,6 @@
               <a:spcAft>
                 <a:spcPts val="0"/>
               </a:spcAft>
-              <a:buClr>
-                <a:schemeClr val="dk1"/>
-              </a:buClr>
-              <a:buSzPts val="2400"/>
-              <a:buFont typeface="Open Sans"/>
-              <a:buChar char="■"/>
               <a:defRPr sz="2400">
                 <a:solidFill>
                   <a:schemeClr val="dk1"/>
@@ -9508,8 +8836,9 @@
                 <a:cs typeface="Open Sans"/>
                 <a:sym typeface="Open Sans"/>
               </a:defRPr>
+              <a:buNone/>
             </a:lvl3pPr>
-            <a:lvl4pPr indent="-381000" lvl="3" marL="1828800" rtl="0">
+            <a:lvl4pPr indent="0" lvl="3" marL="0" rtl="0">
               <a:lnSpc>
                 <a:spcPct val="115000"/>
               </a:lnSpc>
@@ -9519,12 +8848,6 @@
               <a:spcAft>
                 <a:spcPts val="0"/>
               </a:spcAft>
-              <a:buClr>
-                <a:schemeClr val="dk1"/>
-              </a:buClr>
-              <a:buSzPts val="2400"/>
-              <a:buFont typeface="Open Sans"/>
-              <a:buChar char="●"/>
               <a:defRPr sz="2400">
                 <a:solidFill>
                   <a:schemeClr val="dk1"/>
@@ -9534,8 +8857,9 @@
                 <a:cs typeface="Open Sans"/>
                 <a:sym typeface="Open Sans"/>
               </a:defRPr>
+              <a:buNone/>
             </a:lvl4pPr>
-            <a:lvl5pPr indent="-381000" lvl="4" marL="2286000" rtl="0">
+            <a:lvl5pPr indent="0" lvl="4" marL="0" rtl="0">
               <a:lnSpc>
                 <a:spcPct val="115000"/>
               </a:lnSpc>
@@ -9545,12 +8869,6 @@
               <a:spcAft>
                 <a:spcPts val="0"/>
               </a:spcAft>
-              <a:buClr>
-                <a:schemeClr val="dk1"/>
-              </a:buClr>
-              <a:buSzPts val="2400"/>
-              <a:buFont typeface="Open Sans"/>
-              <a:buChar char="○"/>
               <a:defRPr sz="2400">
                 <a:solidFill>
                   <a:schemeClr val="dk1"/>
@@ -9560,8 +8878,9 @@
                 <a:cs typeface="Open Sans"/>
                 <a:sym typeface="Open Sans"/>
               </a:defRPr>
+              <a:buNone/>
             </a:lvl5pPr>
-            <a:lvl6pPr indent="-381000" lvl="5" marL="2743200" rtl="0">
+            <a:lvl6pPr indent="0" lvl="5" marL="0" rtl="0">
               <a:lnSpc>
                 <a:spcPct val="115000"/>
               </a:lnSpc>
@@ -9571,12 +8890,6 @@
               <a:spcAft>
                 <a:spcPts val="0"/>
               </a:spcAft>
-              <a:buClr>
-                <a:schemeClr val="dk1"/>
-              </a:buClr>
-              <a:buSzPts val="2400"/>
-              <a:buFont typeface="Open Sans"/>
-              <a:buChar char="■"/>
               <a:defRPr sz="2400">
                 <a:solidFill>
                   <a:schemeClr val="dk1"/>
@@ -9586,8 +8899,9 @@
                 <a:cs typeface="Open Sans"/>
                 <a:sym typeface="Open Sans"/>
               </a:defRPr>
+              <a:buNone/>
             </a:lvl6pPr>
-            <a:lvl7pPr indent="-381000" lvl="6" marL="3200400" rtl="0">
+            <a:lvl7pPr indent="0" lvl="6" marL="0" rtl="0">
               <a:lnSpc>
                 <a:spcPct val="115000"/>
               </a:lnSpc>
@@ -9597,12 +8911,6 @@
               <a:spcAft>
                 <a:spcPts val="0"/>
               </a:spcAft>
-              <a:buClr>
-                <a:schemeClr val="dk1"/>
-              </a:buClr>
-              <a:buSzPts val="2400"/>
-              <a:buFont typeface="Open Sans"/>
-              <a:buChar char="●"/>
               <a:defRPr sz="2400">
                 <a:solidFill>
                   <a:schemeClr val="dk1"/>
@@ -9612,8 +8920,9 @@
                 <a:cs typeface="Open Sans"/>
                 <a:sym typeface="Open Sans"/>
               </a:defRPr>
+              <a:buNone/>
             </a:lvl7pPr>
-            <a:lvl8pPr indent="-381000" lvl="7" marL="3657600" rtl="0">
+            <a:lvl8pPr indent="0" lvl="7" marL="0" rtl="0">
               <a:lnSpc>
                 <a:spcPct val="115000"/>
               </a:lnSpc>
@@ -9623,12 +8932,6 @@
               <a:spcAft>
                 <a:spcPts val="0"/>
               </a:spcAft>
-              <a:buClr>
-                <a:schemeClr val="dk1"/>
-              </a:buClr>
-              <a:buSzPts val="2400"/>
-              <a:buFont typeface="Open Sans"/>
-              <a:buChar char="○"/>
               <a:defRPr sz="2400">
                 <a:solidFill>
                   <a:schemeClr val="dk1"/>
@@ -9638,8 +8941,9 @@
                 <a:cs typeface="Open Sans"/>
                 <a:sym typeface="Open Sans"/>
               </a:defRPr>
+              <a:buNone/>
             </a:lvl8pPr>
-            <a:lvl9pPr indent="-381000" lvl="8" marL="4114800" rtl="0">
+            <a:lvl9pPr indent="0" lvl="8" marL="0" rtl="0">
               <a:lnSpc>
                 <a:spcPct val="115000"/>
               </a:lnSpc>
@@ -9649,12 +8953,6 @@
               <a:spcAft>
                 <a:spcPts val="0"/>
               </a:spcAft>
-              <a:buClr>
-                <a:schemeClr val="dk1"/>
-              </a:buClr>
-              <a:buSzPts val="2400"/>
-              <a:buFont typeface="Open Sans"/>
-              <a:buChar char="■"/>
               <a:defRPr sz="2400">
                 <a:solidFill>
                   <a:schemeClr val="dk1"/>
@@ -9664,6 +8962,7 @@
                 <a:cs typeface="Open Sans"/>
                 <a:sym typeface="Open Sans"/>
               </a:defRPr>
+              <a:buNone/>
             </a:lvl9pPr>
           </a:lstStyle>
           <a:p/>
@@ -9695,77 +8994,86 @@
             <a:normAutofit/>
           </a:bodyPr>
           <a:lstStyle>
-            <a:lvl1pPr lvl="0" rtl="0" algn="r">
+            <a:lvl1pPr lvl="0" rtl="0" algn="r" indent="0" marL="0">
               <a:buNone/>
               <a:defRPr sz="2000">
                 <a:solidFill>
                   <a:schemeClr val="dk2"/>
                 </a:solidFill>
               </a:defRPr>
+              <a:buNone/>
             </a:lvl1pPr>
-            <a:lvl2pPr lvl="1" rtl="0" algn="r">
+            <a:lvl2pPr lvl="1" rtl="0" algn="r" indent="0" marL="0">
               <a:buNone/>
               <a:defRPr sz="2000">
                 <a:solidFill>
                   <a:schemeClr val="dk2"/>
                 </a:solidFill>
               </a:defRPr>
+              <a:buNone/>
             </a:lvl2pPr>
-            <a:lvl3pPr lvl="2" rtl="0" algn="r">
+            <a:lvl3pPr lvl="2" rtl="0" algn="r" indent="0" marL="0">
               <a:buNone/>
               <a:defRPr sz="2000">
                 <a:solidFill>
                   <a:schemeClr val="dk2"/>
                 </a:solidFill>
               </a:defRPr>
+              <a:buNone/>
             </a:lvl3pPr>
-            <a:lvl4pPr lvl="3" rtl="0" algn="r">
+            <a:lvl4pPr lvl="3" rtl="0" algn="r" indent="0" marL="0">
               <a:buNone/>
               <a:defRPr sz="2000">
                 <a:solidFill>
                   <a:schemeClr val="dk2"/>
                 </a:solidFill>
               </a:defRPr>
+              <a:buNone/>
             </a:lvl4pPr>
-            <a:lvl5pPr lvl="4" rtl="0" algn="r">
+            <a:lvl5pPr lvl="4" rtl="0" algn="r" indent="0" marL="0">
               <a:buNone/>
               <a:defRPr sz="2000">
                 <a:solidFill>
                   <a:schemeClr val="dk2"/>
                 </a:solidFill>
               </a:defRPr>
+              <a:buNone/>
             </a:lvl5pPr>
-            <a:lvl6pPr lvl="5" rtl="0" algn="r">
+            <a:lvl6pPr lvl="5" rtl="0" algn="r" indent="0" marL="0">
               <a:buNone/>
               <a:defRPr sz="2000">
                 <a:solidFill>
                   <a:schemeClr val="dk2"/>
                 </a:solidFill>
               </a:defRPr>
+              <a:buNone/>
             </a:lvl6pPr>
-            <a:lvl7pPr lvl="6" rtl="0" algn="r">
+            <a:lvl7pPr lvl="6" rtl="0" algn="r" indent="0" marL="0">
               <a:buNone/>
               <a:defRPr sz="2000">
                 <a:solidFill>
                   <a:schemeClr val="dk2"/>
                 </a:solidFill>
               </a:defRPr>
+              <a:buNone/>
             </a:lvl7pPr>
-            <a:lvl8pPr lvl="7" rtl="0" algn="r">
+            <a:lvl8pPr lvl="7" rtl="0" algn="r" indent="0" marL="0">
               <a:buNone/>
               <a:defRPr sz="2000">
                 <a:solidFill>
                   <a:schemeClr val="dk2"/>
                 </a:solidFill>
               </a:defRPr>
+              <a:buNone/>
             </a:lvl8pPr>
-            <a:lvl9pPr lvl="8" rtl="0" algn="r">
+            <a:lvl9pPr lvl="8" rtl="0" algn="r" indent="0" marL="0">
               <a:buNone/>
               <a:defRPr sz="2000">
                 <a:solidFill>
                   <a:schemeClr val="dk2"/>
                 </a:solidFill>
               </a:defRPr>
+              <a:buNone/>
             </a:lvl9pPr>
           </a:lstStyle>
           <a:p>
@@ -10733,7 +10041,7 @@
             </a:pPr>
             <a:r>
               <a:rPr b="1" lang="en"/>
-              <a:t>Data Scientist: Tyrone Wilcoxson</a:t>
+              <a:t>Data Scientist: Tim Wilcoxson</a:t>
             </a:r>
             <a:endParaRPr b="1"/>
           </a:p>
@@ -11118,19 +10426,26 @@
             </a:endParaRPr>
           </a:p>
           <a:p>
+            <a:pPr indent="0" marL="0">
+              <a:buNone/>
+            </a:pPr>
             <a:r>
               <a:rPr sz="1400"/>
               <a:t>    Values such as 5.9, 6.1, and 7.8 can take any real number within a range.</a:t>
             </a:r>
           </a:p>
           <a:p>
-            <a:pPr>
+            <a:pPr indent="0" marL="0">
               <a:spcAft>
                 <a:spcPts val="400"/>
               </a:spcAft>
+              <a:buNone/>
             </a:pPr>
           </a:p>
           <a:p>
+            <a:pPr indent="0" marL="0">
+              <a:buNone/>
+            </a:pPr>
             <a:r>
               <a:rPr sz="1400" b="1"/>
               <a:t>Daily Steps</a:t>
@@ -11149,19 +10464,26 @@
             </a:r>
           </a:p>
           <a:p>
+            <a:pPr indent="0" marL="0">
+              <a:buNone/>
+            </a:pPr>
             <a:r>
               <a:rPr sz="1400"/>
               <a:t>    Values such as 3,000, 5,600, and 10,000 are whole numbers.</a:t>
             </a:r>
           </a:p>
           <a:p>
-            <a:pPr>
+            <a:pPr indent="0" marL="0">
               <a:spcAft>
                 <a:spcPts val="400"/>
               </a:spcAft>
+              <a:buNone/>
             </a:pPr>
           </a:p>
           <a:p>
+            <a:pPr indent="0" marL="0">
+              <a:buNone/>
+            </a:pPr>
             <a:r>
               <a:rPr sz="1400" b="1"/>
               <a:t>Quality of Sleep (scale: 1–10)</a:t>
@@ -11180,19 +10502,26 @@
             </a:r>
           </a:p>
           <a:p>
+            <a:pPr indent="0" marL="0">
+              <a:buNone/>
+            </a:pPr>
             <a:r>
               <a:rPr sz="1400"/>
               <a:t>    The ratings have a meaningful order from low (1) to high (10).</a:t>
             </a:r>
           </a:p>
           <a:p>
-            <a:pPr>
+            <a:pPr indent="0" marL="0">
               <a:spcAft>
                 <a:spcPts val="400"/>
               </a:spcAft>
+              <a:buNone/>
             </a:pPr>
           </a:p>
           <a:p>
+            <a:pPr indent="0" marL="0">
+              <a:buNone/>
+            </a:pPr>
             <a:r>
               <a:rPr sz="1400" b="1"/>
               <a:t>Gender</a:t>
@@ -11211,6 +10540,9 @@
             </a:r>
           </a:p>
           <a:p>
+            <a:pPr indent="0" marL="0">
+              <a:buNone/>
+            </a:pPr>
             <a:r>
               <a:rPr sz="1400"/>
               <a:t>    Categories (Male, Female) have no inherent order or ranking.</a:t>
@@ -11329,13 +10661,17 @@
             </a:endParaRPr>
           </a:p>
           <a:p>
-            <a:pPr>
+            <a:pPr indent="0" marL="0">
               <a:spcAft>
                 <a:spcPts val="400"/>
               </a:spcAft>
+              <a:buNone/>
             </a:pPr>
           </a:p>
           <a:p>
+            <a:pPr indent="0" marL="0">
+              <a:buNone/>
+            </a:pPr>
             <a:r>
               <a:rPr sz="1400" b="1"/>
               <a:t>•  Mean: </a:t>
@@ -11346,6 +10682,9 @@
             </a:r>
           </a:p>
           <a:p>
+            <a:pPr indent="0" marL="0">
+              <a:buNone/>
+            </a:pPr>
             <a:r>
               <a:rPr sz="1400" b="1"/>
               <a:t>•  Median: </a:t>
@@ -11356,6 +10695,9 @@
             </a:r>
           </a:p>
           <a:p>
+            <a:pPr indent="0" marL="0">
+              <a:buNone/>
+            </a:pPr>
             <a:r>
               <a:rPr sz="1400" b="1"/>
               <a:t>•  Mode: </a:t>
@@ -11366,50 +10708,70 @@
             </a:r>
           </a:p>
           <a:p>
-            <a:pPr>
+            <a:pPr indent="0" marL="0">
               <a:spcAft>
                 <a:spcPts val="400"/>
               </a:spcAft>
+              <a:buNone/>
             </a:pPr>
           </a:p>
           <a:p>
+            <a:pPr indent="0" marL="0">
+              <a:buNone/>
+            </a:pPr>
             <a:r>
               <a:rPr sz="1400" b="1"/>
               <a:t>Distribution Shape (Mean vs. Median)</a:t>
             </a:r>
           </a:p>
           <a:p>
-            <a:pPr>
+            <a:pPr indent="0" marL="0">
               <a:spcAft>
                 <a:spcPts val="400"/>
               </a:spcAft>
+              <a:buNone/>
             </a:pPr>
           </a:p>
           <a:p>
+            <a:pPr indent="0" marL="0">
+              <a:buNone/>
+            </a:pPr>
             <a:r>
               <a:rPr sz="1400"/>
               <a:t>The mean (59.17) is very close to the median (60.00), indicating</a:t>
             </a:r>
           </a:p>
           <a:p>
+            <a:pPr indent="0" marL="0">
+              <a:buNone/>
+            </a:pPr>
             <a:r>
               <a:rPr sz="1400"/>
               <a:t>the distribution is approximately symmetric. The mean is slightly</a:t>
             </a:r>
           </a:p>
           <a:p>
+            <a:pPr indent="0" marL="0">
+              <a:buNone/>
+            </a:pPr>
             <a:r>
               <a:rPr sz="1400"/>
               <a:t>less than the median, which can suggest a minor left tail, but the</a:t>
             </a:r>
           </a:p>
           <a:p>
+            <a:pPr indent="0" marL="0">
+              <a:buNone/>
+            </a:pPr>
             <a:r>
               <a:rPr sz="1400"/>
               <a:t>difference is negligible—the distribution of physical activity</a:t>
             </a:r>
           </a:p>
           <a:p>
+            <a:pPr indent="0" marL="0">
+              <a:buNone/>
+            </a:pPr>
             <a:r>
               <a:rPr sz="1400"/>
               <a:t>levels is effectively symmetric.</a:t>
@@ -11528,13 +10890,17 @@
             </a:endParaRPr>
           </a:p>
           <a:p>
-            <a:pPr>
+            <a:pPr indent="0" marL="0">
               <a:spcAft>
                 <a:spcPts val="400"/>
               </a:spcAft>
+              <a:buNone/>
             </a:pPr>
           </a:p>
           <a:p>
+            <a:pPr indent="0" marL="0">
+              <a:buNone/>
+            </a:pPr>
             <a:r>
               <a:rPr sz="1400" b="1"/>
               <a:t>•  Standard Deviation: </a:t>
@@ -11545,6 +10911,9 @@
             </a:r>
           </a:p>
           <a:p>
+            <a:pPr indent="0" marL="0">
+              <a:buNone/>
+            </a:pPr>
             <a:r>
               <a:rPr sz="1400" b="1"/>
               <a:t>•  Maximum: </a:t>
@@ -11555,6 +10924,9 @@
             </a:r>
           </a:p>
           <a:p>
+            <a:pPr indent="0" marL="0">
+              <a:buNone/>
+            </a:pPr>
             <a:r>
               <a:rPr sz="1400" b="1"/>
               <a:t>•  Minimum: </a:t>
@@ -11565,6 +10937,9 @@
             </a:r>
           </a:p>
           <a:p>
+            <a:pPr indent="0" marL="0">
+              <a:buNone/>
+            </a:pPr>
             <a:r>
               <a:rPr sz="1400" b="1"/>
               <a:t>•  Range: </a:t>
@@ -11575,26 +10950,34 @@
             </a:r>
           </a:p>
           <a:p>
-            <a:pPr>
+            <a:pPr indent="0" marL="0">
               <a:spcAft>
                 <a:spcPts val="400"/>
               </a:spcAft>
+              <a:buNone/>
             </a:pPr>
           </a:p>
           <a:p>
+            <a:pPr indent="0" marL="0">
+              <a:buNone/>
+            </a:pPr>
             <a:r>
               <a:rPr sz="1400" b="1"/>
               <a:t>Additional Measures of Spread</a:t>
             </a:r>
           </a:p>
           <a:p>
-            <a:pPr>
+            <a:pPr indent="0" marL="0">
               <a:spcAft>
                 <a:spcPts val="400"/>
               </a:spcAft>
+              <a:buNone/>
             </a:pPr>
           </a:p>
           <a:p>
+            <a:pPr indent="0" marL="0">
+              <a:buNone/>
+            </a:pPr>
             <a:r>
               <a:rPr sz="1400" b="1"/>
               <a:t>•  Variance: </a:t>
@@ -11605,6 +10988,9 @@
             </a:r>
           </a:p>
           <a:p>
+            <a:pPr indent="0" marL="0">
+              <a:buNone/>
+            </a:pPr>
             <a:r>
               <a:rPr sz="1400" b="1"/>
               <a:t>•  Q1 (25th Percentile): </a:t>
@@ -11615,6 +11001,9 @@
             </a:r>
           </a:p>
           <a:p>
+            <a:pPr indent="0" marL="0">
+              <a:buNone/>
+            </a:pPr>
             <a:r>
               <a:rPr sz="1400" b="1"/>
               <a:t>•  Q3 (75th Percentile): </a:t>
@@ -11625,6 +11014,9 @@
             </a:r>
           </a:p>
           <a:p>
+            <a:pPr indent="0" marL="0">
+              <a:buNone/>
+            </a:pPr>
             <a:r>
               <a:rPr sz="1400" b="1"/>
               <a:t>•  Interquartile Range (IQR): </a:t>
@@ -11635,19 +11027,26 @@
             </a:r>
           </a:p>
           <a:p>
-            <a:pPr>
+            <a:pPr indent="0" marL="0">
               <a:spcAft>
                 <a:spcPts val="400"/>
               </a:spcAft>
+              <a:buNone/>
             </a:pPr>
           </a:p>
           <a:p>
+            <a:pPr indent="0" marL="0">
+              <a:buNone/>
+            </a:pPr>
             <a:r>
               <a:rPr sz="1400"/>
               <a:t>The IQR of 2,400 steps shows that the middle 50% of participants</a:t>
             </a:r>
           </a:p>
           <a:p>
+            <a:pPr indent="0" marL="0">
+              <a:buNone/>
+            </a:pPr>
             <a:r>
               <a:rPr sz="1400"/>
               <a:t>take between 5,600 and 8,000 steps daily.</a:t>
@@ -11730,8 +11129,8 @@
         </p:nvSpPr>
         <p:spPr>
           <a:xfrm>
-            <a:off x="685850" y="1828800"/>
-            <a:ext cx="16393800" cy="6629400"/>
+            <a:off x="457200" y="1828800"/>
+            <a:ext cx="4114800" cy="6629400"/>
           </a:xfrm>
           <a:prstGeom prst="rect">
             <a:avLst/>
@@ -11756,12 +11155,12 @@
               <a:buNone/>
             </a:pPr>
             <a:r>
-              <a:rPr sz="1300" b="1"/>
+              <a:rPr sz="1200" b="1"/>
               <a:t>Measures of Center: </a:t>
             </a:r>
             <a:r>
-              <a:rPr sz="1300" b="0"/>
-              <a:t>Mean = 70.17, Median = 70.00, Mode = 68 bpm</a:t>
+              <a:rPr sz="1200" b="0"/>
+              <a:t>Mean = 70.17,</a:t>
             </a:r>
             <a:endParaRPr sz="3000">
               <a:solidFill>
@@ -11770,61 +11169,116 @@
             </a:endParaRPr>
           </a:p>
           <a:p>
-            <a:pPr>
+            <a:pPr indent="0" marL="0">
+              <a:buNone/>
+            </a:pPr>
+            <a:r>
+              <a:rPr sz="1200"/>
+              <a:t>Median = 70.00, Mode = 68 bpm</a:t>
+            </a:r>
+          </a:p>
+          <a:p>
+            <a:pPr indent="0" marL="0">
               <a:spcAft>
                 <a:spcPts val="400"/>
               </a:spcAft>
+              <a:buNone/>
             </a:pPr>
           </a:p>
           <a:p>
+            <a:pPr indent="0" marL="0">
+              <a:buNone/>
+            </a:pPr>
             <a:r>
-              <a:rPr sz="1300" b="1"/>
-              <a:t>Distribution Shape (Mean vs. Median): </a:t>
+              <a:rPr sz="1200" b="1"/>
+              <a:t>Distribution Shape: </a:t>
             </a:r>
             <a:r>
-              <a:rPr sz="1300" b="0"/>
-              <a:t>Right-skewed (positive skew)</a:t>
+              <a:rPr sz="1200" b="0"/>
+              <a:t>Right-skewed</a:t>
             </a:r>
           </a:p>
           <a:p>
+            <a:pPr indent="0" marL="0">
+              <a:buNone/>
+            </a:pPr>
             <a:r>
-              <a:rPr sz="1300"/>
-              <a:t>The mean (70.17) is greater than the median (70.00), confirming a</a:t>
+              <a:rPr sz="1200"/>
+              <a:t>Mean (70.17) &gt; Median (70.00)</a:t>
             </a:r>
           </a:p>
           <a:p>
+            <a:pPr indent="0" marL="0">
+              <a:buNone/>
+            </a:pPr>
             <a:r>
-              <a:rPr sz="1300"/>
-              <a:t>right-skewed distribution with a tail toward higher heart rates.</a:t>
+              <a:rPr sz="1200"/>
+              <a:t>confirms a right-skewed distribution.</a:t>
             </a:r>
           </a:p>
           <a:p>
-            <a:pPr>
+            <a:pPr indent="0" marL="0">
               <a:spcAft>
                 <a:spcPts val="400"/>
               </a:spcAft>
+              <a:buNone/>
             </a:pPr>
           </a:p>
           <a:p>
+            <a:pPr indent="0" marL="0">
+              <a:buNone/>
+            </a:pPr>
             <a:r>
-              <a:rPr sz="1300" b="1"/>
-              <a:t>Outliers (IQR Method): </a:t>
+              <a:rPr sz="1200" b="1"/>
+              <a:t>Outliers: </a:t>
             </a:r>
             <a:r>
-              <a:rPr sz="1300" b="0"/>
-              <a:t>15 outliers detected</a:t>
+              <a:rPr sz="1200" b="0"/>
+              <a:t>15 detected (IQR method)</a:t>
             </a:r>
           </a:p>
           <a:p>
+            <a:pPr indent="0" marL="0">
+              <a:buNone/>
+            </a:pPr>
             <a:r>
-              <a:rPr sz="1300"/>
-              <a:t>Heart rates above 78 bpm are outliers: 80, 81, 82, 83, 84, 85, 86 bpm.</a:t>
+              <a:rPr sz="1200"/>
+              <a:t>Values above 78 bpm are outliers:</a:t>
             </a:r>
           </a:p>
           <a:p>
+            <a:pPr indent="0" marL="0">
+              <a:buNone/>
+            </a:pPr>
             <a:r>
-              <a:rPr sz="1300"/>
-              <a:t>(Q1 = 68, Q3 = 72, IQR = 4, Upper fence = Q3 + 1.5 × IQR = 78 bpm)</a:t>
+              <a:rPr sz="1200"/>
+              <a:t>80, 81, 82, 83, 84, 85, 86 bpm</a:t>
+            </a:r>
+          </a:p>
+          <a:p>
+            <a:pPr indent="0" marL="0">
+              <a:spcAft>
+                <a:spcPts val="400"/>
+              </a:spcAft>
+              <a:buNone/>
+            </a:pPr>
+          </a:p>
+          <a:p>
+            <a:pPr indent="0" marL="0">
+              <a:buNone/>
+            </a:pPr>
+            <a:r>
+              <a:rPr sz="1200"/>
+              <a:t>Q1=68, Q3=72, IQR=4</a:t>
+            </a:r>
+          </a:p>
+          <a:p>
+            <a:pPr indent="0" marL="0">
+              <a:buNone/>
+            </a:pPr>
+            <a:r>
+              <a:rPr sz="1200"/>
+              <a:t>Upper fence = Q3+1.5×IQR = 78</a:t>
             </a:r>
           </a:p>
         </p:txBody>
@@ -11845,8 +11299,8 @@
         </p:blipFill>
         <p:spPr>
           <a:xfrm>
-            <a:off x="4389120" y="2011680"/>
-            <a:ext cx="4389120" cy="3657600"/>
+            <a:off x="4754880" y="1828800"/>
+            <a:ext cx="4572000" cy="3840480"/>
           </a:xfrm>
           <a:prstGeom prst="rect">
             <a:avLst/>
